--- a/BaoCaoDieuKhienThongMinh.pptx
+++ b/BaoCaoDieuKhienThongMinh.pptx
@@ -1,32 +1,32 @@
 
 <file path=ppt/presentation.xml><?xml version="1.0" encoding="utf-8"?>
-<p:presentation xmlns:a="http://schemas.openxmlformats.org/drawingml/2006/main" xmlns:r="http://schemas.openxmlformats.org/officeDocument/2006/relationships" xmlns:p="http://schemas.openxmlformats.org/presentationml/2006/main" saveSubsetFonts="1">
+<p:presentation xmlns:a="http://schemas.openxmlformats.org/drawingml/2006/main" xmlns:r="http://schemas.openxmlformats.org/officeDocument/2006/relationships" xmlns:p="http://schemas.openxmlformats.org/presentationml/2006/main">
   <p:sldMasterIdLst>
     <p:sldMasterId id="2147483648" r:id="rId1"/>
   </p:sldMasterIdLst>
   <p:notesMasterIdLst>
-    <p:notesMasterId r:id="rId21"/>
+    <p:notesMasterId r:id="rId22"/>
   </p:notesMasterIdLst>
   <p:sldIdLst>
-    <p:sldId id="272" r:id="rId2"/>
-    <p:sldId id="273" r:id="rId3"/>
-    <p:sldId id="259" r:id="rId4"/>
-    <p:sldId id="260" r:id="rId5"/>
-    <p:sldId id="261" r:id="rId6"/>
-    <p:sldId id="262" r:id="rId7"/>
-    <p:sldId id="263" r:id="rId8"/>
-    <p:sldId id="264" r:id="rId9"/>
-    <p:sldId id="265" r:id="rId10"/>
-    <p:sldId id="266" r:id="rId11"/>
-    <p:sldId id="268" r:id="rId12"/>
-    <p:sldId id="269" r:id="rId13"/>
-    <p:sldId id="270" r:id="rId14"/>
-    <p:sldId id="271" r:id="rId15"/>
-    <p:sldId id="274" r:id="rId16"/>
-    <p:sldId id="275" r:id="rId17"/>
-    <p:sldId id="277" r:id="rId18"/>
-    <p:sldId id="278" r:id="rId19"/>
-    <p:sldId id="276" r:id="rId20"/>
+    <p:sldId id="272" r:id="rId3"/>
+    <p:sldId id="273" r:id="rId4"/>
+    <p:sldId id="259" r:id="rId5"/>
+    <p:sldId id="260" r:id="rId6"/>
+    <p:sldId id="261" r:id="rId7"/>
+    <p:sldId id="262" r:id="rId8"/>
+    <p:sldId id="263" r:id="rId9"/>
+    <p:sldId id="264" r:id="rId10"/>
+    <p:sldId id="265" r:id="rId11"/>
+    <p:sldId id="266" r:id="rId12"/>
+    <p:sldId id="268" r:id="rId13"/>
+    <p:sldId id="269" r:id="rId14"/>
+    <p:sldId id="270" r:id="rId15"/>
+    <p:sldId id="271" r:id="rId16"/>
+    <p:sldId id="274" r:id="rId17"/>
+    <p:sldId id="275" r:id="rId18"/>
+    <p:sldId id="277" r:id="rId19"/>
+    <p:sldId id="278" r:id="rId20"/>
+    <p:sldId id="276" r:id="rId21"/>
   </p:sldIdLst>
   <p:sldSz cx="12192000" cy="6858000"/>
   <p:notesSz cx="6858000" cy="9144000"/>
@@ -125,20 +125,7 @@
       </a:defRPr>
     </a:lvl9pPr>
   </p:defaultTextStyle>
-  <p:extLst>
-    <p:ext uri="{EFAFB233-063F-42B5-8137-9DF3F51BA10A}">
-      <p15:sldGuideLst xmlns:p15="http://schemas.microsoft.com/office/powerpoint/2012/main"/>
-    </p:ext>
-  </p:extLst>
 </p:presentation>
-</file>
-
-<file path=ppt/revisionInfo.xml><?xml version="1.0" encoding="utf-8"?>
-<p1510:revInfo xmlns:a="http://schemas.openxmlformats.org/drawingml/2006/main" xmlns:r="http://schemas.openxmlformats.org/officeDocument/2006/relationships" xmlns:p1510="http://schemas.microsoft.com/office/powerpoint/2015/10/main">
-  <p1510:revLst>
-    <p1510:client id="{547D7D35-1167-45C2-B2F3-C24CDAA7314C}" v="31" dt="2024-05-24T10:06:29.121"/>
-  </p1510:revLst>
-</p1510:revInfo>
 </file>
 
 <file path=ppt/notesMasters/notesMaster1.xml><?xml version="1.0" encoding="utf-8"?>
@@ -223,7 +210,6 @@
           <a:p>
             <a:fld id="{3D44B2A1-A3D5-43B0-B8B1-BA1130BD5E50}" type="datetimeFigureOut">
               <a:rPr lang="en-US" smtClean="0"/>
-              <a:t>6/4/2024</a:t>
             </a:fld>
             <a:endParaRPr lang="en-US"/>
           </a:p>
@@ -290,6 +276,7 @@
               <a:rPr lang="en-US"/>
               <a:t>Click to edit Master text styles</a:t>
             </a:r>
+            <a:endParaRPr lang="en-US"/>
           </a:p>
           <a:p>
             <a:pPr lvl="1"/>
@@ -297,6 +284,7 @@
               <a:rPr lang="en-US"/>
               <a:t>Second level</a:t>
             </a:r>
+            <a:endParaRPr lang="en-US"/>
           </a:p>
           <a:p>
             <a:pPr lvl="2"/>
@@ -304,6 +292,7 @@
               <a:rPr lang="en-US"/>
               <a:t>Third level</a:t>
             </a:r>
+            <a:endParaRPr lang="en-US"/>
           </a:p>
           <a:p>
             <a:pPr lvl="3"/>
@@ -311,6 +300,7 @@
               <a:rPr lang="en-US"/>
               <a:t>Fourth level</a:t>
             </a:r>
+            <a:endParaRPr lang="en-US"/>
           </a:p>
           <a:p>
             <a:pPr lvl="4"/>
@@ -318,6 +308,7 @@
               <a:rPr lang="en-US"/>
               <a:t>Fifth level</a:t>
             </a:r>
+            <a:endParaRPr lang="en-US"/>
           </a:p>
         </p:txBody>
       </p:sp>
@@ -381,18 +372,12 @@
           <a:p>
             <a:fld id="{6B4CD56B-1899-4596-AC6F-B5EDED17AF1B}" type="slidenum">
               <a:rPr lang="en-US" smtClean="0"/>
-              <a:t>‹#›</a:t>
             </a:fld>
             <a:endParaRPr lang="en-US"/>
           </a:p>
         </p:txBody>
       </p:sp>
     </p:spTree>
-    <p:extLst>
-      <p:ext uri="{BB962C8B-B14F-4D97-AF65-F5344CB8AC3E}">
-        <p14:creationId xmlns:p14="http://schemas.microsoft.com/office/powerpoint/2010/main" val="1343936833"/>
-      </p:ext>
-    </p:extLst>
   </p:cSld>
   <p:clrMap bg1="lt1" tx1="dk1" bg2="lt2" tx2="dk2" accent1="accent1" accent2="accent2" accent3="accent3" accent4="accent4" accent5="accent5" accent6="accent6" hlink="hlink" folHlink="folHlink"/>
   <p:notesStyle>
@@ -509,13 +494,7 @@
       </p:grpSpPr>
       <p:sp>
         <p:nvSpPr>
-          <p:cNvPr id="4" name="Date Placeholder 3">
-            <a:extLst>
-              <a:ext uri="{FF2B5EF4-FFF2-40B4-BE49-F238E27FC236}">
-                <a16:creationId xmlns:a16="http://schemas.microsoft.com/office/drawing/2014/main" id="{01E4BEF0-BAE2-05ED-4824-ABD492EAE0F4}"/>
-              </a:ext>
-            </a:extLst>
-          </p:cNvPr>
+          <p:cNvPr id="4" name="Date Placeholder 3"/>
           <p:cNvSpPr>
             <a:spLocks noGrp="1"/>
           </p:cNvSpPr>
@@ -530,7 +509,6 @@
           <a:p>
             <a:fld id="{323ABDF7-7DB0-4769-89C4-F09FC08B6B0E}" type="datetime1">
               <a:rPr lang="en-US" smtClean="0"/>
-              <a:t>6/4/2024</a:t>
             </a:fld>
             <a:endParaRPr lang="en-US"/>
           </a:p>
@@ -538,13 +516,7 @@
       </p:sp>
       <p:sp>
         <p:nvSpPr>
-          <p:cNvPr id="5" name="Footer Placeholder 4">
-            <a:extLst>
-              <a:ext uri="{FF2B5EF4-FFF2-40B4-BE49-F238E27FC236}">
-                <a16:creationId xmlns:a16="http://schemas.microsoft.com/office/drawing/2014/main" id="{D26FE2CB-DC75-E072-CE32-6E8A2EFAC0E8}"/>
-              </a:ext>
-            </a:extLst>
-          </p:cNvPr>
+          <p:cNvPr id="5" name="Footer Placeholder 4"/>
           <p:cNvSpPr>
             <a:spLocks noGrp="1"/>
           </p:cNvSpPr>
@@ -563,13 +535,7 @@
       </p:sp>
       <p:sp>
         <p:nvSpPr>
-          <p:cNvPr id="6" name="Slide Number Placeholder 5">
-            <a:extLst>
-              <a:ext uri="{FF2B5EF4-FFF2-40B4-BE49-F238E27FC236}">
-                <a16:creationId xmlns:a16="http://schemas.microsoft.com/office/drawing/2014/main" id="{70C4DC9D-B341-BF1E-0A69-32DE972A651C}"/>
-              </a:ext>
-            </a:extLst>
-          </p:cNvPr>
+          <p:cNvPr id="6" name="Slide Number Placeholder 5"/>
           <p:cNvSpPr>
             <a:spLocks noGrp="1"/>
           </p:cNvSpPr>
@@ -584,7 +550,6 @@
           <a:p>
             <a:fld id="{442C1155-F164-44A2-862A-E50421BF24BC}" type="slidenum">
               <a:rPr lang="en-US" smtClean="0"/>
-              <a:t>‹#›</a:t>
             </a:fld>
             <a:endParaRPr lang="en-US"/>
           </a:p>
@@ -592,13 +557,7 @@
       </p:sp>
       <p:pic>
         <p:nvPicPr>
-          <p:cNvPr id="1026" name="Picture 2" descr="Khoa Điện Điện Tử - Đại học Sư Phạm Kỹ Thuật Tp.HCM">
-            <a:extLst>
-              <a:ext uri="{FF2B5EF4-FFF2-40B4-BE49-F238E27FC236}">
-                <a16:creationId xmlns:a16="http://schemas.microsoft.com/office/drawing/2014/main" id="{E778FCFA-8AFD-0052-7B3B-80ED645586C6}"/>
-              </a:ext>
-            </a:extLst>
-          </p:cNvPr>
+          <p:cNvPr id="1026" name="Picture 2" descr="Khoa Điện Điện Tử - Đại học Sư Phạm Kỹ Thuật Tp.HCM"/>
           <p:cNvPicPr>
             <a:picLocks noChangeAspect="1" noChangeArrowheads="1"/>
           </p:cNvPicPr>
@@ -638,11 +597,6 @@
         </p:spPr>
       </p:pic>
     </p:spTree>
-    <p:extLst>
-      <p:ext uri="{BB962C8B-B14F-4D97-AF65-F5344CB8AC3E}">
-        <p14:creationId xmlns:p14="http://schemas.microsoft.com/office/powerpoint/2010/main" val="4173809144"/>
-      </p:ext>
-    </p:extLst>
   </p:cSld>
   <p:clrMapOvr>
     <a:masterClrMapping/>
@@ -669,13 +623,7 @@
       </p:grpSpPr>
       <p:sp>
         <p:nvSpPr>
-          <p:cNvPr id="4" name="Date Placeholder 3">
-            <a:extLst>
-              <a:ext uri="{FF2B5EF4-FFF2-40B4-BE49-F238E27FC236}">
-                <a16:creationId xmlns:a16="http://schemas.microsoft.com/office/drawing/2014/main" id="{3789529E-8887-4181-0481-B8A936F3151B}"/>
-              </a:ext>
-            </a:extLst>
-          </p:cNvPr>
+          <p:cNvPr id="4" name="Date Placeholder 3"/>
           <p:cNvSpPr>
             <a:spLocks noGrp="1"/>
           </p:cNvSpPr>
@@ -690,7 +638,6 @@
           <a:p>
             <a:fld id="{04160886-68CE-4A07-9349-C1DB1F5C30E6}" type="datetime1">
               <a:rPr lang="en-US" smtClean="0"/>
-              <a:t>6/4/2024</a:t>
             </a:fld>
             <a:endParaRPr lang="en-US"/>
           </a:p>
@@ -698,13 +645,7 @@
       </p:sp>
       <p:sp>
         <p:nvSpPr>
-          <p:cNvPr id="5" name="Footer Placeholder 4">
-            <a:extLst>
-              <a:ext uri="{FF2B5EF4-FFF2-40B4-BE49-F238E27FC236}">
-                <a16:creationId xmlns:a16="http://schemas.microsoft.com/office/drawing/2014/main" id="{A50C1C15-E600-BDB4-5931-437A95C46995}"/>
-              </a:ext>
-            </a:extLst>
-          </p:cNvPr>
+          <p:cNvPr id="5" name="Footer Placeholder 4"/>
           <p:cNvSpPr>
             <a:spLocks noGrp="1"/>
           </p:cNvSpPr>
@@ -723,13 +664,7 @@
       </p:sp>
       <p:sp>
         <p:nvSpPr>
-          <p:cNvPr id="6" name="Slide Number Placeholder 5">
-            <a:extLst>
-              <a:ext uri="{FF2B5EF4-FFF2-40B4-BE49-F238E27FC236}">
-                <a16:creationId xmlns:a16="http://schemas.microsoft.com/office/drawing/2014/main" id="{960AD33F-BF92-3834-0754-C93DDF2C8144}"/>
-              </a:ext>
-            </a:extLst>
-          </p:cNvPr>
+          <p:cNvPr id="6" name="Slide Number Placeholder 5"/>
           <p:cNvSpPr>
             <a:spLocks noGrp="1"/>
           </p:cNvSpPr>
@@ -744,7 +679,6 @@
           <a:p>
             <a:fld id="{442C1155-F164-44A2-862A-E50421BF24BC}" type="slidenum">
               <a:rPr lang="en-US" smtClean="0"/>
-              <a:t>‹#›</a:t>
             </a:fld>
             <a:endParaRPr lang="en-US"/>
           </a:p>
@@ -752,13 +686,7 @@
       </p:sp>
       <p:sp>
         <p:nvSpPr>
-          <p:cNvPr id="7" name="TextBox 6">
-            <a:extLst>
-              <a:ext uri="{FF2B5EF4-FFF2-40B4-BE49-F238E27FC236}">
-                <a16:creationId xmlns:a16="http://schemas.microsoft.com/office/drawing/2014/main" id="{156BD2EA-AC8A-9E50-CD4C-F610A1DD709B}"/>
-              </a:ext>
-            </a:extLst>
-          </p:cNvPr>
+          <p:cNvPr id="7" name="TextBox 6"/>
           <p:cNvSpPr txBox="1"/>
           <p:nvPr userDrawn="1"/>
         </p:nvSpPr>
@@ -817,13 +745,7 @@
       </p:sp>
       <p:pic>
         <p:nvPicPr>
-          <p:cNvPr id="8" name="Picture 7">
-            <a:extLst>
-              <a:ext uri="{FF2B5EF4-FFF2-40B4-BE49-F238E27FC236}">
-                <a16:creationId xmlns:a16="http://schemas.microsoft.com/office/drawing/2014/main" id="{6346020F-92FF-8295-A6F7-4D1FD3088409}"/>
-              </a:ext>
-            </a:extLst>
-          </p:cNvPr>
+          <p:cNvPr id="8" name="Picture 7"/>
           <p:cNvPicPr>
             <a:picLocks noChangeAspect="1"/>
           </p:cNvPicPr>
@@ -847,13 +769,7 @@
       </p:pic>
       <p:pic>
         <p:nvPicPr>
-          <p:cNvPr id="9" name="Picture 8">
-            <a:extLst>
-              <a:ext uri="{FF2B5EF4-FFF2-40B4-BE49-F238E27FC236}">
-                <a16:creationId xmlns:a16="http://schemas.microsoft.com/office/drawing/2014/main" id="{3B74F058-D84C-7968-0198-1CDEABDE007F}"/>
-              </a:ext>
-            </a:extLst>
-          </p:cNvPr>
+          <p:cNvPr id="9" name="Picture 8"/>
           <p:cNvPicPr>
             <a:picLocks noChangeAspect="1"/>
           </p:cNvPicPr>
@@ -876,11 +792,6 @@
         </p:spPr>
       </p:pic>
     </p:spTree>
-    <p:extLst>
-      <p:ext uri="{BB962C8B-B14F-4D97-AF65-F5344CB8AC3E}">
-        <p14:creationId xmlns:p14="http://schemas.microsoft.com/office/powerpoint/2010/main" val="1592735085"/>
-      </p:ext>
-    </p:extLst>
   </p:cSld>
   <p:clrMapOvr>
     <a:masterClrMapping/>
@@ -907,13 +818,7 @@
       </p:grpSpPr>
       <p:sp>
         <p:nvSpPr>
-          <p:cNvPr id="2" name="Title 1">
-            <a:extLst>
-              <a:ext uri="{FF2B5EF4-FFF2-40B4-BE49-F238E27FC236}">
-                <a16:creationId xmlns:a16="http://schemas.microsoft.com/office/drawing/2014/main" id="{2C08B7DB-17B0-E41F-6E11-124DF61C42B4}"/>
-              </a:ext>
-            </a:extLst>
-          </p:cNvPr>
+          <p:cNvPr id="2" name="Title 1"/>
           <p:cNvSpPr>
             <a:spLocks noGrp="1"/>
           </p:cNvSpPr>
@@ -930,18 +835,13 @@
               <a:rPr lang="en-US"/>
               <a:t>Click to edit Master title style</a:t>
             </a:r>
+            <a:endParaRPr lang="en-US"/>
           </a:p>
         </p:txBody>
       </p:sp>
       <p:sp>
         <p:nvSpPr>
-          <p:cNvPr id="3" name="Content Placeholder 2">
-            <a:extLst>
-              <a:ext uri="{FF2B5EF4-FFF2-40B4-BE49-F238E27FC236}">
-                <a16:creationId xmlns:a16="http://schemas.microsoft.com/office/drawing/2014/main" id="{96F28222-B027-9A99-020C-39FB9C51B930}"/>
-              </a:ext>
-            </a:extLst>
-          </p:cNvPr>
+          <p:cNvPr id="3" name="Content Placeholder 2"/>
           <p:cNvSpPr>
             <a:spLocks noGrp="1"/>
           </p:cNvSpPr>
@@ -964,6 +864,7 @@
               <a:rPr lang="en-US"/>
               <a:t>Click to edit Master text styles</a:t>
             </a:r>
+            <a:endParaRPr lang="en-US"/>
           </a:p>
           <a:p>
             <a:pPr lvl="1"/>
@@ -971,6 +872,7 @@
               <a:rPr lang="en-US"/>
               <a:t>Second level</a:t>
             </a:r>
+            <a:endParaRPr lang="en-US"/>
           </a:p>
           <a:p>
             <a:pPr lvl="2"/>
@@ -978,6 +880,7 @@
               <a:rPr lang="en-US"/>
               <a:t>Third level</a:t>
             </a:r>
+            <a:endParaRPr lang="en-US"/>
           </a:p>
           <a:p>
             <a:pPr lvl="3"/>
@@ -985,6 +888,7 @@
               <a:rPr lang="en-US"/>
               <a:t>Fourth level</a:t>
             </a:r>
+            <a:endParaRPr lang="en-US"/>
           </a:p>
           <a:p>
             <a:pPr lvl="4"/>
@@ -992,18 +896,13 @@
               <a:rPr lang="en-US"/>
               <a:t>Fifth level</a:t>
             </a:r>
+            <a:endParaRPr lang="en-US"/>
           </a:p>
         </p:txBody>
       </p:sp>
       <p:sp>
         <p:nvSpPr>
-          <p:cNvPr id="4" name="Content Placeholder 3">
-            <a:extLst>
-              <a:ext uri="{FF2B5EF4-FFF2-40B4-BE49-F238E27FC236}">
-                <a16:creationId xmlns:a16="http://schemas.microsoft.com/office/drawing/2014/main" id="{5763D539-FB71-4D8A-3D90-4CC45F118D06}"/>
-              </a:ext>
-            </a:extLst>
-          </p:cNvPr>
+          <p:cNvPr id="4" name="Content Placeholder 3"/>
           <p:cNvSpPr>
             <a:spLocks noGrp="1"/>
           </p:cNvSpPr>
@@ -1026,6 +925,7 @@
               <a:rPr lang="en-US"/>
               <a:t>Click to edit Master text styles</a:t>
             </a:r>
+            <a:endParaRPr lang="en-US"/>
           </a:p>
           <a:p>
             <a:pPr lvl="1"/>
@@ -1033,6 +933,7 @@
               <a:rPr lang="en-US"/>
               <a:t>Second level</a:t>
             </a:r>
+            <a:endParaRPr lang="en-US"/>
           </a:p>
           <a:p>
             <a:pPr lvl="2"/>
@@ -1040,6 +941,7 @@
               <a:rPr lang="en-US"/>
               <a:t>Third level</a:t>
             </a:r>
+            <a:endParaRPr lang="en-US"/>
           </a:p>
           <a:p>
             <a:pPr lvl="3"/>
@@ -1047,6 +949,7 @@
               <a:rPr lang="en-US"/>
               <a:t>Fourth level</a:t>
             </a:r>
+            <a:endParaRPr lang="en-US"/>
           </a:p>
           <a:p>
             <a:pPr lvl="4"/>
@@ -1054,18 +957,13 @@
               <a:rPr lang="en-US"/>
               <a:t>Fifth level</a:t>
             </a:r>
+            <a:endParaRPr lang="en-US"/>
           </a:p>
         </p:txBody>
       </p:sp>
       <p:sp>
         <p:nvSpPr>
-          <p:cNvPr id="5" name="Date Placeholder 4">
-            <a:extLst>
-              <a:ext uri="{FF2B5EF4-FFF2-40B4-BE49-F238E27FC236}">
-                <a16:creationId xmlns:a16="http://schemas.microsoft.com/office/drawing/2014/main" id="{4A708CBD-E98A-E377-A697-EA94040CFFCE}"/>
-              </a:ext>
-            </a:extLst>
-          </p:cNvPr>
+          <p:cNvPr id="5" name="Date Placeholder 4"/>
           <p:cNvSpPr>
             <a:spLocks noGrp="1"/>
           </p:cNvSpPr>
@@ -1080,7 +978,6 @@
           <a:p>
             <a:fld id="{3A1FC05C-F1EC-4048-B247-A0A79CFE4C7C}" type="datetime1">
               <a:rPr lang="en-US" smtClean="0"/>
-              <a:t>6/4/2024</a:t>
             </a:fld>
             <a:endParaRPr lang="en-US"/>
           </a:p>
@@ -1088,13 +985,7 @@
       </p:sp>
       <p:sp>
         <p:nvSpPr>
-          <p:cNvPr id="6" name="Footer Placeholder 5">
-            <a:extLst>
-              <a:ext uri="{FF2B5EF4-FFF2-40B4-BE49-F238E27FC236}">
-                <a16:creationId xmlns:a16="http://schemas.microsoft.com/office/drawing/2014/main" id="{5A160411-DCF9-10C6-30B7-EF76AD75AC80}"/>
-              </a:ext>
-            </a:extLst>
-          </p:cNvPr>
+          <p:cNvPr id="6" name="Footer Placeholder 5"/>
           <p:cNvSpPr>
             <a:spLocks noGrp="1"/>
           </p:cNvSpPr>
@@ -1113,13 +1004,7 @@
       </p:sp>
       <p:sp>
         <p:nvSpPr>
-          <p:cNvPr id="7" name="Slide Number Placeholder 6">
-            <a:extLst>
-              <a:ext uri="{FF2B5EF4-FFF2-40B4-BE49-F238E27FC236}">
-                <a16:creationId xmlns:a16="http://schemas.microsoft.com/office/drawing/2014/main" id="{6498A442-3D9A-4082-C28F-410B2E3123E3}"/>
-              </a:ext>
-            </a:extLst>
-          </p:cNvPr>
+          <p:cNvPr id="7" name="Slide Number Placeholder 6"/>
           <p:cNvSpPr>
             <a:spLocks noGrp="1"/>
           </p:cNvSpPr>
@@ -1134,18 +1019,12 @@
           <a:p>
             <a:fld id="{442C1155-F164-44A2-862A-E50421BF24BC}" type="slidenum">
               <a:rPr lang="en-US" smtClean="0"/>
-              <a:t>‹#›</a:t>
             </a:fld>
             <a:endParaRPr lang="en-US"/>
           </a:p>
         </p:txBody>
       </p:sp>
     </p:spTree>
-    <p:extLst>
-      <p:ext uri="{BB962C8B-B14F-4D97-AF65-F5344CB8AC3E}">
-        <p14:creationId xmlns:p14="http://schemas.microsoft.com/office/powerpoint/2010/main" val="1486564592"/>
-      </p:ext>
-    </p:extLst>
   </p:cSld>
   <p:clrMapOvr>
     <a:masterClrMapping/>
@@ -1172,13 +1051,7 @@
       </p:grpSpPr>
       <p:sp>
         <p:nvSpPr>
-          <p:cNvPr id="2" name="Title 1">
-            <a:extLst>
-              <a:ext uri="{FF2B5EF4-FFF2-40B4-BE49-F238E27FC236}">
-                <a16:creationId xmlns:a16="http://schemas.microsoft.com/office/drawing/2014/main" id="{3ACA6B83-3EEC-ABCE-3C3C-FEC5313914F9}"/>
-              </a:ext>
-            </a:extLst>
-          </p:cNvPr>
+          <p:cNvPr id="2" name="Title 1"/>
           <p:cNvSpPr>
             <a:spLocks noGrp="1"/>
           </p:cNvSpPr>
@@ -1200,18 +1073,13 @@
               <a:rPr lang="en-US"/>
               <a:t>Click to edit Master title style</a:t>
             </a:r>
+            <a:endParaRPr lang="en-US"/>
           </a:p>
         </p:txBody>
       </p:sp>
       <p:sp>
         <p:nvSpPr>
-          <p:cNvPr id="3" name="Text Placeholder 2">
-            <a:extLst>
-              <a:ext uri="{FF2B5EF4-FFF2-40B4-BE49-F238E27FC236}">
-                <a16:creationId xmlns:a16="http://schemas.microsoft.com/office/drawing/2014/main" id="{EB4B64B2-4E4C-55CC-B320-1683D272AB3B}"/>
-              </a:ext>
-            </a:extLst>
-          </p:cNvPr>
+          <p:cNvPr id="3" name="Text Placeholder 2"/>
           <p:cNvSpPr>
             <a:spLocks noGrp="1"/>
           </p:cNvSpPr>
@@ -1271,18 +1139,13 @@
               <a:rPr lang="en-US"/>
               <a:t>Click to edit Master text styles</a:t>
             </a:r>
+            <a:endParaRPr lang="en-US"/>
           </a:p>
         </p:txBody>
       </p:sp>
       <p:sp>
         <p:nvSpPr>
-          <p:cNvPr id="4" name="Content Placeholder 3">
-            <a:extLst>
-              <a:ext uri="{FF2B5EF4-FFF2-40B4-BE49-F238E27FC236}">
-                <a16:creationId xmlns:a16="http://schemas.microsoft.com/office/drawing/2014/main" id="{22F81120-4649-B605-2BEC-0A218398CE78}"/>
-              </a:ext>
-            </a:extLst>
-          </p:cNvPr>
+          <p:cNvPr id="4" name="Content Placeholder 3"/>
           <p:cNvSpPr>
             <a:spLocks noGrp="1"/>
           </p:cNvSpPr>
@@ -1305,6 +1168,7 @@
               <a:rPr lang="en-US"/>
               <a:t>Click to edit Master text styles</a:t>
             </a:r>
+            <a:endParaRPr lang="en-US"/>
           </a:p>
           <a:p>
             <a:pPr lvl="1"/>
@@ -1312,6 +1176,7 @@
               <a:rPr lang="en-US"/>
               <a:t>Second level</a:t>
             </a:r>
+            <a:endParaRPr lang="en-US"/>
           </a:p>
           <a:p>
             <a:pPr lvl="2"/>
@@ -1319,6 +1184,7 @@
               <a:rPr lang="en-US"/>
               <a:t>Third level</a:t>
             </a:r>
+            <a:endParaRPr lang="en-US"/>
           </a:p>
           <a:p>
             <a:pPr lvl="3"/>
@@ -1326,6 +1192,7 @@
               <a:rPr lang="en-US"/>
               <a:t>Fourth level</a:t>
             </a:r>
+            <a:endParaRPr lang="en-US"/>
           </a:p>
           <a:p>
             <a:pPr lvl="4"/>
@@ -1333,18 +1200,13 @@
               <a:rPr lang="en-US"/>
               <a:t>Fifth level</a:t>
             </a:r>
+            <a:endParaRPr lang="en-US"/>
           </a:p>
         </p:txBody>
       </p:sp>
       <p:sp>
         <p:nvSpPr>
-          <p:cNvPr id="5" name="Text Placeholder 4">
-            <a:extLst>
-              <a:ext uri="{FF2B5EF4-FFF2-40B4-BE49-F238E27FC236}">
-                <a16:creationId xmlns:a16="http://schemas.microsoft.com/office/drawing/2014/main" id="{BBDE0957-D6DC-7DF4-2CF9-A0C1F76AC8B0}"/>
-              </a:ext>
-            </a:extLst>
-          </p:cNvPr>
+          <p:cNvPr id="5" name="Text Placeholder 4"/>
           <p:cNvSpPr>
             <a:spLocks noGrp="1"/>
           </p:cNvSpPr>
@@ -1404,18 +1266,13 @@
               <a:rPr lang="en-US"/>
               <a:t>Click to edit Master text styles</a:t>
             </a:r>
+            <a:endParaRPr lang="en-US"/>
           </a:p>
         </p:txBody>
       </p:sp>
       <p:sp>
         <p:nvSpPr>
-          <p:cNvPr id="6" name="Content Placeholder 5">
-            <a:extLst>
-              <a:ext uri="{FF2B5EF4-FFF2-40B4-BE49-F238E27FC236}">
-                <a16:creationId xmlns:a16="http://schemas.microsoft.com/office/drawing/2014/main" id="{400DDBB5-E6C1-ABF2-E81F-D70FDC2B203E}"/>
-              </a:ext>
-            </a:extLst>
-          </p:cNvPr>
+          <p:cNvPr id="6" name="Content Placeholder 5"/>
           <p:cNvSpPr>
             <a:spLocks noGrp="1"/>
           </p:cNvSpPr>
@@ -1438,6 +1295,7 @@
               <a:rPr lang="en-US"/>
               <a:t>Click to edit Master text styles</a:t>
             </a:r>
+            <a:endParaRPr lang="en-US"/>
           </a:p>
           <a:p>
             <a:pPr lvl="1"/>
@@ -1445,6 +1303,7 @@
               <a:rPr lang="en-US"/>
               <a:t>Second level</a:t>
             </a:r>
+            <a:endParaRPr lang="en-US"/>
           </a:p>
           <a:p>
             <a:pPr lvl="2"/>
@@ -1452,6 +1311,7 @@
               <a:rPr lang="en-US"/>
               <a:t>Third level</a:t>
             </a:r>
+            <a:endParaRPr lang="en-US"/>
           </a:p>
           <a:p>
             <a:pPr lvl="3"/>
@@ -1459,6 +1319,7 @@
               <a:rPr lang="en-US"/>
               <a:t>Fourth level</a:t>
             </a:r>
+            <a:endParaRPr lang="en-US"/>
           </a:p>
           <a:p>
             <a:pPr lvl="4"/>
@@ -1466,18 +1327,13 @@
               <a:rPr lang="en-US"/>
               <a:t>Fifth level</a:t>
             </a:r>
+            <a:endParaRPr lang="en-US"/>
           </a:p>
         </p:txBody>
       </p:sp>
       <p:sp>
         <p:nvSpPr>
-          <p:cNvPr id="7" name="Date Placeholder 6">
-            <a:extLst>
-              <a:ext uri="{FF2B5EF4-FFF2-40B4-BE49-F238E27FC236}">
-                <a16:creationId xmlns:a16="http://schemas.microsoft.com/office/drawing/2014/main" id="{0898C7AD-0653-BD9A-2A3D-6F00250EA0DE}"/>
-              </a:ext>
-            </a:extLst>
-          </p:cNvPr>
+          <p:cNvPr id="7" name="Date Placeholder 6"/>
           <p:cNvSpPr>
             <a:spLocks noGrp="1"/>
           </p:cNvSpPr>
@@ -1492,7 +1348,6 @@
           <a:p>
             <a:fld id="{CA878DD7-6F8A-4C74-BD1D-63BCFCB46479}" type="datetime1">
               <a:rPr lang="en-US" smtClean="0"/>
-              <a:t>6/4/2024</a:t>
             </a:fld>
             <a:endParaRPr lang="en-US"/>
           </a:p>
@@ -1500,13 +1355,7 @@
       </p:sp>
       <p:sp>
         <p:nvSpPr>
-          <p:cNvPr id="8" name="Footer Placeholder 7">
-            <a:extLst>
-              <a:ext uri="{FF2B5EF4-FFF2-40B4-BE49-F238E27FC236}">
-                <a16:creationId xmlns:a16="http://schemas.microsoft.com/office/drawing/2014/main" id="{E8B16BF0-4D33-74C8-0E14-D9B8C7BCE46F}"/>
-              </a:ext>
-            </a:extLst>
-          </p:cNvPr>
+          <p:cNvPr id="8" name="Footer Placeholder 7"/>
           <p:cNvSpPr>
             <a:spLocks noGrp="1"/>
           </p:cNvSpPr>
@@ -1525,13 +1374,7 @@
       </p:sp>
       <p:sp>
         <p:nvSpPr>
-          <p:cNvPr id="9" name="Slide Number Placeholder 8">
-            <a:extLst>
-              <a:ext uri="{FF2B5EF4-FFF2-40B4-BE49-F238E27FC236}">
-                <a16:creationId xmlns:a16="http://schemas.microsoft.com/office/drawing/2014/main" id="{0C28389D-2266-A5C9-AB2D-FEFA08F1DD42}"/>
-              </a:ext>
-            </a:extLst>
-          </p:cNvPr>
+          <p:cNvPr id="9" name="Slide Number Placeholder 8"/>
           <p:cNvSpPr>
             <a:spLocks noGrp="1"/>
           </p:cNvSpPr>
@@ -1546,18 +1389,12 @@
           <a:p>
             <a:fld id="{442C1155-F164-44A2-862A-E50421BF24BC}" type="slidenum">
               <a:rPr lang="en-US" smtClean="0"/>
-              <a:t>‹#›</a:t>
             </a:fld>
             <a:endParaRPr lang="en-US"/>
           </a:p>
         </p:txBody>
       </p:sp>
     </p:spTree>
-    <p:extLst>
-      <p:ext uri="{BB962C8B-B14F-4D97-AF65-F5344CB8AC3E}">
-        <p14:creationId xmlns:p14="http://schemas.microsoft.com/office/powerpoint/2010/main" val="4035647452"/>
-      </p:ext>
-    </p:extLst>
   </p:cSld>
   <p:clrMapOvr>
     <a:masterClrMapping/>
@@ -1584,13 +1421,7 @@
       </p:grpSpPr>
       <p:sp>
         <p:nvSpPr>
-          <p:cNvPr id="2" name="Title 1">
-            <a:extLst>
-              <a:ext uri="{FF2B5EF4-FFF2-40B4-BE49-F238E27FC236}">
-                <a16:creationId xmlns:a16="http://schemas.microsoft.com/office/drawing/2014/main" id="{0EE089F2-BAA4-DE99-EEDB-633BB1280BC2}"/>
-              </a:ext>
-            </a:extLst>
-          </p:cNvPr>
+          <p:cNvPr id="2" name="Title 1"/>
           <p:cNvSpPr>
             <a:spLocks noGrp="1"/>
           </p:cNvSpPr>
@@ -1607,18 +1438,13 @@
               <a:rPr lang="en-US"/>
               <a:t>Click to edit Master title style</a:t>
             </a:r>
+            <a:endParaRPr lang="en-US"/>
           </a:p>
         </p:txBody>
       </p:sp>
       <p:sp>
         <p:nvSpPr>
-          <p:cNvPr id="3" name="Date Placeholder 2">
-            <a:extLst>
-              <a:ext uri="{FF2B5EF4-FFF2-40B4-BE49-F238E27FC236}">
-                <a16:creationId xmlns:a16="http://schemas.microsoft.com/office/drawing/2014/main" id="{66B76CF5-51B9-909B-BEA3-562E4F6A2F46}"/>
-              </a:ext>
-            </a:extLst>
-          </p:cNvPr>
+          <p:cNvPr id="3" name="Date Placeholder 2"/>
           <p:cNvSpPr>
             <a:spLocks noGrp="1"/>
           </p:cNvSpPr>
@@ -1633,7 +1459,6 @@
           <a:p>
             <a:fld id="{8C50C156-F5AA-42B7-825C-8B16F68051A3}" type="datetime1">
               <a:rPr lang="en-US" smtClean="0"/>
-              <a:t>6/4/2024</a:t>
             </a:fld>
             <a:endParaRPr lang="en-US"/>
           </a:p>
@@ -1641,13 +1466,7 @@
       </p:sp>
       <p:sp>
         <p:nvSpPr>
-          <p:cNvPr id="4" name="Footer Placeholder 3">
-            <a:extLst>
-              <a:ext uri="{FF2B5EF4-FFF2-40B4-BE49-F238E27FC236}">
-                <a16:creationId xmlns:a16="http://schemas.microsoft.com/office/drawing/2014/main" id="{5AAA8EC5-80B9-8CFF-6158-8A4B89426780}"/>
-              </a:ext>
-            </a:extLst>
-          </p:cNvPr>
+          <p:cNvPr id="4" name="Footer Placeholder 3"/>
           <p:cNvSpPr>
             <a:spLocks noGrp="1"/>
           </p:cNvSpPr>
@@ -1666,13 +1485,7 @@
       </p:sp>
       <p:sp>
         <p:nvSpPr>
-          <p:cNvPr id="5" name="Slide Number Placeholder 4">
-            <a:extLst>
-              <a:ext uri="{FF2B5EF4-FFF2-40B4-BE49-F238E27FC236}">
-                <a16:creationId xmlns:a16="http://schemas.microsoft.com/office/drawing/2014/main" id="{30217537-4D88-B262-39F2-816E9C6A1DF8}"/>
-              </a:ext>
-            </a:extLst>
-          </p:cNvPr>
+          <p:cNvPr id="5" name="Slide Number Placeholder 4"/>
           <p:cNvSpPr>
             <a:spLocks noGrp="1"/>
           </p:cNvSpPr>
@@ -1687,18 +1500,12 @@
           <a:p>
             <a:fld id="{442C1155-F164-44A2-862A-E50421BF24BC}" type="slidenum">
               <a:rPr lang="en-US" smtClean="0"/>
-              <a:t>‹#›</a:t>
             </a:fld>
             <a:endParaRPr lang="en-US"/>
           </a:p>
         </p:txBody>
       </p:sp>
     </p:spTree>
-    <p:extLst>
-      <p:ext uri="{BB962C8B-B14F-4D97-AF65-F5344CB8AC3E}">
-        <p14:creationId xmlns:p14="http://schemas.microsoft.com/office/powerpoint/2010/main" val="2078134509"/>
-      </p:ext>
-    </p:extLst>
   </p:cSld>
   <p:clrMapOvr>
     <a:masterClrMapping/>
@@ -1725,13 +1532,7 @@
       </p:grpSpPr>
       <p:sp>
         <p:nvSpPr>
-          <p:cNvPr id="2" name="Date Placeholder 1">
-            <a:extLst>
-              <a:ext uri="{FF2B5EF4-FFF2-40B4-BE49-F238E27FC236}">
-                <a16:creationId xmlns:a16="http://schemas.microsoft.com/office/drawing/2014/main" id="{EB541126-B582-B5FF-6CEB-D74BE56BD273}"/>
-              </a:ext>
-            </a:extLst>
-          </p:cNvPr>
+          <p:cNvPr id="2" name="Date Placeholder 1"/>
           <p:cNvSpPr>
             <a:spLocks noGrp="1"/>
           </p:cNvSpPr>
@@ -1746,7 +1547,6 @@
           <a:p>
             <a:fld id="{6BAF4D31-0B32-409A-9525-59843284D258}" type="datetime1">
               <a:rPr lang="en-US" smtClean="0"/>
-              <a:t>6/4/2024</a:t>
             </a:fld>
             <a:endParaRPr lang="en-US"/>
           </a:p>
@@ -1754,13 +1554,7 @@
       </p:sp>
       <p:sp>
         <p:nvSpPr>
-          <p:cNvPr id="3" name="Footer Placeholder 2">
-            <a:extLst>
-              <a:ext uri="{FF2B5EF4-FFF2-40B4-BE49-F238E27FC236}">
-                <a16:creationId xmlns:a16="http://schemas.microsoft.com/office/drawing/2014/main" id="{0B1529A7-02D0-25C2-78F6-72537EEF23BE}"/>
-              </a:ext>
-            </a:extLst>
-          </p:cNvPr>
+          <p:cNvPr id="3" name="Footer Placeholder 2"/>
           <p:cNvSpPr>
             <a:spLocks noGrp="1"/>
           </p:cNvSpPr>
@@ -1779,13 +1573,7 @@
       </p:sp>
       <p:sp>
         <p:nvSpPr>
-          <p:cNvPr id="4" name="Slide Number Placeholder 3">
-            <a:extLst>
-              <a:ext uri="{FF2B5EF4-FFF2-40B4-BE49-F238E27FC236}">
-                <a16:creationId xmlns:a16="http://schemas.microsoft.com/office/drawing/2014/main" id="{8F58AED9-3AC5-EAA6-4E29-DBDBAC2A1114}"/>
-              </a:ext>
-            </a:extLst>
-          </p:cNvPr>
+          <p:cNvPr id="4" name="Slide Number Placeholder 3"/>
           <p:cNvSpPr>
             <a:spLocks noGrp="1"/>
           </p:cNvSpPr>
@@ -1800,18 +1588,12 @@
           <a:p>
             <a:fld id="{442C1155-F164-44A2-862A-E50421BF24BC}" type="slidenum">
               <a:rPr lang="en-US" smtClean="0"/>
-              <a:t>‹#›</a:t>
             </a:fld>
             <a:endParaRPr lang="en-US"/>
           </a:p>
         </p:txBody>
       </p:sp>
     </p:spTree>
-    <p:extLst>
-      <p:ext uri="{BB962C8B-B14F-4D97-AF65-F5344CB8AC3E}">
-        <p14:creationId xmlns:p14="http://schemas.microsoft.com/office/powerpoint/2010/main" val="3311737911"/>
-      </p:ext>
-    </p:extLst>
   </p:cSld>
   <p:clrMapOvr>
     <a:masterClrMapping/>
@@ -1838,13 +1620,7 @@
       </p:grpSpPr>
       <p:sp>
         <p:nvSpPr>
-          <p:cNvPr id="2" name="Title 1">
-            <a:extLst>
-              <a:ext uri="{FF2B5EF4-FFF2-40B4-BE49-F238E27FC236}">
-                <a16:creationId xmlns:a16="http://schemas.microsoft.com/office/drawing/2014/main" id="{33E90679-8027-45B9-722C-4D60E4812D49}"/>
-              </a:ext>
-            </a:extLst>
-          </p:cNvPr>
+          <p:cNvPr id="2" name="Title 1"/>
           <p:cNvSpPr>
             <a:spLocks noGrp="1"/>
           </p:cNvSpPr>
@@ -1870,18 +1646,13 @@
               <a:rPr lang="en-US"/>
               <a:t>Click to edit Master title style</a:t>
             </a:r>
+            <a:endParaRPr lang="en-US"/>
           </a:p>
         </p:txBody>
       </p:sp>
       <p:sp>
         <p:nvSpPr>
-          <p:cNvPr id="3" name="Content Placeholder 2">
-            <a:extLst>
-              <a:ext uri="{FF2B5EF4-FFF2-40B4-BE49-F238E27FC236}">
-                <a16:creationId xmlns:a16="http://schemas.microsoft.com/office/drawing/2014/main" id="{C86635D9-5ECE-D156-C272-5C0924507B80}"/>
-              </a:ext>
-            </a:extLst>
-          </p:cNvPr>
+          <p:cNvPr id="3" name="Content Placeholder 2"/>
           <p:cNvSpPr>
             <a:spLocks noGrp="1"/>
           </p:cNvSpPr>
@@ -1932,6 +1703,7 @@
               <a:rPr lang="en-US"/>
               <a:t>Click to edit Master text styles</a:t>
             </a:r>
+            <a:endParaRPr lang="en-US"/>
           </a:p>
           <a:p>
             <a:pPr lvl="1"/>
@@ -1939,6 +1711,7 @@
               <a:rPr lang="en-US"/>
               <a:t>Second level</a:t>
             </a:r>
+            <a:endParaRPr lang="en-US"/>
           </a:p>
           <a:p>
             <a:pPr lvl="2"/>
@@ -1946,6 +1719,7 @@
               <a:rPr lang="en-US"/>
               <a:t>Third level</a:t>
             </a:r>
+            <a:endParaRPr lang="en-US"/>
           </a:p>
           <a:p>
             <a:pPr lvl="3"/>
@@ -1953,6 +1727,7 @@
               <a:rPr lang="en-US"/>
               <a:t>Fourth level</a:t>
             </a:r>
+            <a:endParaRPr lang="en-US"/>
           </a:p>
           <a:p>
             <a:pPr lvl="4"/>
@@ -1960,18 +1735,13 @@
               <a:rPr lang="en-US"/>
               <a:t>Fifth level</a:t>
             </a:r>
+            <a:endParaRPr lang="en-US"/>
           </a:p>
         </p:txBody>
       </p:sp>
       <p:sp>
         <p:nvSpPr>
-          <p:cNvPr id="4" name="Text Placeholder 3">
-            <a:extLst>
-              <a:ext uri="{FF2B5EF4-FFF2-40B4-BE49-F238E27FC236}">
-                <a16:creationId xmlns:a16="http://schemas.microsoft.com/office/drawing/2014/main" id="{9CAA1E46-173A-C3A0-268D-C3816768EDF0}"/>
-              </a:ext>
-            </a:extLst>
-          </p:cNvPr>
+          <p:cNvPr id="4" name="Text Placeholder 3"/>
           <p:cNvSpPr>
             <a:spLocks noGrp="1"/>
           </p:cNvSpPr>
@@ -2031,18 +1801,13 @@
               <a:rPr lang="en-US"/>
               <a:t>Click to edit Master text styles</a:t>
             </a:r>
+            <a:endParaRPr lang="en-US"/>
           </a:p>
         </p:txBody>
       </p:sp>
       <p:sp>
         <p:nvSpPr>
-          <p:cNvPr id="5" name="Date Placeholder 4">
-            <a:extLst>
-              <a:ext uri="{FF2B5EF4-FFF2-40B4-BE49-F238E27FC236}">
-                <a16:creationId xmlns:a16="http://schemas.microsoft.com/office/drawing/2014/main" id="{F8EA2A5F-AF99-9769-81D5-BEE42EA03E08}"/>
-              </a:ext>
-            </a:extLst>
-          </p:cNvPr>
+          <p:cNvPr id="5" name="Date Placeholder 4"/>
           <p:cNvSpPr>
             <a:spLocks noGrp="1"/>
           </p:cNvSpPr>
@@ -2057,7 +1822,6 @@
           <a:p>
             <a:fld id="{3F1AB10F-BD31-43D6-BAFE-3D21930F1EB1}" type="datetime1">
               <a:rPr lang="en-US" smtClean="0"/>
-              <a:t>6/4/2024</a:t>
             </a:fld>
             <a:endParaRPr lang="en-US"/>
           </a:p>
@@ -2065,13 +1829,7 @@
       </p:sp>
       <p:sp>
         <p:nvSpPr>
-          <p:cNvPr id="6" name="Footer Placeholder 5">
-            <a:extLst>
-              <a:ext uri="{FF2B5EF4-FFF2-40B4-BE49-F238E27FC236}">
-                <a16:creationId xmlns:a16="http://schemas.microsoft.com/office/drawing/2014/main" id="{0D972036-F37A-4077-C4B5-496B48DDE720}"/>
-              </a:ext>
-            </a:extLst>
-          </p:cNvPr>
+          <p:cNvPr id="6" name="Footer Placeholder 5"/>
           <p:cNvSpPr>
             <a:spLocks noGrp="1"/>
           </p:cNvSpPr>
@@ -2090,13 +1848,7 @@
       </p:sp>
       <p:sp>
         <p:nvSpPr>
-          <p:cNvPr id="7" name="Slide Number Placeholder 6">
-            <a:extLst>
-              <a:ext uri="{FF2B5EF4-FFF2-40B4-BE49-F238E27FC236}">
-                <a16:creationId xmlns:a16="http://schemas.microsoft.com/office/drawing/2014/main" id="{17A135BD-B047-3462-6868-B4886C81E34F}"/>
-              </a:ext>
-            </a:extLst>
-          </p:cNvPr>
+          <p:cNvPr id="7" name="Slide Number Placeholder 6"/>
           <p:cNvSpPr>
             <a:spLocks noGrp="1"/>
           </p:cNvSpPr>
@@ -2111,18 +1863,12 @@
           <a:p>
             <a:fld id="{442C1155-F164-44A2-862A-E50421BF24BC}" type="slidenum">
               <a:rPr lang="en-US" smtClean="0"/>
-              <a:t>‹#›</a:t>
             </a:fld>
             <a:endParaRPr lang="en-US"/>
           </a:p>
         </p:txBody>
       </p:sp>
     </p:spTree>
-    <p:extLst>
-      <p:ext uri="{BB962C8B-B14F-4D97-AF65-F5344CB8AC3E}">
-        <p14:creationId xmlns:p14="http://schemas.microsoft.com/office/powerpoint/2010/main" val="1820786331"/>
-      </p:ext>
-    </p:extLst>
   </p:cSld>
   <p:clrMapOvr>
     <a:masterClrMapping/>
@@ -2149,13 +1895,7 @@
       </p:grpSpPr>
       <p:sp>
         <p:nvSpPr>
-          <p:cNvPr id="2" name="Title 1">
-            <a:extLst>
-              <a:ext uri="{FF2B5EF4-FFF2-40B4-BE49-F238E27FC236}">
-                <a16:creationId xmlns:a16="http://schemas.microsoft.com/office/drawing/2014/main" id="{924F4022-09C0-7B2C-50F3-DA2E21E28E79}"/>
-              </a:ext>
-            </a:extLst>
-          </p:cNvPr>
+          <p:cNvPr id="2" name="Title 1"/>
           <p:cNvSpPr>
             <a:spLocks noGrp="1"/>
           </p:cNvSpPr>
@@ -2181,18 +1921,13 @@
               <a:rPr lang="en-US"/>
               <a:t>Click to edit Master title style</a:t>
             </a:r>
+            <a:endParaRPr lang="en-US"/>
           </a:p>
         </p:txBody>
       </p:sp>
       <p:sp>
         <p:nvSpPr>
-          <p:cNvPr id="3" name="Picture Placeholder 2">
-            <a:extLst>
-              <a:ext uri="{FF2B5EF4-FFF2-40B4-BE49-F238E27FC236}">
-                <a16:creationId xmlns:a16="http://schemas.microsoft.com/office/drawing/2014/main" id="{F968C669-1B9F-8DA9-7E0B-59456E460032}"/>
-              </a:ext>
-            </a:extLst>
-          </p:cNvPr>
+          <p:cNvPr id="3" name="Picture Placeholder 2"/>
           <p:cNvSpPr>
             <a:spLocks noGrp="1"/>
           </p:cNvSpPr>
@@ -2253,13 +1988,7 @@
       </p:sp>
       <p:sp>
         <p:nvSpPr>
-          <p:cNvPr id="4" name="Text Placeholder 3">
-            <a:extLst>
-              <a:ext uri="{FF2B5EF4-FFF2-40B4-BE49-F238E27FC236}">
-                <a16:creationId xmlns:a16="http://schemas.microsoft.com/office/drawing/2014/main" id="{D4A64C64-1702-BD96-4D93-5D42B4F6C3AB}"/>
-              </a:ext>
-            </a:extLst>
-          </p:cNvPr>
+          <p:cNvPr id="4" name="Text Placeholder 3"/>
           <p:cNvSpPr>
             <a:spLocks noGrp="1"/>
           </p:cNvSpPr>
@@ -2319,18 +2048,13 @@
               <a:rPr lang="en-US"/>
               <a:t>Click to edit Master text styles</a:t>
             </a:r>
+            <a:endParaRPr lang="en-US"/>
           </a:p>
         </p:txBody>
       </p:sp>
       <p:sp>
         <p:nvSpPr>
-          <p:cNvPr id="5" name="Date Placeholder 4">
-            <a:extLst>
-              <a:ext uri="{FF2B5EF4-FFF2-40B4-BE49-F238E27FC236}">
-                <a16:creationId xmlns:a16="http://schemas.microsoft.com/office/drawing/2014/main" id="{7171C5FC-5060-8A2E-D8C1-52B73AD210DB}"/>
-              </a:ext>
-            </a:extLst>
-          </p:cNvPr>
+          <p:cNvPr id="5" name="Date Placeholder 4"/>
           <p:cNvSpPr>
             <a:spLocks noGrp="1"/>
           </p:cNvSpPr>
@@ -2345,7 +2069,6 @@
           <a:p>
             <a:fld id="{030C557A-EACC-4EFF-B0C7-17FCAEBEE9AD}" type="datetime1">
               <a:rPr lang="en-US" smtClean="0"/>
-              <a:t>6/4/2024</a:t>
             </a:fld>
             <a:endParaRPr lang="en-US"/>
           </a:p>
@@ -2353,13 +2076,7 @@
       </p:sp>
       <p:sp>
         <p:nvSpPr>
-          <p:cNvPr id="6" name="Footer Placeholder 5">
-            <a:extLst>
-              <a:ext uri="{FF2B5EF4-FFF2-40B4-BE49-F238E27FC236}">
-                <a16:creationId xmlns:a16="http://schemas.microsoft.com/office/drawing/2014/main" id="{217DC5B5-0235-2331-7781-A74E6FE207BF}"/>
-              </a:ext>
-            </a:extLst>
-          </p:cNvPr>
+          <p:cNvPr id="6" name="Footer Placeholder 5"/>
           <p:cNvSpPr>
             <a:spLocks noGrp="1"/>
           </p:cNvSpPr>
@@ -2378,13 +2095,7 @@
       </p:sp>
       <p:sp>
         <p:nvSpPr>
-          <p:cNvPr id="7" name="Slide Number Placeholder 6">
-            <a:extLst>
-              <a:ext uri="{FF2B5EF4-FFF2-40B4-BE49-F238E27FC236}">
-                <a16:creationId xmlns:a16="http://schemas.microsoft.com/office/drawing/2014/main" id="{4AB08203-4CC7-069B-D45B-019803A2540A}"/>
-              </a:ext>
-            </a:extLst>
-          </p:cNvPr>
+          <p:cNvPr id="7" name="Slide Number Placeholder 6"/>
           <p:cNvSpPr>
             <a:spLocks noGrp="1"/>
           </p:cNvSpPr>
@@ -2399,18 +2110,12 @@
           <a:p>
             <a:fld id="{442C1155-F164-44A2-862A-E50421BF24BC}" type="slidenum">
               <a:rPr lang="en-US" smtClean="0"/>
-              <a:t>‹#›</a:t>
             </a:fld>
             <a:endParaRPr lang="en-US"/>
           </a:p>
         </p:txBody>
       </p:sp>
     </p:spTree>
-    <p:extLst>
-      <p:ext uri="{BB962C8B-B14F-4D97-AF65-F5344CB8AC3E}">
-        <p14:creationId xmlns:p14="http://schemas.microsoft.com/office/powerpoint/2010/main" val="3480479376"/>
-      </p:ext>
-    </p:extLst>
   </p:cSld>
   <p:clrMapOvr>
     <a:masterClrMapping/>
@@ -2437,13 +2142,7 @@
       </p:grpSpPr>
       <p:sp>
         <p:nvSpPr>
-          <p:cNvPr id="2" name="Title 1">
-            <a:extLst>
-              <a:ext uri="{FF2B5EF4-FFF2-40B4-BE49-F238E27FC236}">
-                <a16:creationId xmlns:a16="http://schemas.microsoft.com/office/drawing/2014/main" id="{28A630FA-E0E7-5817-A2B8-8940E02C74E0}"/>
-              </a:ext>
-            </a:extLst>
-          </p:cNvPr>
+          <p:cNvPr id="2" name="Title 1"/>
           <p:cNvSpPr>
             <a:spLocks noGrp="1"/>
           </p:cNvSpPr>
@@ -2460,18 +2159,13 @@
               <a:rPr lang="en-US"/>
               <a:t>Click to edit Master title style</a:t>
             </a:r>
+            <a:endParaRPr lang="en-US"/>
           </a:p>
         </p:txBody>
       </p:sp>
       <p:sp>
         <p:nvSpPr>
-          <p:cNvPr id="3" name="Vertical Text Placeholder 2">
-            <a:extLst>
-              <a:ext uri="{FF2B5EF4-FFF2-40B4-BE49-F238E27FC236}">
-                <a16:creationId xmlns:a16="http://schemas.microsoft.com/office/drawing/2014/main" id="{CA0FC93E-2CD6-EA0A-BE54-9B57D05C7950}"/>
-              </a:ext>
-            </a:extLst>
-          </p:cNvPr>
+          <p:cNvPr id="3" name="Vertical Text Placeholder 2"/>
           <p:cNvSpPr>
             <a:spLocks noGrp="1"/>
           </p:cNvSpPr>
@@ -2489,6 +2183,7 @@
               <a:rPr lang="en-US"/>
               <a:t>Click to edit Master text styles</a:t>
             </a:r>
+            <a:endParaRPr lang="en-US"/>
           </a:p>
           <a:p>
             <a:pPr lvl="1"/>
@@ -2496,6 +2191,7 @@
               <a:rPr lang="en-US"/>
               <a:t>Second level</a:t>
             </a:r>
+            <a:endParaRPr lang="en-US"/>
           </a:p>
           <a:p>
             <a:pPr lvl="2"/>
@@ -2503,6 +2199,7 @@
               <a:rPr lang="en-US"/>
               <a:t>Third level</a:t>
             </a:r>
+            <a:endParaRPr lang="en-US"/>
           </a:p>
           <a:p>
             <a:pPr lvl="3"/>
@@ -2510,6 +2207,7 @@
               <a:rPr lang="en-US"/>
               <a:t>Fourth level</a:t>
             </a:r>
+            <a:endParaRPr lang="en-US"/>
           </a:p>
           <a:p>
             <a:pPr lvl="4"/>
@@ -2517,18 +2215,13 @@
               <a:rPr lang="en-US"/>
               <a:t>Fifth level</a:t>
             </a:r>
+            <a:endParaRPr lang="en-US"/>
           </a:p>
         </p:txBody>
       </p:sp>
       <p:sp>
         <p:nvSpPr>
-          <p:cNvPr id="4" name="Date Placeholder 3">
-            <a:extLst>
-              <a:ext uri="{FF2B5EF4-FFF2-40B4-BE49-F238E27FC236}">
-                <a16:creationId xmlns:a16="http://schemas.microsoft.com/office/drawing/2014/main" id="{D02C0AA2-1BD2-3FC2-2205-6AE51152EDFF}"/>
-              </a:ext>
-            </a:extLst>
-          </p:cNvPr>
+          <p:cNvPr id="4" name="Date Placeholder 3"/>
           <p:cNvSpPr>
             <a:spLocks noGrp="1"/>
           </p:cNvSpPr>
@@ -2543,7 +2236,6 @@
           <a:p>
             <a:fld id="{93BFDF3A-4313-44B8-B61D-8910A93439BA}" type="datetime1">
               <a:rPr lang="en-US" smtClean="0"/>
-              <a:t>6/4/2024</a:t>
             </a:fld>
             <a:endParaRPr lang="en-US"/>
           </a:p>
@@ -2551,13 +2243,7 @@
       </p:sp>
       <p:sp>
         <p:nvSpPr>
-          <p:cNvPr id="5" name="Footer Placeholder 4">
-            <a:extLst>
-              <a:ext uri="{FF2B5EF4-FFF2-40B4-BE49-F238E27FC236}">
-                <a16:creationId xmlns:a16="http://schemas.microsoft.com/office/drawing/2014/main" id="{C1535D02-E1F3-E834-1A9C-F356C67C7D13}"/>
-              </a:ext>
-            </a:extLst>
-          </p:cNvPr>
+          <p:cNvPr id="5" name="Footer Placeholder 4"/>
           <p:cNvSpPr>
             <a:spLocks noGrp="1"/>
           </p:cNvSpPr>
@@ -2576,13 +2262,7 @@
       </p:sp>
       <p:sp>
         <p:nvSpPr>
-          <p:cNvPr id="6" name="Slide Number Placeholder 5">
-            <a:extLst>
-              <a:ext uri="{FF2B5EF4-FFF2-40B4-BE49-F238E27FC236}">
-                <a16:creationId xmlns:a16="http://schemas.microsoft.com/office/drawing/2014/main" id="{F7C779BC-2E65-7E58-0BEE-4C0CA44B9FC9}"/>
-              </a:ext>
-            </a:extLst>
-          </p:cNvPr>
+          <p:cNvPr id="6" name="Slide Number Placeholder 5"/>
           <p:cNvSpPr>
             <a:spLocks noGrp="1"/>
           </p:cNvSpPr>
@@ -2597,18 +2277,12 @@
           <a:p>
             <a:fld id="{442C1155-F164-44A2-862A-E50421BF24BC}" type="slidenum">
               <a:rPr lang="en-US" smtClean="0"/>
-              <a:t>‹#›</a:t>
             </a:fld>
             <a:endParaRPr lang="en-US"/>
           </a:p>
         </p:txBody>
       </p:sp>
     </p:spTree>
-    <p:extLst>
-      <p:ext uri="{BB962C8B-B14F-4D97-AF65-F5344CB8AC3E}">
-        <p14:creationId xmlns:p14="http://schemas.microsoft.com/office/powerpoint/2010/main" val="612563950"/>
-      </p:ext>
-    </p:extLst>
   </p:cSld>
   <p:clrMapOvr>
     <a:masterClrMapping/>
@@ -2635,13 +2309,7 @@
       </p:grpSpPr>
       <p:sp>
         <p:nvSpPr>
-          <p:cNvPr id="2" name="Vertical Title 1">
-            <a:extLst>
-              <a:ext uri="{FF2B5EF4-FFF2-40B4-BE49-F238E27FC236}">
-                <a16:creationId xmlns:a16="http://schemas.microsoft.com/office/drawing/2014/main" id="{EF8DEE90-88A8-3226-1CF1-BF2EE329F4A6}"/>
-              </a:ext>
-            </a:extLst>
-          </p:cNvPr>
+          <p:cNvPr id="2" name="Vertical Title 1"/>
           <p:cNvSpPr>
             <a:spLocks noGrp="1"/>
           </p:cNvSpPr>
@@ -2663,18 +2331,13 @@
               <a:rPr lang="en-US"/>
               <a:t>Click to edit Master title style</a:t>
             </a:r>
+            <a:endParaRPr lang="en-US"/>
           </a:p>
         </p:txBody>
       </p:sp>
       <p:sp>
         <p:nvSpPr>
-          <p:cNvPr id="3" name="Vertical Text Placeholder 2">
-            <a:extLst>
-              <a:ext uri="{FF2B5EF4-FFF2-40B4-BE49-F238E27FC236}">
-                <a16:creationId xmlns:a16="http://schemas.microsoft.com/office/drawing/2014/main" id="{EA5E9846-5CFD-8D12-A7DF-DF283312BFF4}"/>
-              </a:ext>
-            </a:extLst>
-          </p:cNvPr>
+          <p:cNvPr id="3" name="Vertical Text Placeholder 2"/>
           <p:cNvSpPr>
             <a:spLocks noGrp="1"/>
           </p:cNvSpPr>
@@ -2697,6 +2360,7 @@
               <a:rPr lang="en-US"/>
               <a:t>Click to edit Master text styles</a:t>
             </a:r>
+            <a:endParaRPr lang="en-US"/>
           </a:p>
           <a:p>
             <a:pPr lvl="1"/>
@@ -2704,6 +2368,7 @@
               <a:rPr lang="en-US"/>
               <a:t>Second level</a:t>
             </a:r>
+            <a:endParaRPr lang="en-US"/>
           </a:p>
           <a:p>
             <a:pPr lvl="2"/>
@@ -2711,6 +2376,7 @@
               <a:rPr lang="en-US"/>
               <a:t>Third level</a:t>
             </a:r>
+            <a:endParaRPr lang="en-US"/>
           </a:p>
           <a:p>
             <a:pPr lvl="3"/>
@@ -2718,6 +2384,7 @@
               <a:rPr lang="en-US"/>
               <a:t>Fourth level</a:t>
             </a:r>
+            <a:endParaRPr lang="en-US"/>
           </a:p>
           <a:p>
             <a:pPr lvl="4"/>
@@ -2725,18 +2392,13 @@
               <a:rPr lang="en-US"/>
               <a:t>Fifth level</a:t>
             </a:r>
+            <a:endParaRPr lang="en-US"/>
           </a:p>
         </p:txBody>
       </p:sp>
       <p:sp>
         <p:nvSpPr>
-          <p:cNvPr id="4" name="Date Placeholder 3">
-            <a:extLst>
-              <a:ext uri="{FF2B5EF4-FFF2-40B4-BE49-F238E27FC236}">
-                <a16:creationId xmlns:a16="http://schemas.microsoft.com/office/drawing/2014/main" id="{F56383EC-C811-F89A-0393-2388771AA8C3}"/>
-              </a:ext>
-            </a:extLst>
-          </p:cNvPr>
+          <p:cNvPr id="4" name="Date Placeholder 3"/>
           <p:cNvSpPr>
             <a:spLocks noGrp="1"/>
           </p:cNvSpPr>
@@ -2751,7 +2413,6 @@
           <a:p>
             <a:fld id="{8F7F5824-B114-4AAA-80C0-8E8A29572DDD}" type="datetime1">
               <a:rPr lang="en-US" smtClean="0"/>
-              <a:t>6/4/2024</a:t>
             </a:fld>
             <a:endParaRPr lang="en-US"/>
           </a:p>
@@ -2759,13 +2420,7 @@
       </p:sp>
       <p:sp>
         <p:nvSpPr>
-          <p:cNvPr id="5" name="Footer Placeholder 4">
-            <a:extLst>
-              <a:ext uri="{FF2B5EF4-FFF2-40B4-BE49-F238E27FC236}">
-                <a16:creationId xmlns:a16="http://schemas.microsoft.com/office/drawing/2014/main" id="{A171DE01-2197-4407-E889-9239A94D8F21}"/>
-              </a:ext>
-            </a:extLst>
-          </p:cNvPr>
+          <p:cNvPr id="5" name="Footer Placeholder 4"/>
           <p:cNvSpPr>
             <a:spLocks noGrp="1"/>
           </p:cNvSpPr>
@@ -2784,13 +2439,7 @@
       </p:sp>
       <p:sp>
         <p:nvSpPr>
-          <p:cNvPr id="6" name="Slide Number Placeholder 5">
-            <a:extLst>
-              <a:ext uri="{FF2B5EF4-FFF2-40B4-BE49-F238E27FC236}">
-                <a16:creationId xmlns:a16="http://schemas.microsoft.com/office/drawing/2014/main" id="{C9689046-6C00-B40D-0FBC-A5446D990B68}"/>
-              </a:ext>
-            </a:extLst>
-          </p:cNvPr>
+          <p:cNvPr id="6" name="Slide Number Placeholder 5"/>
           <p:cNvSpPr>
             <a:spLocks noGrp="1"/>
           </p:cNvSpPr>
@@ -2805,18 +2454,12 @@
           <a:p>
             <a:fld id="{442C1155-F164-44A2-862A-E50421BF24BC}" type="slidenum">
               <a:rPr lang="en-US" smtClean="0"/>
-              <a:t>‹#›</a:t>
             </a:fld>
             <a:endParaRPr lang="en-US"/>
           </a:p>
         </p:txBody>
       </p:sp>
     </p:spTree>
-    <p:extLst>
-      <p:ext uri="{BB962C8B-B14F-4D97-AF65-F5344CB8AC3E}">
-        <p14:creationId xmlns:p14="http://schemas.microsoft.com/office/powerpoint/2010/main" val="1840067397"/>
-      </p:ext>
-    </p:extLst>
   </p:cSld>
   <p:clrMapOvr>
     <a:masterClrMapping/>
@@ -2843,13 +2486,7 @@
       </p:grpSpPr>
       <p:sp>
         <p:nvSpPr>
-          <p:cNvPr id="4" name="Date Placeholder 3">
-            <a:extLst>
-              <a:ext uri="{FF2B5EF4-FFF2-40B4-BE49-F238E27FC236}">
-                <a16:creationId xmlns:a16="http://schemas.microsoft.com/office/drawing/2014/main" id="{3312D4C3-B38B-FC96-707E-65DCBB540469}"/>
-              </a:ext>
-            </a:extLst>
-          </p:cNvPr>
+          <p:cNvPr id="4" name="Date Placeholder 3"/>
           <p:cNvSpPr>
             <a:spLocks noGrp="1"/>
           </p:cNvSpPr>
@@ -2864,7 +2501,6 @@
           <a:p>
             <a:fld id="{E6C91C4F-996B-46B9-8E55-CEF66E52221F}" type="datetime1">
               <a:rPr lang="en-US" smtClean="0"/>
-              <a:t>6/4/2024</a:t>
             </a:fld>
             <a:endParaRPr lang="en-US"/>
           </a:p>
@@ -2872,13 +2508,7 @@
       </p:sp>
       <p:sp>
         <p:nvSpPr>
-          <p:cNvPr id="5" name="Footer Placeholder 4">
-            <a:extLst>
-              <a:ext uri="{FF2B5EF4-FFF2-40B4-BE49-F238E27FC236}">
-                <a16:creationId xmlns:a16="http://schemas.microsoft.com/office/drawing/2014/main" id="{4049E9BA-2F0E-A28C-AAD8-F88914E90336}"/>
-              </a:ext>
-            </a:extLst>
-          </p:cNvPr>
+          <p:cNvPr id="5" name="Footer Placeholder 4"/>
           <p:cNvSpPr>
             <a:spLocks noGrp="1"/>
           </p:cNvSpPr>
@@ -2897,13 +2527,7 @@
       </p:sp>
       <p:sp>
         <p:nvSpPr>
-          <p:cNvPr id="6" name="Slide Number Placeholder 5">
-            <a:extLst>
-              <a:ext uri="{FF2B5EF4-FFF2-40B4-BE49-F238E27FC236}">
-                <a16:creationId xmlns:a16="http://schemas.microsoft.com/office/drawing/2014/main" id="{6D9D731C-46DF-DFC4-39D3-64827537E11C}"/>
-              </a:ext>
-            </a:extLst>
-          </p:cNvPr>
+          <p:cNvPr id="6" name="Slide Number Placeholder 5"/>
           <p:cNvSpPr>
             <a:spLocks noGrp="1"/>
           </p:cNvSpPr>
@@ -2918,7 +2542,6 @@
           <a:p>
             <a:fld id="{442C1155-F164-44A2-862A-E50421BF24BC}" type="slidenum">
               <a:rPr lang="en-US" smtClean="0"/>
-              <a:t>‹#›</a:t>
             </a:fld>
             <a:endParaRPr lang="en-US"/>
           </a:p>
@@ -2926,13 +2549,7 @@
       </p:sp>
       <p:pic>
         <p:nvPicPr>
-          <p:cNvPr id="2" name="Picture 1">
-            <a:extLst>
-              <a:ext uri="{FF2B5EF4-FFF2-40B4-BE49-F238E27FC236}">
-                <a16:creationId xmlns:a16="http://schemas.microsoft.com/office/drawing/2014/main" id="{5B9EC1F3-D01D-ED4F-0D8A-735642F4CC5E}"/>
-              </a:ext>
-            </a:extLst>
-          </p:cNvPr>
+          <p:cNvPr id="2" name="Picture 1"/>
           <p:cNvPicPr>
             <a:picLocks noChangeAspect="1"/>
           </p:cNvPicPr>
@@ -2956,13 +2573,7 @@
       </p:pic>
       <p:pic>
         <p:nvPicPr>
-          <p:cNvPr id="3" name="Picture 2">
-            <a:extLst>
-              <a:ext uri="{FF2B5EF4-FFF2-40B4-BE49-F238E27FC236}">
-                <a16:creationId xmlns:a16="http://schemas.microsoft.com/office/drawing/2014/main" id="{1D36E62B-9392-F398-9509-B4347B4D4557}"/>
-              </a:ext>
-            </a:extLst>
-          </p:cNvPr>
+          <p:cNvPr id="3" name="Picture 2"/>
           <p:cNvPicPr>
             <a:picLocks noChangeAspect="1"/>
           </p:cNvPicPr>
@@ -2985,11 +2596,6 @@
         </p:spPr>
       </p:pic>
     </p:spTree>
-    <p:extLst>
-      <p:ext uri="{BB962C8B-B14F-4D97-AF65-F5344CB8AC3E}">
-        <p14:creationId xmlns:p14="http://schemas.microsoft.com/office/powerpoint/2010/main" val="3487022922"/>
-      </p:ext>
-    </p:extLst>
   </p:cSld>
   <p:clrMapOvr>
     <a:masterClrMapping/>
@@ -3016,13 +2622,7 @@
       </p:grpSpPr>
       <p:sp>
         <p:nvSpPr>
-          <p:cNvPr id="4" name="Date Placeholder 3">
-            <a:extLst>
-              <a:ext uri="{FF2B5EF4-FFF2-40B4-BE49-F238E27FC236}">
-                <a16:creationId xmlns:a16="http://schemas.microsoft.com/office/drawing/2014/main" id="{3789529E-8887-4181-0481-B8A936F3151B}"/>
-              </a:ext>
-            </a:extLst>
-          </p:cNvPr>
+          <p:cNvPr id="4" name="Date Placeholder 3"/>
           <p:cNvSpPr>
             <a:spLocks noGrp="1"/>
           </p:cNvSpPr>
@@ -3037,7 +2637,6 @@
           <a:p>
             <a:fld id="{04160886-68CE-4A07-9349-C1DB1F5C30E6}" type="datetime1">
               <a:rPr lang="en-US" smtClean="0"/>
-              <a:t>6/4/2024</a:t>
             </a:fld>
             <a:endParaRPr lang="en-US"/>
           </a:p>
@@ -3045,13 +2644,7 @@
       </p:sp>
       <p:sp>
         <p:nvSpPr>
-          <p:cNvPr id="5" name="Footer Placeholder 4">
-            <a:extLst>
-              <a:ext uri="{FF2B5EF4-FFF2-40B4-BE49-F238E27FC236}">
-                <a16:creationId xmlns:a16="http://schemas.microsoft.com/office/drawing/2014/main" id="{A50C1C15-E600-BDB4-5931-437A95C46995}"/>
-              </a:ext>
-            </a:extLst>
-          </p:cNvPr>
+          <p:cNvPr id="5" name="Footer Placeholder 4"/>
           <p:cNvSpPr>
             <a:spLocks noGrp="1"/>
           </p:cNvSpPr>
@@ -3070,13 +2663,7 @@
       </p:sp>
       <p:sp>
         <p:nvSpPr>
-          <p:cNvPr id="6" name="Slide Number Placeholder 5">
-            <a:extLst>
-              <a:ext uri="{FF2B5EF4-FFF2-40B4-BE49-F238E27FC236}">
-                <a16:creationId xmlns:a16="http://schemas.microsoft.com/office/drawing/2014/main" id="{960AD33F-BF92-3834-0754-C93DDF2C8144}"/>
-              </a:ext>
-            </a:extLst>
-          </p:cNvPr>
+          <p:cNvPr id="6" name="Slide Number Placeholder 5"/>
           <p:cNvSpPr>
             <a:spLocks noGrp="1"/>
           </p:cNvSpPr>
@@ -3091,7 +2678,6 @@
           <a:p>
             <a:fld id="{442C1155-F164-44A2-862A-E50421BF24BC}" type="slidenum">
               <a:rPr lang="en-US" smtClean="0"/>
-              <a:t>‹#›</a:t>
             </a:fld>
             <a:endParaRPr lang="en-US"/>
           </a:p>
@@ -3099,13 +2685,7 @@
       </p:sp>
       <p:sp>
         <p:nvSpPr>
-          <p:cNvPr id="7" name="TextBox 6">
-            <a:extLst>
-              <a:ext uri="{FF2B5EF4-FFF2-40B4-BE49-F238E27FC236}">
-                <a16:creationId xmlns:a16="http://schemas.microsoft.com/office/drawing/2014/main" id="{156BD2EA-AC8A-9E50-CD4C-F610A1DD709B}"/>
-              </a:ext>
-            </a:extLst>
-          </p:cNvPr>
+          <p:cNvPr id="7" name="TextBox 6"/>
           <p:cNvSpPr txBox="1"/>
           <p:nvPr userDrawn="1"/>
         </p:nvSpPr>
@@ -3164,13 +2744,7 @@
       </p:sp>
       <p:pic>
         <p:nvPicPr>
-          <p:cNvPr id="8" name="Picture 7">
-            <a:extLst>
-              <a:ext uri="{FF2B5EF4-FFF2-40B4-BE49-F238E27FC236}">
-                <a16:creationId xmlns:a16="http://schemas.microsoft.com/office/drawing/2014/main" id="{6346020F-92FF-8295-A6F7-4D1FD3088409}"/>
-              </a:ext>
-            </a:extLst>
-          </p:cNvPr>
+          <p:cNvPr id="8" name="Picture 7"/>
           <p:cNvPicPr>
             <a:picLocks noChangeAspect="1"/>
           </p:cNvPicPr>
@@ -3194,13 +2768,7 @@
       </p:pic>
       <p:pic>
         <p:nvPicPr>
-          <p:cNvPr id="9" name="Picture 8">
-            <a:extLst>
-              <a:ext uri="{FF2B5EF4-FFF2-40B4-BE49-F238E27FC236}">
-                <a16:creationId xmlns:a16="http://schemas.microsoft.com/office/drawing/2014/main" id="{3B74F058-D84C-7968-0198-1CDEABDE007F}"/>
-              </a:ext>
-            </a:extLst>
-          </p:cNvPr>
+          <p:cNvPr id="9" name="Picture 8"/>
           <p:cNvPicPr>
             <a:picLocks noChangeAspect="1"/>
           </p:cNvPicPr>
@@ -3224,13 +2792,7 @@
       </p:pic>
       <p:sp>
         <p:nvSpPr>
-          <p:cNvPr id="10" name="TextBox 9">
-            <a:extLst>
-              <a:ext uri="{FF2B5EF4-FFF2-40B4-BE49-F238E27FC236}">
-                <a16:creationId xmlns:a16="http://schemas.microsoft.com/office/drawing/2014/main" id="{8DA2BAF6-E6D0-932F-902F-E55E9FFCC45C}"/>
-              </a:ext>
-            </a:extLst>
-          </p:cNvPr>
+          <p:cNvPr id="10" name="TextBox 9"/>
           <p:cNvSpPr txBox="1"/>
           <p:nvPr userDrawn="1"/>
         </p:nvSpPr>
@@ -3257,15 +2819,14 @@
               </a:rPr>
               <a:t>Mô hình toán học</a:t>
             </a:r>
+            <a:endParaRPr lang="en-US" sz="2800" b="1">
+              <a:latin typeface="Arial" panose="020B0604020202020204" pitchFamily="34" charset="0"/>
+              <a:cs typeface="Arial" panose="020B0604020202020204" pitchFamily="34" charset="0"/>
+            </a:endParaRPr>
           </a:p>
         </p:txBody>
       </p:sp>
     </p:spTree>
-    <p:extLst>
-      <p:ext uri="{BB962C8B-B14F-4D97-AF65-F5344CB8AC3E}">
-        <p14:creationId xmlns:p14="http://schemas.microsoft.com/office/powerpoint/2010/main" val="1895608731"/>
-      </p:ext>
-    </p:extLst>
   </p:cSld>
   <p:clrMapOvr>
     <a:masterClrMapping/>
@@ -3292,13 +2853,7 @@
       </p:grpSpPr>
       <p:sp>
         <p:nvSpPr>
-          <p:cNvPr id="4" name="Date Placeholder 3">
-            <a:extLst>
-              <a:ext uri="{FF2B5EF4-FFF2-40B4-BE49-F238E27FC236}">
-                <a16:creationId xmlns:a16="http://schemas.microsoft.com/office/drawing/2014/main" id="{3789529E-8887-4181-0481-B8A936F3151B}"/>
-              </a:ext>
-            </a:extLst>
-          </p:cNvPr>
+          <p:cNvPr id="4" name="Date Placeholder 3"/>
           <p:cNvSpPr>
             <a:spLocks noGrp="1"/>
           </p:cNvSpPr>
@@ -3313,7 +2868,6 @@
           <a:p>
             <a:fld id="{04160886-68CE-4A07-9349-C1DB1F5C30E6}" type="datetime1">
               <a:rPr lang="en-US" smtClean="0"/>
-              <a:t>6/4/2024</a:t>
             </a:fld>
             <a:endParaRPr lang="en-US"/>
           </a:p>
@@ -3321,13 +2875,7 @@
       </p:sp>
       <p:sp>
         <p:nvSpPr>
-          <p:cNvPr id="5" name="Footer Placeholder 4">
-            <a:extLst>
-              <a:ext uri="{FF2B5EF4-FFF2-40B4-BE49-F238E27FC236}">
-                <a16:creationId xmlns:a16="http://schemas.microsoft.com/office/drawing/2014/main" id="{A50C1C15-E600-BDB4-5931-437A95C46995}"/>
-              </a:ext>
-            </a:extLst>
-          </p:cNvPr>
+          <p:cNvPr id="5" name="Footer Placeholder 4"/>
           <p:cNvSpPr>
             <a:spLocks noGrp="1"/>
           </p:cNvSpPr>
@@ -3346,13 +2894,7 @@
       </p:sp>
       <p:sp>
         <p:nvSpPr>
-          <p:cNvPr id="6" name="Slide Number Placeholder 5">
-            <a:extLst>
-              <a:ext uri="{FF2B5EF4-FFF2-40B4-BE49-F238E27FC236}">
-                <a16:creationId xmlns:a16="http://schemas.microsoft.com/office/drawing/2014/main" id="{960AD33F-BF92-3834-0754-C93DDF2C8144}"/>
-              </a:ext>
-            </a:extLst>
-          </p:cNvPr>
+          <p:cNvPr id="6" name="Slide Number Placeholder 5"/>
           <p:cNvSpPr>
             <a:spLocks noGrp="1"/>
           </p:cNvSpPr>
@@ -3367,7 +2909,6 @@
           <a:p>
             <a:fld id="{442C1155-F164-44A2-862A-E50421BF24BC}" type="slidenum">
               <a:rPr lang="en-US" smtClean="0"/>
-              <a:t>‹#›</a:t>
             </a:fld>
             <a:endParaRPr lang="en-US"/>
           </a:p>
@@ -3375,13 +2916,7 @@
       </p:sp>
       <p:sp>
         <p:nvSpPr>
-          <p:cNvPr id="7" name="TextBox 6">
-            <a:extLst>
-              <a:ext uri="{FF2B5EF4-FFF2-40B4-BE49-F238E27FC236}">
-                <a16:creationId xmlns:a16="http://schemas.microsoft.com/office/drawing/2014/main" id="{156BD2EA-AC8A-9E50-CD4C-F610A1DD709B}"/>
-              </a:ext>
-            </a:extLst>
-          </p:cNvPr>
+          <p:cNvPr id="7" name="TextBox 6"/>
           <p:cNvSpPr txBox="1"/>
           <p:nvPr userDrawn="1"/>
         </p:nvSpPr>
@@ -3440,13 +2975,7 @@
       </p:sp>
       <p:pic>
         <p:nvPicPr>
-          <p:cNvPr id="8" name="Picture 7">
-            <a:extLst>
-              <a:ext uri="{FF2B5EF4-FFF2-40B4-BE49-F238E27FC236}">
-                <a16:creationId xmlns:a16="http://schemas.microsoft.com/office/drawing/2014/main" id="{6346020F-92FF-8295-A6F7-4D1FD3088409}"/>
-              </a:ext>
-            </a:extLst>
-          </p:cNvPr>
+          <p:cNvPr id="8" name="Picture 7"/>
           <p:cNvPicPr>
             <a:picLocks noChangeAspect="1"/>
           </p:cNvPicPr>
@@ -3470,13 +2999,7 @@
       </p:pic>
       <p:pic>
         <p:nvPicPr>
-          <p:cNvPr id="9" name="Picture 8">
-            <a:extLst>
-              <a:ext uri="{FF2B5EF4-FFF2-40B4-BE49-F238E27FC236}">
-                <a16:creationId xmlns:a16="http://schemas.microsoft.com/office/drawing/2014/main" id="{3B74F058-D84C-7968-0198-1CDEABDE007F}"/>
-              </a:ext>
-            </a:extLst>
-          </p:cNvPr>
+          <p:cNvPr id="9" name="Picture 8"/>
           <p:cNvPicPr>
             <a:picLocks noChangeAspect="1"/>
           </p:cNvPicPr>
@@ -3500,13 +3023,7 @@
       </p:pic>
       <p:sp>
         <p:nvSpPr>
-          <p:cNvPr id="10" name="TextBox 9">
-            <a:extLst>
-              <a:ext uri="{FF2B5EF4-FFF2-40B4-BE49-F238E27FC236}">
-                <a16:creationId xmlns:a16="http://schemas.microsoft.com/office/drawing/2014/main" id="{8DA2BAF6-E6D0-932F-902F-E55E9FFCC45C}"/>
-              </a:ext>
-            </a:extLst>
-          </p:cNvPr>
+          <p:cNvPr id="10" name="TextBox 9"/>
           <p:cNvSpPr txBox="1"/>
           <p:nvPr userDrawn="1"/>
         </p:nvSpPr>
@@ -3533,15 +3050,14 @@
               </a:rPr>
               <a:t>Tuyến tính hóa hệ thống</a:t>
             </a:r>
+            <a:endParaRPr lang="en-US" sz="2800" b="1">
+              <a:latin typeface="Arial" panose="020B0604020202020204" pitchFamily="34" charset="0"/>
+              <a:cs typeface="Arial" panose="020B0604020202020204" pitchFamily="34" charset="0"/>
+            </a:endParaRPr>
           </a:p>
         </p:txBody>
       </p:sp>
     </p:spTree>
-    <p:extLst>
-      <p:ext uri="{BB962C8B-B14F-4D97-AF65-F5344CB8AC3E}">
-        <p14:creationId xmlns:p14="http://schemas.microsoft.com/office/powerpoint/2010/main" val="4138798525"/>
-      </p:ext>
-    </p:extLst>
   </p:cSld>
   <p:clrMapOvr>
     <a:masterClrMapping/>
@@ -3568,13 +3084,7 @@
       </p:grpSpPr>
       <p:sp>
         <p:nvSpPr>
-          <p:cNvPr id="4" name="Date Placeholder 3">
-            <a:extLst>
-              <a:ext uri="{FF2B5EF4-FFF2-40B4-BE49-F238E27FC236}">
-                <a16:creationId xmlns:a16="http://schemas.microsoft.com/office/drawing/2014/main" id="{3789529E-8887-4181-0481-B8A936F3151B}"/>
-              </a:ext>
-            </a:extLst>
-          </p:cNvPr>
+          <p:cNvPr id="4" name="Date Placeholder 3"/>
           <p:cNvSpPr>
             <a:spLocks noGrp="1"/>
           </p:cNvSpPr>
@@ -3589,7 +3099,6 @@
           <a:p>
             <a:fld id="{04160886-68CE-4A07-9349-C1DB1F5C30E6}" type="datetime1">
               <a:rPr lang="en-US" smtClean="0"/>
-              <a:t>6/4/2024</a:t>
             </a:fld>
             <a:endParaRPr lang="en-US"/>
           </a:p>
@@ -3597,13 +3106,7 @@
       </p:sp>
       <p:sp>
         <p:nvSpPr>
-          <p:cNvPr id="5" name="Footer Placeholder 4">
-            <a:extLst>
-              <a:ext uri="{FF2B5EF4-FFF2-40B4-BE49-F238E27FC236}">
-                <a16:creationId xmlns:a16="http://schemas.microsoft.com/office/drawing/2014/main" id="{A50C1C15-E600-BDB4-5931-437A95C46995}"/>
-              </a:ext>
-            </a:extLst>
-          </p:cNvPr>
+          <p:cNvPr id="5" name="Footer Placeholder 4"/>
           <p:cNvSpPr>
             <a:spLocks noGrp="1"/>
           </p:cNvSpPr>
@@ -3622,13 +3125,7 @@
       </p:sp>
       <p:sp>
         <p:nvSpPr>
-          <p:cNvPr id="6" name="Slide Number Placeholder 5">
-            <a:extLst>
-              <a:ext uri="{FF2B5EF4-FFF2-40B4-BE49-F238E27FC236}">
-                <a16:creationId xmlns:a16="http://schemas.microsoft.com/office/drawing/2014/main" id="{960AD33F-BF92-3834-0754-C93DDF2C8144}"/>
-              </a:ext>
-            </a:extLst>
-          </p:cNvPr>
+          <p:cNvPr id="6" name="Slide Number Placeholder 5"/>
           <p:cNvSpPr>
             <a:spLocks noGrp="1"/>
           </p:cNvSpPr>
@@ -3643,7 +3140,6 @@
           <a:p>
             <a:fld id="{442C1155-F164-44A2-862A-E50421BF24BC}" type="slidenum">
               <a:rPr lang="en-US" smtClean="0"/>
-              <a:t>‹#›</a:t>
             </a:fld>
             <a:endParaRPr lang="en-US"/>
           </a:p>
@@ -3651,13 +3147,7 @@
       </p:sp>
       <p:sp>
         <p:nvSpPr>
-          <p:cNvPr id="7" name="TextBox 6">
-            <a:extLst>
-              <a:ext uri="{FF2B5EF4-FFF2-40B4-BE49-F238E27FC236}">
-                <a16:creationId xmlns:a16="http://schemas.microsoft.com/office/drawing/2014/main" id="{156BD2EA-AC8A-9E50-CD4C-F610A1DD709B}"/>
-              </a:ext>
-            </a:extLst>
-          </p:cNvPr>
+          <p:cNvPr id="7" name="TextBox 6"/>
           <p:cNvSpPr txBox="1"/>
           <p:nvPr userDrawn="1"/>
         </p:nvSpPr>
@@ -3716,13 +3206,7 @@
       </p:sp>
       <p:pic>
         <p:nvPicPr>
-          <p:cNvPr id="8" name="Picture 7">
-            <a:extLst>
-              <a:ext uri="{FF2B5EF4-FFF2-40B4-BE49-F238E27FC236}">
-                <a16:creationId xmlns:a16="http://schemas.microsoft.com/office/drawing/2014/main" id="{6346020F-92FF-8295-A6F7-4D1FD3088409}"/>
-              </a:ext>
-            </a:extLst>
-          </p:cNvPr>
+          <p:cNvPr id="8" name="Picture 7"/>
           <p:cNvPicPr>
             <a:picLocks noChangeAspect="1"/>
           </p:cNvPicPr>
@@ -3746,13 +3230,7 @@
       </p:pic>
       <p:pic>
         <p:nvPicPr>
-          <p:cNvPr id="9" name="Picture 8">
-            <a:extLst>
-              <a:ext uri="{FF2B5EF4-FFF2-40B4-BE49-F238E27FC236}">
-                <a16:creationId xmlns:a16="http://schemas.microsoft.com/office/drawing/2014/main" id="{3B74F058-D84C-7968-0198-1CDEABDE007F}"/>
-              </a:ext>
-            </a:extLst>
-          </p:cNvPr>
+          <p:cNvPr id="9" name="Picture 8"/>
           <p:cNvPicPr>
             <a:picLocks noChangeAspect="1"/>
           </p:cNvPicPr>
@@ -3776,13 +3254,7 @@
       </p:pic>
       <p:sp>
         <p:nvSpPr>
-          <p:cNvPr id="10" name="TextBox 9">
-            <a:extLst>
-              <a:ext uri="{FF2B5EF4-FFF2-40B4-BE49-F238E27FC236}">
-                <a16:creationId xmlns:a16="http://schemas.microsoft.com/office/drawing/2014/main" id="{8DA2BAF6-E6D0-932F-902F-E55E9FFCC45C}"/>
-              </a:ext>
-            </a:extLst>
-          </p:cNvPr>
+          <p:cNvPr id="10" name="TextBox 9"/>
           <p:cNvSpPr txBox="1"/>
           <p:nvPr userDrawn="1"/>
         </p:nvSpPr>
@@ -3809,15 +3281,14 @@
               </a:rPr>
               <a:t>Thiết kế bộ điều khiển LQR</a:t>
             </a:r>
+            <a:endParaRPr lang="en-US" sz="2800" b="1">
+              <a:latin typeface="Arial" panose="020B0604020202020204" pitchFamily="34" charset="0"/>
+              <a:cs typeface="Arial" panose="020B0604020202020204" pitchFamily="34" charset="0"/>
+            </a:endParaRPr>
           </a:p>
         </p:txBody>
       </p:sp>
     </p:spTree>
-    <p:extLst>
-      <p:ext uri="{BB962C8B-B14F-4D97-AF65-F5344CB8AC3E}">
-        <p14:creationId xmlns:p14="http://schemas.microsoft.com/office/powerpoint/2010/main" val="1893651651"/>
-      </p:ext>
-    </p:extLst>
   </p:cSld>
   <p:clrMapOvr>
     <a:masterClrMapping/>
@@ -3844,13 +3315,7 @@
       </p:grpSpPr>
       <p:sp>
         <p:nvSpPr>
-          <p:cNvPr id="4" name="Date Placeholder 3">
-            <a:extLst>
-              <a:ext uri="{FF2B5EF4-FFF2-40B4-BE49-F238E27FC236}">
-                <a16:creationId xmlns:a16="http://schemas.microsoft.com/office/drawing/2014/main" id="{3789529E-8887-4181-0481-B8A936F3151B}"/>
-              </a:ext>
-            </a:extLst>
-          </p:cNvPr>
+          <p:cNvPr id="4" name="Date Placeholder 3"/>
           <p:cNvSpPr>
             <a:spLocks noGrp="1"/>
           </p:cNvSpPr>
@@ -3865,7 +3330,6 @@
           <a:p>
             <a:fld id="{04160886-68CE-4A07-9349-C1DB1F5C30E6}" type="datetime1">
               <a:rPr lang="en-US" smtClean="0"/>
-              <a:t>6/4/2024</a:t>
             </a:fld>
             <a:endParaRPr lang="en-US"/>
           </a:p>
@@ -3873,13 +3337,7 @@
       </p:sp>
       <p:sp>
         <p:nvSpPr>
-          <p:cNvPr id="5" name="Footer Placeholder 4">
-            <a:extLst>
-              <a:ext uri="{FF2B5EF4-FFF2-40B4-BE49-F238E27FC236}">
-                <a16:creationId xmlns:a16="http://schemas.microsoft.com/office/drawing/2014/main" id="{A50C1C15-E600-BDB4-5931-437A95C46995}"/>
-              </a:ext>
-            </a:extLst>
-          </p:cNvPr>
+          <p:cNvPr id="5" name="Footer Placeholder 4"/>
           <p:cNvSpPr>
             <a:spLocks noGrp="1"/>
           </p:cNvSpPr>
@@ -3898,13 +3356,7 @@
       </p:sp>
       <p:sp>
         <p:nvSpPr>
-          <p:cNvPr id="6" name="Slide Number Placeholder 5">
-            <a:extLst>
-              <a:ext uri="{FF2B5EF4-FFF2-40B4-BE49-F238E27FC236}">
-                <a16:creationId xmlns:a16="http://schemas.microsoft.com/office/drawing/2014/main" id="{960AD33F-BF92-3834-0754-C93DDF2C8144}"/>
-              </a:ext>
-            </a:extLst>
-          </p:cNvPr>
+          <p:cNvPr id="6" name="Slide Number Placeholder 5"/>
           <p:cNvSpPr>
             <a:spLocks noGrp="1"/>
           </p:cNvSpPr>
@@ -3919,7 +3371,6 @@
           <a:p>
             <a:fld id="{442C1155-F164-44A2-862A-E50421BF24BC}" type="slidenum">
               <a:rPr lang="en-US" smtClean="0"/>
-              <a:t>‹#›</a:t>
             </a:fld>
             <a:endParaRPr lang="en-US"/>
           </a:p>
@@ -3927,13 +3378,7 @@
       </p:sp>
       <p:sp>
         <p:nvSpPr>
-          <p:cNvPr id="7" name="TextBox 6">
-            <a:extLst>
-              <a:ext uri="{FF2B5EF4-FFF2-40B4-BE49-F238E27FC236}">
-                <a16:creationId xmlns:a16="http://schemas.microsoft.com/office/drawing/2014/main" id="{156BD2EA-AC8A-9E50-CD4C-F610A1DD709B}"/>
-              </a:ext>
-            </a:extLst>
-          </p:cNvPr>
+          <p:cNvPr id="7" name="TextBox 6"/>
           <p:cNvSpPr txBox="1"/>
           <p:nvPr userDrawn="1"/>
         </p:nvSpPr>
@@ -3992,13 +3437,7 @@
       </p:sp>
       <p:pic>
         <p:nvPicPr>
-          <p:cNvPr id="8" name="Picture 7">
-            <a:extLst>
-              <a:ext uri="{FF2B5EF4-FFF2-40B4-BE49-F238E27FC236}">
-                <a16:creationId xmlns:a16="http://schemas.microsoft.com/office/drawing/2014/main" id="{6346020F-92FF-8295-A6F7-4D1FD3088409}"/>
-              </a:ext>
-            </a:extLst>
-          </p:cNvPr>
+          <p:cNvPr id="8" name="Picture 7"/>
           <p:cNvPicPr>
             <a:picLocks noChangeAspect="1"/>
           </p:cNvPicPr>
@@ -4022,13 +3461,7 @@
       </p:pic>
       <p:pic>
         <p:nvPicPr>
-          <p:cNvPr id="9" name="Picture 8">
-            <a:extLst>
-              <a:ext uri="{FF2B5EF4-FFF2-40B4-BE49-F238E27FC236}">
-                <a16:creationId xmlns:a16="http://schemas.microsoft.com/office/drawing/2014/main" id="{3B74F058-D84C-7968-0198-1CDEABDE007F}"/>
-              </a:ext>
-            </a:extLst>
-          </p:cNvPr>
+          <p:cNvPr id="9" name="Picture 8"/>
           <p:cNvPicPr>
             <a:picLocks noChangeAspect="1"/>
           </p:cNvPicPr>
@@ -4052,13 +3485,7 @@
       </p:pic>
       <p:sp>
         <p:nvSpPr>
-          <p:cNvPr id="10" name="TextBox 9">
-            <a:extLst>
-              <a:ext uri="{FF2B5EF4-FFF2-40B4-BE49-F238E27FC236}">
-                <a16:creationId xmlns:a16="http://schemas.microsoft.com/office/drawing/2014/main" id="{8DA2BAF6-E6D0-932F-902F-E55E9FFCC45C}"/>
-              </a:ext>
-            </a:extLst>
-          </p:cNvPr>
+          <p:cNvPr id="10" name="TextBox 9"/>
           <p:cNvSpPr txBox="1"/>
           <p:nvPr userDrawn="1"/>
         </p:nvSpPr>
@@ -4085,15 +3512,14 @@
               </a:rPr>
               <a:t>Thông số động cơ</a:t>
             </a:r>
+            <a:endParaRPr lang="en-US" sz="2800" b="1">
+              <a:latin typeface="Arial" panose="020B0604020202020204" pitchFamily="34" charset="0"/>
+              <a:cs typeface="Arial" panose="020B0604020202020204" pitchFamily="34" charset="0"/>
+            </a:endParaRPr>
           </a:p>
         </p:txBody>
       </p:sp>
     </p:spTree>
-    <p:extLst>
-      <p:ext uri="{BB962C8B-B14F-4D97-AF65-F5344CB8AC3E}">
-        <p14:creationId xmlns:p14="http://schemas.microsoft.com/office/powerpoint/2010/main" val="3156664843"/>
-      </p:ext>
-    </p:extLst>
   </p:cSld>
   <p:clrMapOvr>
     <a:masterClrMapping/>
@@ -4120,13 +3546,7 @@
       </p:grpSpPr>
       <p:sp>
         <p:nvSpPr>
-          <p:cNvPr id="4" name="Date Placeholder 3">
-            <a:extLst>
-              <a:ext uri="{FF2B5EF4-FFF2-40B4-BE49-F238E27FC236}">
-                <a16:creationId xmlns:a16="http://schemas.microsoft.com/office/drawing/2014/main" id="{3789529E-8887-4181-0481-B8A936F3151B}"/>
-              </a:ext>
-            </a:extLst>
-          </p:cNvPr>
+          <p:cNvPr id="4" name="Date Placeholder 3"/>
           <p:cNvSpPr>
             <a:spLocks noGrp="1"/>
           </p:cNvSpPr>
@@ -4141,7 +3561,6 @@
           <a:p>
             <a:fld id="{04160886-68CE-4A07-9349-C1DB1F5C30E6}" type="datetime1">
               <a:rPr lang="en-US" smtClean="0"/>
-              <a:t>6/4/2024</a:t>
             </a:fld>
             <a:endParaRPr lang="en-US"/>
           </a:p>
@@ -4149,13 +3568,7 @@
       </p:sp>
       <p:sp>
         <p:nvSpPr>
-          <p:cNvPr id="5" name="Footer Placeholder 4">
-            <a:extLst>
-              <a:ext uri="{FF2B5EF4-FFF2-40B4-BE49-F238E27FC236}">
-                <a16:creationId xmlns:a16="http://schemas.microsoft.com/office/drawing/2014/main" id="{A50C1C15-E600-BDB4-5931-437A95C46995}"/>
-              </a:ext>
-            </a:extLst>
-          </p:cNvPr>
+          <p:cNvPr id="5" name="Footer Placeholder 4"/>
           <p:cNvSpPr>
             <a:spLocks noGrp="1"/>
           </p:cNvSpPr>
@@ -4174,13 +3587,7 @@
       </p:sp>
       <p:sp>
         <p:nvSpPr>
-          <p:cNvPr id="6" name="Slide Number Placeholder 5">
-            <a:extLst>
-              <a:ext uri="{FF2B5EF4-FFF2-40B4-BE49-F238E27FC236}">
-                <a16:creationId xmlns:a16="http://schemas.microsoft.com/office/drawing/2014/main" id="{960AD33F-BF92-3834-0754-C93DDF2C8144}"/>
-              </a:ext>
-            </a:extLst>
-          </p:cNvPr>
+          <p:cNvPr id="6" name="Slide Number Placeholder 5"/>
           <p:cNvSpPr>
             <a:spLocks noGrp="1"/>
           </p:cNvSpPr>
@@ -4195,7 +3602,6 @@
           <a:p>
             <a:fld id="{442C1155-F164-44A2-862A-E50421BF24BC}" type="slidenum">
               <a:rPr lang="en-US" smtClean="0"/>
-              <a:t>‹#›</a:t>
             </a:fld>
             <a:endParaRPr lang="en-US"/>
           </a:p>
@@ -4203,13 +3609,7 @@
       </p:sp>
       <p:sp>
         <p:nvSpPr>
-          <p:cNvPr id="7" name="TextBox 6">
-            <a:extLst>
-              <a:ext uri="{FF2B5EF4-FFF2-40B4-BE49-F238E27FC236}">
-                <a16:creationId xmlns:a16="http://schemas.microsoft.com/office/drawing/2014/main" id="{156BD2EA-AC8A-9E50-CD4C-F610A1DD709B}"/>
-              </a:ext>
-            </a:extLst>
-          </p:cNvPr>
+          <p:cNvPr id="7" name="TextBox 6"/>
           <p:cNvSpPr txBox="1"/>
           <p:nvPr userDrawn="1"/>
         </p:nvSpPr>
@@ -4268,13 +3668,7 @@
       </p:sp>
       <p:pic>
         <p:nvPicPr>
-          <p:cNvPr id="8" name="Picture 7">
-            <a:extLst>
-              <a:ext uri="{FF2B5EF4-FFF2-40B4-BE49-F238E27FC236}">
-                <a16:creationId xmlns:a16="http://schemas.microsoft.com/office/drawing/2014/main" id="{6346020F-92FF-8295-A6F7-4D1FD3088409}"/>
-              </a:ext>
-            </a:extLst>
-          </p:cNvPr>
+          <p:cNvPr id="8" name="Picture 7"/>
           <p:cNvPicPr>
             <a:picLocks noChangeAspect="1"/>
           </p:cNvPicPr>
@@ -4298,13 +3692,7 @@
       </p:pic>
       <p:pic>
         <p:nvPicPr>
-          <p:cNvPr id="9" name="Picture 8">
-            <a:extLst>
-              <a:ext uri="{FF2B5EF4-FFF2-40B4-BE49-F238E27FC236}">
-                <a16:creationId xmlns:a16="http://schemas.microsoft.com/office/drawing/2014/main" id="{3B74F058-D84C-7968-0198-1CDEABDE007F}"/>
-              </a:ext>
-            </a:extLst>
-          </p:cNvPr>
+          <p:cNvPr id="9" name="Picture 8"/>
           <p:cNvPicPr>
             <a:picLocks noChangeAspect="1"/>
           </p:cNvPicPr>
@@ -4328,13 +3716,7 @@
       </p:pic>
       <p:sp>
         <p:nvSpPr>
-          <p:cNvPr id="10" name="TextBox 9">
-            <a:extLst>
-              <a:ext uri="{FF2B5EF4-FFF2-40B4-BE49-F238E27FC236}">
-                <a16:creationId xmlns:a16="http://schemas.microsoft.com/office/drawing/2014/main" id="{8DA2BAF6-E6D0-932F-902F-E55E9FFCC45C}"/>
-              </a:ext>
-            </a:extLst>
-          </p:cNvPr>
+          <p:cNvPr id="10" name="TextBox 9"/>
           <p:cNvSpPr txBox="1"/>
           <p:nvPr userDrawn="1"/>
         </p:nvSpPr>
@@ -4361,15 +3743,14 @@
               </a:rPr>
               <a:t>Tiến hành mô phỏng</a:t>
             </a:r>
+            <a:endParaRPr lang="en-US" sz="2800" b="1">
+              <a:latin typeface="Arial" panose="020B0604020202020204" pitchFamily="34" charset="0"/>
+              <a:cs typeface="Arial" panose="020B0604020202020204" pitchFamily="34" charset="0"/>
+            </a:endParaRPr>
           </a:p>
         </p:txBody>
       </p:sp>
     </p:spTree>
-    <p:extLst>
-      <p:ext uri="{BB962C8B-B14F-4D97-AF65-F5344CB8AC3E}">
-        <p14:creationId xmlns:p14="http://schemas.microsoft.com/office/powerpoint/2010/main" val="1651668839"/>
-      </p:ext>
-    </p:extLst>
   </p:cSld>
   <p:clrMapOvr>
     <a:masterClrMapping/>
@@ -4396,13 +3777,7 @@
       </p:grpSpPr>
       <p:sp>
         <p:nvSpPr>
-          <p:cNvPr id="4" name="Date Placeholder 3">
-            <a:extLst>
-              <a:ext uri="{FF2B5EF4-FFF2-40B4-BE49-F238E27FC236}">
-                <a16:creationId xmlns:a16="http://schemas.microsoft.com/office/drawing/2014/main" id="{3789529E-8887-4181-0481-B8A936F3151B}"/>
-              </a:ext>
-            </a:extLst>
-          </p:cNvPr>
+          <p:cNvPr id="4" name="Date Placeholder 3"/>
           <p:cNvSpPr>
             <a:spLocks noGrp="1"/>
           </p:cNvSpPr>
@@ -4417,7 +3792,6 @@
           <a:p>
             <a:fld id="{04160886-68CE-4A07-9349-C1DB1F5C30E6}" type="datetime1">
               <a:rPr lang="en-US" smtClean="0"/>
-              <a:t>6/4/2024</a:t>
             </a:fld>
             <a:endParaRPr lang="en-US"/>
           </a:p>
@@ -4425,13 +3799,7 @@
       </p:sp>
       <p:sp>
         <p:nvSpPr>
-          <p:cNvPr id="5" name="Footer Placeholder 4">
-            <a:extLst>
-              <a:ext uri="{FF2B5EF4-FFF2-40B4-BE49-F238E27FC236}">
-                <a16:creationId xmlns:a16="http://schemas.microsoft.com/office/drawing/2014/main" id="{A50C1C15-E600-BDB4-5931-437A95C46995}"/>
-              </a:ext>
-            </a:extLst>
-          </p:cNvPr>
+          <p:cNvPr id="5" name="Footer Placeholder 4"/>
           <p:cNvSpPr>
             <a:spLocks noGrp="1"/>
           </p:cNvSpPr>
@@ -4450,13 +3818,7 @@
       </p:sp>
       <p:sp>
         <p:nvSpPr>
-          <p:cNvPr id="6" name="Slide Number Placeholder 5">
-            <a:extLst>
-              <a:ext uri="{FF2B5EF4-FFF2-40B4-BE49-F238E27FC236}">
-                <a16:creationId xmlns:a16="http://schemas.microsoft.com/office/drawing/2014/main" id="{960AD33F-BF92-3834-0754-C93DDF2C8144}"/>
-              </a:ext>
-            </a:extLst>
-          </p:cNvPr>
+          <p:cNvPr id="6" name="Slide Number Placeholder 5"/>
           <p:cNvSpPr>
             <a:spLocks noGrp="1"/>
           </p:cNvSpPr>
@@ -4471,7 +3833,6 @@
           <a:p>
             <a:fld id="{442C1155-F164-44A2-862A-E50421BF24BC}" type="slidenum">
               <a:rPr lang="en-US" smtClean="0"/>
-              <a:t>‹#›</a:t>
             </a:fld>
             <a:endParaRPr lang="en-US"/>
           </a:p>
@@ -4479,13 +3840,7 @@
       </p:sp>
       <p:sp>
         <p:nvSpPr>
-          <p:cNvPr id="7" name="TextBox 6">
-            <a:extLst>
-              <a:ext uri="{FF2B5EF4-FFF2-40B4-BE49-F238E27FC236}">
-                <a16:creationId xmlns:a16="http://schemas.microsoft.com/office/drawing/2014/main" id="{156BD2EA-AC8A-9E50-CD4C-F610A1DD709B}"/>
-              </a:ext>
-            </a:extLst>
-          </p:cNvPr>
+          <p:cNvPr id="7" name="TextBox 6"/>
           <p:cNvSpPr txBox="1"/>
           <p:nvPr userDrawn="1"/>
         </p:nvSpPr>
@@ -4544,13 +3899,7 @@
       </p:sp>
       <p:pic>
         <p:nvPicPr>
-          <p:cNvPr id="8" name="Picture 7">
-            <a:extLst>
-              <a:ext uri="{FF2B5EF4-FFF2-40B4-BE49-F238E27FC236}">
-                <a16:creationId xmlns:a16="http://schemas.microsoft.com/office/drawing/2014/main" id="{6346020F-92FF-8295-A6F7-4D1FD3088409}"/>
-              </a:ext>
-            </a:extLst>
-          </p:cNvPr>
+          <p:cNvPr id="8" name="Picture 7"/>
           <p:cNvPicPr>
             <a:picLocks noChangeAspect="1"/>
           </p:cNvPicPr>
@@ -4574,13 +3923,7 @@
       </p:pic>
       <p:pic>
         <p:nvPicPr>
-          <p:cNvPr id="9" name="Picture 8">
-            <a:extLst>
-              <a:ext uri="{FF2B5EF4-FFF2-40B4-BE49-F238E27FC236}">
-                <a16:creationId xmlns:a16="http://schemas.microsoft.com/office/drawing/2014/main" id="{3B74F058-D84C-7968-0198-1CDEABDE007F}"/>
-              </a:ext>
-            </a:extLst>
-          </p:cNvPr>
+          <p:cNvPr id="9" name="Picture 8"/>
           <p:cNvPicPr>
             <a:picLocks noChangeAspect="1"/>
           </p:cNvPicPr>
@@ -4604,13 +3947,7 @@
       </p:pic>
       <p:sp>
         <p:nvSpPr>
-          <p:cNvPr id="10" name="TextBox 9">
-            <a:extLst>
-              <a:ext uri="{FF2B5EF4-FFF2-40B4-BE49-F238E27FC236}">
-                <a16:creationId xmlns:a16="http://schemas.microsoft.com/office/drawing/2014/main" id="{8DA2BAF6-E6D0-932F-902F-E55E9FFCC45C}"/>
-              </a:ext>
-            </a:extLst>
-          </p:cNvPr>
+          <p:cNvPr id="10" name="TextBox 9"/>
           <p:cNvSpPr txBox="1"/>
           <p:nvPr userDrawn="1"/>
         </p:nvSpPr>
@@ -4637,15 +3974,14 @@
               </a:rPr>
               <a:t>Kết quả mô phỏng</a:t>
             </a:r>
+            <a:endParaRPr lang="en-US" sz="2800" b="1">
+              <a:latin typeface="Arial" panose="020B0604020202020204" pitchFamily="34" charset="0"/>
+              <a:cs typeface="Arial" panose="020B0604020202020204" pitchFamily="34" charset="0"/>
+            </a:endParaRPr>
           </a:p>
         </p:txBody>
       </p:sp>
     </p:spTree>
-    <p:extLst>
-      <p:ext uri="{BB962C8B-B14F-4D97-AF65-F5344CB8AC3E}">
-        <p14:creationId xmlns:p14="http://schemas.microsoft.com/office/powerpoint/2010/main" val="440330471"/>
-      </p:ext>
-    </p:extLst>
   </p:cSld>
   <p:clrMapOvr>
     <a:masterClrMapping/>
@@ -4672,13 +4008,7 @@
       </p:grpSpPr>
       <p:sp>
         <p:nvSpPr>
-          <p:cNvPr id="4" name="Date Placeholder 3">
-            <a:extLst>
-              <a:ext uri="{FF2B5EF4-FFF2-40B4-BE49-F238E27FC236}">
-                <a16:creationId xmlns:a16="http://schemas.microsoft.com/office/drawing/2014/main" id="{3789529E-8887-4181-0481-B8A936F3151B}"/>
-              </a:ext>
-            </a:extLst>
-          </p:cNvPr>
+          <p:cNvPr id="4" name="Date Placeholder 3"/>
           <p:cNvSpPr>
             <a:spLocks noGrp="1"/>
           </p:cNvSpPr>
@@ -4693,7 +4023,6 @@
           <a:p>
             <a:fld id="{04160886-68CE-4A07-9349-C1DB1F5C30E6}" type="datetime1">
               <a:rPr lang="en-US" smtClean="0"/>
-              <a:t>6/4/2024</a:t>
             </a:fld>
             <a:endParaRPr lang="en-US"/>
           </a:p>
@@ -4701,13 +4030,7 @@
       </p:sp>
       <p:sp>
         <p:nvSpPr>
-          <p:cNvPr id="5" name="Footer Placeholder 4">
-            <a:extLst>
-              <a:ext uri="{FF2B5EF4-FFF2-40B4-BE49-F238E27FC236}">
-                <a16:creationId xmlns:a16="http://schemas.microsoft.com/office/drawing/2014/main" id="{A50C1C15-E600-BDB4-5931-437A95C46995}"/>
-              </a:ext>
-            </a:extLst>
-          </p:cNvPr>
+          <p:cNvPr id="5" name="Footer Placeholder 4"/>
           <p:cNvSpPr>
             <a:spLocks noGrp="1"/>
           </p:cNvSpPr>
@@ -4726,13 +4049,7 @@
       </p:sp>
       <p:sp>
         <p:nvSpPr>
-          <p:cNvPr id="6" name="Slide Number Placeholder 5">
-            <a:extLst>
-              <a:ext uri="{FF2B5EF4-FFF2-40B4-BE49-F238E27FC236}">
-                <a16:creationId xmlns:a16="http://schemas.microsoft.com/office/drawing/2014/main" id="{960AD33F-BF92-3834-0754-C93DDF2C8144}"/>
-              </a:ext>
-            </a:extLst>
-          </p:cNvPr>
+          <p:cNvPr id="6" name="Slide Number Placeholder 5"/>
           <p:cNvSpPr>
             <a:spLocks noGrp="1"/>
           </p:cNvSpPr>
@@ -4747,7 +4064,6 @@
           <a:p>
             <a:fld id="{442C1155-F164-44A2-862A-E50421BF24BC}" type="slidenum">
               <a:rPr lang="en-US" smtClean="0"/>
-              <a:t>‹#›</a:t>
             </a:fld>
             <a:endParaRPr lang="en-US"/>
           </a:p>
@@ -4755,13 +4071,7 @@
       </p:sp>
       <p:sp>
         <p:nvSpPr>
-          <p:cNvPr id="7" name="TextBox 6">
-            <a:extLst>
-              <a:ext uri="{FF2B5EF4-FFF2-40B4-BE49-F238E27FC236}">
-                <a16:creationId xmlns:a16="http://schemas.microsoft.com/office/drawing/2014/main" id="{156BD2EA-AC8A-9E50-CD4C-F610A1DD709B}"/>
-              </a:ext>
-            </a:extLst>
-          </p:cNvPr>
+          <p:cNvPr id="7" name="TextBox 6"/>
           <p:cNvSpPr txBox="1"/>
           <p:nvPr userDrawn="1"/>
         </p:nvSpPr>
@@ -4820,13 +4130,7 @@
       </p:sp>
       <p:pic>
         <p:nvPicPr>
-          <p:cNvPr id="8" name="Picture 7">
-            <a:extLst>
-              <a:ext uri="{FF2B5EF4-FFF2-40B4-BE49-F238E27FC236}">
-                <a16:creationId xmlns:a16="http://schemas.microsoft.com/office/drawing/2014/main" id="{6346020F-92FF-8295-A6F7-4D1FD3088409}"/>
-              </a:ext>
-            </a:extLst>
-          </p:cNvPr>
+          <p:cNvPr id="8" name="Picture 7"/>
           <p:cNvPicPr>
             <a:picLocks noChangeAspect="1"/>
           </p:cNvPicPr>
@@ -4850,13 +4154,7 @@
       </p:pic>
       <p:pic>
         <p:nvPicPr>
-          <p:cNvPr id="9" name="Picture 8">
-            <a:extLst>
-              <a:ext uri="{FF2B5EF4-FFF2-40B4-BE49-F238E27FC236}">
-                <a16:creationId xmlns:a16="http://schemas.microsoft.com/office/drawing/2014/main" id="{3B74F058-D84C-7968-0198-1CDEABDE007F}"/>
-              </a:ext>
-            </a:extLst>
-          </p:cNvPr>
+          <p:cNvPr id="9" name="Picture 8"/>
           <p:cNvPicPr>
             <a:picLocks noChangeAspect="1"/>
           </p:cNvPicPr>
@@ -4879,11 +4177,6 @@
         </p:spPr>
       </p:pic>
     </p:spTree>
-    <p:extLst>
-      <p:ext uri="{BB962C8B-B14F-4D97-AF65-F5344CB8AC3E}">
-        <p14:creationId xmlns:p14="http://schemas.microsoft.com/office/powerpoint/2010/main" val="1470950009"/>
-      </p:ext>
-    </p:extLst>
   </p:cSld>
   <p:clrMapOvr>
     <a:masterClrMapping/>
@@ -4915,13 +4208,7 @@
       </p:grpSpPr>
       <p:sp>
         <p:nvSpPr>
-          <p:cNvPr id="2" name="Title Placeholder 1">
-            <a:extLst>
-              <a:ext uri="{FF2B5EF4-FFF2-40B4-BE49-F238E27FC236}">
-                <a16:creationId xmlns:a16="http://schemas.microsoft.com/office/drawing/2014/main" id="{71A26F9B-9463-4D14-6248-D28A68185F67}"/>
-              </a:ext>
-            </a:extLst>
-          </p:cNvPr>
+          <p:cNvPr id="2" name="Title Placeholder 1"/>
           <p:cNvSpPr>
             <a:spLocks noGrp="1"/>
           </p:cNvSpPr>
@@ -4948,18 +4235,13 @@
               <a:rPr lang="en-US"/>
               <a:t>Click to edit Master title style</a:t>
             </a:r>
+            <a:endParaRPr lang="en-US"/>
           </a:p>
         </p:txBody>
       </p:sp>
       <p:sp>
         <p:nvSpPr>
-          <p:cNvPr id="3" name="Text Placeholder 2">
-            <a:extLst>
-              <a:ext uri="{FF2B5EF4-FFF2-40B4-BE49-F238E27FC236}">
-                <a16:creationId xmlns:a16="http://schemas.microsoft.com/office/drawing/2014/main" id="{578C3611-9905-ADE1-6E54-A8D37F0AD113}"/>
-              </a:ext>
-            </a:extLst>
-          </p:cNvPr>
+          <p:cNvPr id="3" name="Text Placeholder 2"/>
           <p:cNvSpPr>
             <a:spLocks noGrp="1"/>
           </p:cNvSpPr>
@@ -4987,6 +4269,7 @@
               <a:rPr lang="en-US"/>
               <a:t>Click to edit Master text styles</a:t>
             </a:r>
+            <a:endParaRPr lang="en-US"/>
           </a:p>
           <a:p>
             <a:pPr lvl="1"/>
@@ -4994,6 +4277,7 @@
               <a:rPr lang="en-US"/>
               <a:t>Second level</a:t>
             </a:r>
+            <a:endParaRPr lang="en-US"/>
           </a:p>
           <a:p>
             <a:pPr lvl="2"/>
@@ -5001,6 +4285,7 @@
               <a:rPr lang="en-US"/>
               <a:t>Third level</a:t>
             </a:r>
+            <a:endParaRPr lang="en-US"/>
           </a:p>
           <a:p>
             <a:pPr lvl="3"/>
@@ -5008,6 +4293,7 @@
               <a:rPr lang="en-US"/>
               <a:t>Fourth level</a:t>
             </a:r>
+            <a:endParaRPr lang="en-US"/>
           </a:p>
           <a:p>
             <a:pPr lvl="4"/>
@@ -5015,18 +4301,13 @@
               <a:rPr lang="en-US"/>
               <a:t>Fifth level</a:t>
             </a:r>
+            <a:endParaRPr lang="en-US"/>
           </a:p>
         </p:txBody>
       </p:sp>
       <p:sp>
         <p:nvSpPr>
-          <p:cNvPr id="4" name="Date Placeholder 3">
-            <a:extLst>
-              <a:ext uri="{FF2B5EF4-FFF2-40B4-BE49-F238E27FC236}">
-                <a16:creationId xmlns:a16="http://schemas.microsoft.com/office/drawing/2014/main" id="{0649345F-5B9C-3DCB-4B35-BE6FCE258941}"/>
-              </a:ext>
-            </a:extLst>
-          </p:cNvPr>
+          <p:cNvPr id="4" name="Date Placeholder 3"/>
           <p:cNvSpPr>
             <a:spLocks noGrp="1"/>
           </p:cNvSpPr>
@@ -5059,7 +4340,6 @@
           <a:p>
             <a:fld id="{75BDAEB6-2976-46C7-B553-4433E2E59EE6}" type="datetime1">
               <a:rPr lang="en-US" smtClean="0"/>
-              <a:t>6/4/2024</a:t>
             </a:fld>
             <a:endParaRPr lang="en-US"/>
           </a:p>
@@ -5067,13 +4347,7 @@
       </p:sp>
       <p:sp>
         <p:nvSpPr>
-          <p:cNvPr id="5" name="Footer Placeholder 4">
-            <a:extLst>
-              <a:ext uri="{FF2B5EF4-FFF2-40B4-BE49-F238E27FC236}">
-                <a16:creationId xmlns:a16="http://schemas.microsoft.com/office/drawing/2014/main" id="{68F0A5DE-E4D8-9E0D-B474-601CE1BEF3F3}"/>
-              </a:ext>
-            </a:extLst>
-          </p:cNvPr>
+          <p:cNvPr id="5" name="Footer Placeholder 4"/>
           <p:cNvSpPr>
             <a:spLocks noGrp="1"/>
           </p:cNvSpPr>
@@ -5110,13 +4384,7 @@
       </p:sp>
       <p:sp>
         <p:nvSpPr>
-          <p:cNvPr id="6" name="Slide Number Placeholder 5">
-            <a:extLst>
-              <a:ext uri="{FF2B5EF4-FFF2-40B4-BE49-F238E27FC236}">
-                <a16:creationId xmlns:a16="http://schemas.microsoft.com/office/drawing/2014/main" id="{61CD0936-B08E-4290-6750-F24F78BD787D}"/>
-              </a:ext>
-            </a:extLst>
-          </p:cNvPr>
+          <p:cNvPr id="6" name="Slide Number Placeholder 5"/>
           <p:cNvSpPr>
             <a:spLocks noGrp="1"/>
           </p:cNvSpPr>
@@ -5149,39 +4417,33 @@
           <a:p>
             <a:fld id="{442C1155-F164-44A2-862A-E50421BF24BC}" type="slidenum">
               <a:rPr lang="en-US" smtClean="0"/>
-              <a:t>‹#›</a:t>
             </a:fld>
             <a:endParaRPr lang="en-US"/>
           </a:p>
         </p:txBody>
       </p:sp>
     </p:spTree>
-    <p:extLst>
-      <p:ext uri="{BB962C8B-B14F-4D97-AF65-F5344CB8AC3E}">
-        <p14:creationId xmlns:p14="http://schemas.microsoft.com/office/powerpoint/2010/main" val="1368387488"/>
-      </p:ext>
-    </p:extLst>
   </p:cSld>
   <p:clrMap bg1="lt1" tx1="dk1" bg2="lt2" tx2="dk2" accent1="accent1" accent2="accent2" accent3="accent3" accent4="accent4" accent5="accent5" accent6="accent6" hlink="hlink" folHlink="folHlink"/>
   <p:sldLayoutIdLst>
     <p:sldLayoutId id="2147483649" r:id="rId1"/>
     <p:sldLayoutId id="2147483650" r:id="rId2"/>
     <p:sldLayoutId id="2147483651" r:id="rId3"/>
-    <p:sldLayoutId id="2147483660" r:id="rId4"/>
-    <p:sldLayoutId id="2147483661" r:id="rId5"/>
-    <p:sldLayoutId id="2147483662" r:id="rId6"/>
-    <p:sldLayoutId id="2147483663" r:id="rId7"/>
-    <p:sldLayoutId id="2147483664" r:id="rId8"/>
-    <p:sldLayoutId id="2147483665" r:id="rId9"/>
-    <p:sldLayoutId id="2147483666" r:id="rId10"/>
-    <p:sldLayoutId id="2147483652" r:id="rId11"/>
-    <p:sldLayoutId id="2147483653" r:id="rId12"/>
-    <p:sldLayoutId id="2147483654" r:id="rId13"/>
-    <p:sldLayoutId id="2147483655" r:id="rId14"/>
-    <p:sldLayoutId id="2147483656" r:id="rId15"/>
-    <p:sldLayoutId id="2147483657" r:id="rId16"/>
-    <p:sldLayoutId id="2147483658" r:id="rId17"/>
-    <p:sldLayoutId id="2147483659" r:id="rId18"/>
+    <p:sldLayoutId id="2147483652" r:id="rId4"/>
+    <p:sldLayoutId id="2147483653" r:id="rId5"/>
+    <p:sldLayoutId id="2147483654" r:id="rId6"/>
+    <p:sldLayoutId id="2147483655" r:id="rId7"/>
+    <p:sldLayoutId id="2147483656" r:id="rId8"/>
+    <p:sldLayoutId id="2147483657" r:id="rId9"/>
+    <p:sldLayoutId id="2147483658" r:id="rId10"/>
+    <p:sldLayoutId id="2147483659" r:id="rId11"/>
+    <p:sldLayoutId id="2147483660" r:id="rId12"/>
+    <p:sldLayoutId id="2147483661" r:id="rId13"/>
+    <p:sldLayoutId id="2147483662" r:id="rId14"/>
+    <p:sldLayoutId id="2147483663" r:id="rId15"/>
+    <p:sldLayoutId id="2147483664" r:id="rId16"/>
+    <p:sldLayoutId id="2147483665" r:id="rId17"/>
+    <p:sldLayoutId id="2147483666" r:id="rId18"/>
   </p:sldLayoutIdLst>
   <p:hf hdr="0" ftr="0" dt="0"/>
   <p:txStyles>
@@ -5486,13 +4748,7 @@
       </p:grpSpPr>
       <p:sp>
         <p:nvSpPr>
-          <p:cNvPr id="2" name="Slide Number Placeholder 1">
-            <a:extLst>
-              <a:ext uri="{FF2B5EF4-FFF2-40B4-BE49-F238E27FC236}">
-                <a16:creationId xmlns:a16="http://schemas.microsoft.com/office/drawing/2014/main" id="{26AF5701-1E0A-377E-16CB-0C9A00CE59C8}"/>
-              </a:ext>
-            </a:extLst>
-          </p:cNvPr>
+          <p:cNvPr id="2" name="Slide Number Placeholder 1"/>
           <p:cNvSpPr>
             <a:spLocks noGrp="1"/>
           </p:cNvSpPr>
@@ -5507,7 +4763,6 @@
           <a:p>
             <a:fld id="{442C1155-F164-44A2-862A-E50421BF24BC}" type="slidenum">
               <a:rPr lang="en-US" smtClean="0"/>
-              <a:t>1</a:t>
             </a:fld>
             <a:endParaRPr lang="en-US"/>
           </a:p>
@@ -5515,13 +4770,7 @@
       </p:sp>
       <p:sp>
         <p:nvSpPr>
-          <p:cNvPr id="3" name="TextBox 2">
-            <a:extLst>
-              <a:ext uri="{FF2B5EF4-FFF2-40B4-BE49-F238E27FC236}">
-                <a16:creationId xmlns:a16="http://schemas.microsoft.com/office/drawing/2014/main" id="{73C8443E-AD4D-7658-E2C9-892B9CED3281}"/>
-              </a:ext>
-            </a:extLst>
-          </p:cNvPr>
+          <p:cNvPr id="3" name="TextBox 2"/>
           <p:cNvSpPr txBox="1"/>
           <p:nvPr/>
         </p:nvSpPr>
@@ -5560,6 +4809,10 @@
               </a:rPr>
               <a:t>PSG.TS Nguyễn Minh Tâm</a:t>
             </a:r>
+            <a:endParaRPr lang="en-US">
+              <a:latin typeface="Arial" panose="020B0604020202020204" pitchFamily="34" charset="0"/>
+              <a:cs typeface="Arial" panose="020B0604020202020204" pitchFamily="34" charset="0"/>
+            </a:endParaRPr>
           </a:p>
           <a:p>
             <a:pPr>
@@ -5574,6 +4827,10 @@
               </a:rPr>
               <a:t>Sinh viên trình bày:		MSSV:</a:t>
             </a:r>
+            <a:endParaRPr lang="en-US" b="1">
+              <a:latin typeface="Arial" panose="020B0604020202020204" pitchFamily="34" charset="0"/>
+              <a:cs typeface="Arial" panose="020B0604020202020204" pitchFamily="34" charset="0"/>
+            </a:endParaRPr>
           </a:p>
           <a:p>
             <a:pPr>
@@ -5588,6 +4845,10 @@
               </a:rPr>
               <a:t>Nguyễn Văn Pháp		21151303</a:t>
             </a:r>
+            <a:endParaRPr lang="en-US">
+              <a:latin typeface="Arial" panose="020B0604020202020204" pitchFamily="34" charset="0"/>
+              <a:cs typeface="Arial" panose="020B0604020202020204" pitchFamily="34" charset="0"/>
+            </a:endParaRPr>
           </a:p>
           <a:p>
             <a:pPr>
@@ -5602,18 +4863,16 @@
               </a:rPr>
               <a:t>Vũ Tiến Phát			21151309</a:t>
             </a:r>
+            <a:endParaRPr lang="en-US">
+              <a:latin typeface="Arial" panose="020B0604020202020204" pitchFamily="34" charset="0"/>
+              <a:cs typeface="Arial" panose="020B0604020202020204" pitchFamily="34" charset="0"/>
+            </a:endParaRPr>
           </a:p>
         </p:txBody>
       </p:sp>
       <p:sp>
         <p:nvSpPr>
-          <p:cNvPr id="4" name="TextBox 3">
-            <a:extLst>
-              <a:ext uri="{FF2B5EF4-FFF2-40B4-BE49-F238E27FC236}">
-                <a16:creationId xmlns:a16="http://schemas.microsoft.com/office/drawing/2014/main" id="{0FE79CD9-883D-2332-A3F2-70032C7A2DDE}"/>
-              </a:ext>
-            </a:extLst>
-          </p:cNvPr>
+          <p:cNvPr id="4" name="TextBox 3"/>
           <p:cNvSpPr txBox="1"/>
           <p:nvPr/>
         </p:nvSpPr>
@@ -5641,18 +4900,16 @@
               </a:rPr>
               <a:t>BÁO CÁO ĐIỀU KHIỂN THÔNG MINH</a:t>
             </a:r>
+            <a:endParaRPr lang="en-US" sz="3600" b="1">
+              <a:latin typeface="Arial" panose="020B0604020202020204" pitchFamily="34" charset="0"/>
+              <a:cs typeface="Arial" panose="020B0604020202020204" pitchFamily="34" charset="0"/>
+            </a:endParaRPr>
           </a:p>
         </p:txBody>
       </p:sp>
       <p:sp>
         <p:nvSpPr>
-          <p:cNvPr id="6" name="TextBox 5">
-            <a:extLst>
-              <a:ext uri="{FF2B5EF4-FFF2-40B4-BE49-F238E27FC236}">
-                <a16:creationId xmlns:a16="http://schemas.microsoft.com/office/drawing/2014/main" id="{49685C46-7652-2778-2F4D-1750DC721C5F}"/>
-              </a:ext>
-            </a:extLst>
-          </p:cNvPr>
+          <p:cNvPr id="6" name="TextBox 5"/>
           <p:cNvSpPr txBox="1"/>
           <p:nvPr/>
         </p:nvSpPr>
@@ -5702,13 +4959,7 @@
       </p:sp>
       <p:sp>
         <p:nvSpPr>
-          <p:cNvPr id="5" name="object 7">
-            <a:extLst>
-              <a:ext uri="{FF2B5EF4-FFF2-40B4-BE49-F238E27FC236}">
-                <a16:creationId xmlns:a16="http://schemas.microsoft.com/office/drawing/2014/main" id="{CB930DDF-6098-BFBA-AA1D-9434EF881410}"/>
-              </a:ext>
-            </a:extLst>
-          </p:cNvPr>
+          <p:cNvPr id="5" name="object 7"/>
           <p:cNvSpPr/>
           <p:nvPr/>
         </p:nvSpPr>
@@ -5754,17 +5005,10 @@
         <p:txBody>
           <a:bodyPr wrap="square" lIns="0" tIns="0" rIns="0" bIns="0" rtlCol="0"/>
           <a:lstStyle/>
-          <a:p>
-            <a:endParaRPr/>
-          </a:p>
+          <a:p/>
         </p:txBody>
       </p:sp>
     </p:spTree>
-    <p:extLst>
-      <p:ext uri="{BB962C8B-B14F-4D97-AF65-F5344CB8AC3E}">
-        <p14:creationId xmlns:p14="http://schemas.microsoft.com/office/powerpoint/2010/main" val="1873572781"/>
-      </p:ext>
-    </p:extLst>
   </p:cSld>
   <p:clrMapOvr>
     <a:masterClrMapping/>
@@ -5791,13 +5035,7 @@
       </p:grpSpPr>
       <p:sp>
         <p:nvSpPr>
-          <p:cNvPr id="6" name="Slide Number Placeholder 5">
-            <a:extLst>
-              <a:ext uri="{FF2B5EF4-FFF2-40B4-BE49-F238E27FC236}">
-                <a16:creationId xmlns:a16="http://schemas.microsoft.com/office/drawing/2014/main" id="{B3EC18ED-22E2-5416-1F94-403159F3AEE8}"/>
-              </a:ext>
-            </a:extLst>
-          </p:cNvPr>
+          <p:cNvPr id="6" name="Slide Number Placeholder 5"/>
           <p:cNvSpPr>
             <a:spLocks noGrp="1"/>
           </p:cNvSpPr>
@@ -5812,7 +5050,6 @@
           <a:p>
             <a:fld id="{442C1155-F164-44A2-862A-E50421BF24BC}" type="slidenum">
               <a:rPr lang="en-US" smtClean="0"/>
-              <a:t>10</a:t>
             </a:fld>
             <a:endParaRPr lang="en-US"/>
           </a:p>
@@ -5820,13 +5057,7 @@
       </p:sp>
       <p:sp>
         <p:nvSpPr>
-          <p:cNvPr id="7" name="TextBox 6">
-            <a:extLst>
-              <a:ext uri="{FF2B5EF4-FFF2-40B4-BE49-F238E27FC236}">
-                <a16:creationId xmlns:a16="http://schemas.microsoft.com/office/drawing/2014/main" id="{78D14BD5-959E-101B-88A7-73D3A09A49F4}"/>
-              </a:ext>
-            </a:extLst>
-          </p:cNvPr>
+          <p:cNvPr id="7" name="TextBox 6"/>
           <p:cNvSpPr txBox="1"/>
           <p:nvPr/>
         </p:nvSpPr>
@@ -5854,20 +5085,19 @@
               </a:rPr>
               <a:t>Lúc này ta có ma trận trọng số như sau:</a:t>
             </a:r>
+            <a:endParaRPr lang="en-US" sz="1800">
+              <a:effectLst/>
+              <a:latin typeface="Times New Roman" panose="02020603050405020304" pitchFamily="18" charset="0"/>
+              <a:ea typeface="Times New Roman" panose="02020603050405020304" pitchFamily="18" charset="0"/>
+            </a:endParaRPr>
           </a:p>
         </p:txBody>
       </p:sp>
-      <mc:AlternateContent xmlns:mc="http://schemas.openxmlformats.org/markup-compatibility/2006" xmlns:a14="http://schemas.microsoft.com/office/drawing/2010/main">
-        <mc:Choice Requires="a14">
+      <mc:AlternateContent xmlns:mc="http://schemas.openxmlformats.org/markup-compatibility/2006">
+        <mc:Choice xmlns:a14="http://schemas.microsoft.com/office/drawing/2010/main" Requires="a14">
           <p:sp>
             <p:nvSpPr>
-              <p:cNvPr id="8" name="TextBox 7">
-                <a:extLst>
-                  <a:ext uri="{FF2B5EF4-FFF2-40B4-BE49-F238E27FC236}">
-                    <a16:creationId xmlns:a16="http://schemas.microsoft.com/office/drawing/2014/main" id="{C2130AA3-3B7A-5DD0-578B-030C2DBA90F9}"/>
-                  </a:ext>
-                </a:extLst>
-              </p:cNvPr>
+              <p:cNvPr id="8" name="TextBox 7"/>
               <p:cNvSpPr txBox="1"/>
               <p:nvPr/>
             </p:nvSpPr>
@@ -6638,16 +5868,10 @@
             </p:txBody>
           </p:sp>
         </mc:Choice>
-        <mc:Fallback xmlns="">
+        <mc:Fallback>
           <p:sp>
             <p:nvSpPr>
-              <p:cNvPr id="8" name="TextBox 7">
-                <a:extLst>
-                  <a:ext uri="{FF2B5EF4-FFF2-40B4-BE49-F238E27FC236}">
-                    <a16:creationId xmlns:a16="http://schemas.microsoft.com/office/drawing/2014/main" id="{C2130AA3-3B7A-5DD0-578B-030C2DBA90F9}"/>
-                  </a:ext>
-                </a:extLst>
-              </p:cNvPr>
+              <p:cNvPr id="8" name="TextBox 7"/>
               <p:cNvSpPr txBox="1">
                 <a:spLocks noRot="1" noChangeAspect="1" noMove="1" noResize="1" noEditPoints="1" noAdjustHandles="1" noChangeArrowheads="1" noChangeShapeType="1" noTextEdit="1"/>
               </p:cNvSpPr>
@@ -6661,10 +5885,10 @@
               <a:prstGeom prst="rect">
                 <a:avLst/>
               </a:prstGeom>
-              <a:blipFill>
-                <a:blip r:embed="rId2"/>
+              <a:blipFill rotWithShape="1">
+                <a:blip r:embed="rId1"/>
                 <a:stretch>
-                  <a:fillRect/>
+                  <a:fillRect l="-12" t="-26" b="8"/>
                 </a:stretch>
               </a:blipFill>
             </p:spPr>
@@ -6673,7 +5897,7 @@
               <a:lstStyle/>
               <a:p>
                 <a:r>
-                  <a:rPr lang="en-US">
+                  <a:rPr lang="en-US" altLang="en-US">
                     <a:noFill/>
                   </a:rPr>
                   <a:t> </a:t>
@@ -6683,17 +5907,11 @@
           </p:sp>
         </mc:Fallback>
       </mc:AlternateContent>
-      <mc:AlternateContent xmlns:mc="http://schemas.openxmlformats.org/markup-compatibility/2006" xmlns:a14="http://schemas.microsoft.com/office/drawing/2010/main">
-        <mc:Choice Requires="a14">
+      <mc:AlternateContent xmlns:mc="http://schemas.openxmlformats.org/markup-compatibility/2006">
+        <mc:Choice xmlns:a14="http://schemas.microsoft.com/office/drawing/2010/main" Requires="a14">
           <p:sp>
             <p:nvSpPr>
-              <p:cNvPr id="12" name="TextBox 11">
-                <a:extLst>
-                  <a:ext uri="{FF2B5EF4-FFF2-40B4-BE49-F238E27FC236}">
-                    <a16:creationId xmlns:a16="http://schemas.microsoft.com/office/drawing/2014/main" id="{C2A227E4-D010-2994-85DC-7EAC1FCDAC4A}"/>
-                  </a:ext>
-                </a:extLst>
-              </p:cNvPr>
+              <p:cNvPr id="12" name="TextBox 11"/>
               <p:cNvSpPr txBox="1"/>
               <p:nvPr/>
             </p:nvSpPr>
@@ -7643,16 +6861,10 @@
             </p:txBody>
           </p:sp>
         </mc:Choice>
-        <mc:Fallback xmlns="">
+        <mc:Fallback>
           <p:sp>
             <p:nvSpPr>
-              <p:cNvPr id="12" name="TextBox 11">
-                <a:extLst>
-                  <a:ext uri="{FF2B5EF4-FFF2-40B4-BE49-F238E27FC236}">
-                    <a16:creationId xmlns:a16="http://schemas.microsoft.com/office/drawing/2014/main" id="{C2A227E4-D010-2994-85DC-7EAC1FCDAC4A}"/>
-                  </a:ext>
-                </a:extLst>
-              </p:cNvPr>
+              <p:cNvPr id="12" name="TextBox 11"/>
               <p:cNvSpPr txBox="1">
                 <a:spLocks noRot="1" noChangeAspect="1" noMove="1" noResize="1" noEditPoints="1" noAdjustHandles="1" noChangeArrowheads="1" noChangeShapeType="1" noTextEdit="1"/>
               </p:cNvSpPr>
@@ -7666,10 +6878,10 @@
               <a:prstGeom prst="rect">
                 <a:avLst/>
               </a:prstGeom>
-              <a:blipFill>
-                <a:blip r:embed="rId3"/>
+              <a:blipFill rotWithShape="1">
+                <a:blip r:embed="rId2"/>
                 <a:stretch>
-                  <a:fillRect l="-581" t="-2041" r="-517" b="-4898"/>
+                  <a:fillRect l="-5" t="-5" r="2" b="35"/>
                 </a:stretch>
               </a:blipFill>
             </p:spPr>
@@ -7678,7 +6890,7 @@
               <a:lstStyle/>
               <a:p>
                 <a:r>
-                  <a:rPr lang="en-US">
+                  <a:rPr lang="en-US" altLang="en-US">
                     <a:noFill/>
                   </a:rPr>
                   <a:t> </a:t>
@@ -7689,11 +6901,6 @@
         </mc:Fallback>
       </mc:AlternateContent>
     </p:spTree>
-    <p:extLst>
-      <p:ext uri="{BB962C8B-B14F-4D97-AF65-F5344CB8AC3E}">
-        <p14:creationId xmlns:p14="http://schemas.microsoft.com/office/powerpoint/2010/main" val="4228378443"/>
-      </p:ext>
-    </p:extLst>
   </p:cSld>
   <p:clrMapOvr>
     <a:masterClrMapping/>
@@ -7720,13 +6927,7 @@
       </p:grpSpPr>
       <p:sp>
         <p:nvSpPr>
-          <p:cNvPr id="2" name="Slide Number Placeholder 1">
-            <a:extLst>
-              <a:ext uri="{FF2B5EF4-FFF2-40B4-BE49-F238E27FC236}">
-                <a16:creationId xmlns:a16="http://schemas.microsoft.com/office/drawing/2014/main" id="{F6B0FF36-20A6-1F92-9B67-78428146E16A}"/>
-              </a:ext>
-            </a:extLst>
-          </p:cNvPr>
+          <p:cNvPr id="2" name="Slide Number Placeholder 1"/>
           <p:cNvSpPr>
             <a:spLocks noGrp="1"/>
           </p:cNvSpPr>
@@ -7741,7 +6942,6 @@
           <a:p>
             <a:fld id="{442C1155-F164-44A2-862A-E50421BF24BC}" type="slidenum">
               <a:rPr lang="en-US" smtClean="0"/>
-              <a:t>11</a:t>
             </a:fld>
             <a:endParaRPr lang="en-US"/>
           </a:p>
@@ -7749,23 +6949,11 @@
       </p:sp>
       <p:graphicFrame>
         <p:nvGraphicFramePr>
-          <p:cNvPr id="3" name="Table 2">
-            <a:extLst>
-              <a:ext uri="{FF2B5EF4-FFF2-40B4-BE49-F238E27FC236}">
-                <a16:creationId xmlns:a16="http://schemas.microsoft.com/office/drawing/2014/main" id="{A84D6CB4-6008-04E7-98BE-98BC366A06D4}"/>
-              </a:ext>
-            </a:extLst>
-          </p:cNvPr>
+          <p:cNvPr id="3" name="Table 2"/>
           <p:cNvGraphicFramePr>
             <a:graphicFrameLocks noGrp="1"/>
           </p:cNvGraphicFramePr>
-          <p:nvPr>
-            <p:extLst>
-              <p:ext uri="{D42A27DB-BD31-4B8C-83A1-F6EECF244321}">
-                <p14:modId xmlns:p14="http://schemas.microsoft.com/office/powerpoint/2010/main" val="4245295575"/>
-              </p:ext>
-            </p:extLst>
-          </p:nvPr>
+          <p:nvPr/>
         </p:nvGraphicFramePr>
         <p:xfrm>
           <a:off x="3686123" y="1743857"/>
@@ -7778,27 +6966,9 @@
                 <a:tableStyleId>{5C22544A-7EE6-4342-B048-85BDC9FD1C3A}</a:tableStyleId>
               </a:tblPr>
               <a:tblGrid>
-                <a:gridCol w="1151892">
-                  <a:extLst>
-                    <a:ext uri="{9D8B030D-6E8A-4147-A177-3AD203B41FA5}">
-                      <a16:colId xmlns:a16="http://schemas.microsoft.com/office/drawing/2014/main" val="137562853"/>
-                    </a:ext>
-                  </a:extLst>
-                </a:gridCol>
-                <a:gridCol w="636572">
-                  <a:extLst>
-                    <a:ext uri="{9D8B030D-6E8A-4147-A177-3AD203B41FA5}">
-                      <a16:colId xmlns:a16="http://schemas.microsoft.com/office/drawing/2014/main" val="3661095727"/>
-                    </a:ext>
-                  </a:extLst>
-                </a:gridCol>
-                <a:gridCol w="3031290">
-                  <a:extLst>
-                    <a:ext uri="{9D8B030D-6E8A-4147-A177-3AD203B41FA5}">
-                      <a16:colId xmlns:a16="http://schemas.microsoft.com/office/drawing/2014/main" val="3693520931"/>
-                    </a:ext>
-                  </a:extLst>
-                </a:gridCol>
+                <a:gridCol w="1151892"/>
+                <a:gridCol w="636572"/>
+                <a:gridCol w="3031290"/>
               </a:tblGrid>
               <a:tr h="428355">
                 <a:tc>
@@ -8020,11 +7190,6 @@
                     </a:lnBlToTr>
                   </a:tcPr>
                 </a:tc>
-                <a:extLst>
-                  <a:ext uri="{0D108BD9-81ED-4DB2-BD59-A6C34878D82A}">
-                    <a16:rowId xmlns:a16="http://schemas.microsoft.com/office/drawing/2014/main" val="3395047652"/>
-                  </a:ext>
-                </a:extLst>
               </a:tr>
               <a:tr h="259278">
                 <a:tc>
@@ -8046,6 +7211,12 @@
                         </a:rPr>
                         <a:t>m - [Kg]</a:t>
                       </a:r>
+                      <a:endParaRPr lang="en-US" sz="1000" b="0">
+                        <a:effectLst/>
+                        <a:latin typeface="Arial" panose="020B0604020202020204" pitchFamily="34" charset="0"/>
+                        <a:ea typeface="Times New Roman" panose="02020603050405020304" pitchFamily="18" charset="0"/>
+                        <a:cs typeface="Arial" panose="020B0604020202020204" pitchFamily="34" charset="0"/>
+                      </a:endParaRPr>
                     </a:p>
                   </a:txBody>
                   <a:tcPr marL="42256" marR="42256" marT="0" marB="0" anchor="ctr">
@@ -8217,11 +7388,6 @@
                     </a:lnB>
                   </a:tcPr>
                 </a:tc>
-                <a:extLst>
-                  <a:ext uri="{0D108BD9-81ED-4DB2-BD59-A6C34878D82A}">
-                    <a16:rowId xmlns:a16="http://schemas.microsoft.com/office/drawing/2014/main" val="3069504128"/>
-                  </a:ext>
-                </a:extLst>
               </a:tr>
               <a:tr h="259278">
                 <a:tc>
@@ -8251,6 +7417,12 @@
                         </a:rPr>
                         <a:t>[Kg]</a:t>
                       </a:r>
+                      <a:endParaRPr lang="en-US" sz="1000" b="0">
+                        <a:effectLst/>
+                        <a:latin typeface="Arial" panose="020B0604020202020204" pitchFamily="34" charset="0"/>
+                        <a:ea typeface="Times New Roman" panose="02020603050405020304" pitchFamily="18" charset="0"/>
+                        <a:cs typeface="Arial" panose="020B0604020202020204" pitchFamily="34" charset="0"/>
+                      </a:endParaRPr>
                     </a:p>
                   </a:txBody>
                   <a:tcPr marL="42256" marR="42256" marT="0" marB="0" anchor="ctr">
@@ -8422,11 +7594,6 @@
                     </a:lnB>
                   </a:tcPr>
                 </a:tc>
-                <a:extLst>
-                  <a:ext uri="{0D108BD9-81ED-4DB2-BD59-A6C34878D82A}">
-                    <a16:rowId xmlns:a16="http://schemas.microsoft.com/office/drawing/2014/main" val="3965961995"/>
-                  </a:ext>
-                </a:extLst>
               </a:tr>
               <a:tr h="259278">
                 <a:tc>
@@ -8456,6 +7623,12 @@
                         </a:rPr>
                         <a:t>[m]</a:t>
                       </a:r>
+                      <a:endParaRPr lang="en-US" sz="1000" b="0">
+                        <a:effectLst/>
+                        <a:latin typeface="Arial" panose="020B0604020202020204" pitchFamily="34" charset="0"/>
+                        <a:ea typeface="Times New Roman" panose="02020603050405020304" pitchFamily="18" charset="0"/>
+                        <a:cs typeface="Arial" panose="020B0604020202020204" pitchFamily="34" charset="0"/>
+                      </a:endParaRPr>
                     </a:p>
                   </a:txBody>
                   <a:tcPr marL="42256" marR="42256" marT="0" marB="0" anchor="ctr">
@@ -8627,11 +7800,6 @@
                     </a:lnB>
                   </a:tcPr>
                 </a:tc>
-                <a:extLst>
-                  <a:ext uri="{0D108BD9-81ED-4DB2-BD59-A6C34878D82A}">
-                    <a16:rowId xmlns:a16="http://schemas.microsoft.com/office/drawing/2014/main" val="2353124118"/>
-                  </a:ext>
-                </a:extLst>
               </a:tr>
               <a:tr h="259278">
                 <a:tc>
@@ -8829,11 +7997,6 @@
                     </a:lnB>
                   </a:tcPr>
                 </a:tc>
-                <a:extLst>
-                  <a:ext uri="{0D108BD9-81ED-4DB2-BD59-A6C34878D82A}">
-                    <a16:rowId xmlns:a16="http://schemas.microsoft.com/office/drawing/2014/main" val="3294847477"/>
-                  </a:ext>
-                </a:extLst>
               </a:tr>
               <a:tr h="259278">
                 <a:tc>
@@ -9031,11 +8194,6 @@
                     </a:lnB>
                   </a:tcPr>
                 </a:tc>
-                <a:extLst>
-                  <a:ext uri="{0D108BD9-81ED-4DB2-BD59-A6C34878D82A}">
-                    <a16:rowId xmlns:a16="http://schemas.microsoft.com/office/drawing/2014/main" val="866327503"/>
-                  </a:ext>
-                </a:extLst>
               </a:tr>
               <a:tr h="259278">
                 <a:tc>
@@ -9233,11 +8391,6 @@
                     </a:lnB>
                   </a:tcPr>
                 </a:tc>
-                <a:extLst>
-                  <a:ext uri="{0D108BD9-81ED-4DB2-BD59-A6C34878D82A}">
-                    <a16:rowId xmlns:a16="http://schemas.microsoft.com/office/drawing/2014/main" val="1586111929"/>
-                  </a:ext>
-                </a:extLst>
               </a:tr>
               <a:tr h="259278">
                 <a:tc>
@@ -9435,11 +8588,6 @@
                     </a:lnB>
                   </a:tcPr>
                 </a:tc>
-                <a:extLst>
-                  <a:ext uri="{0D108BD9-81ED-4DB2-BD59-A6C34878D82A}">
-                    <a16:rowId xmlns:a16="http://schemas.microsoft.com/office/drawing/2014/main" val="2492295657"/>
-                  </a:ext>
-                </a:extLst>
               </a:tr>
               <a:tr h="259278">
                 <a:tc>
@@ -9645,11 +8793,6 @@
                     </a:lnB>
                   </a:tcPr>
                 </a:tc>
-                <a:extLst>
-                  <a:ext uri="{0D108BD9-81ED-4DB2-BD59-A6C34878D82A}">
-                    <a16:rowId xmlns:a16="http://schemas.microsoft.com/office/drawing/2014/main" val="545654821"/>
-                  </a:ext>
-                </a:extLst>
               </a:tr>
               <a:tr h="259278">
                 <a:tc>
@@ -9744,7 +8887,6 @@
                         <a:buSzTx/>
                         <a:buFontTx/>
                         <a:buNone/>
-                        <a:tabLst/>
                         <a:defRPr/>
                       </a:pPr>
                       <a:r>
@@ -9756,6 +8898,12 @@
                         </a:rPr>
                         <a:t>0.002</a:t>
                       </a:r>
+                      <a:endParaRPr lang="en-US" sz="1000" b="0">
+                        <a:effectLst/>
+                        <a:latin typeface="Arial" panose="020B0604020202020204" pitchFamily="34" charset="0"/>
+                        <a:ea typeface="Times New Roman" panose="02020603050405020304" pitchFamily="18" charset="0"/>
+                        <a:cs typeface="Arial" panose="020B0604020202020204" pitchFamily="34" charset="0"/>
+                      </a:endParaRPr>
                     </a:p>
                   </a:txBody>
                   <a:tcPr marL="42256" marR="42256" marT="0" marB="0" anchor="ctr">
@@ -9862,11 +9010,6 @@
                     </a:lnB>
                   </a:tcPr>
                 </a:tc>
-                <a:extLst>
-                  <a:ext uri="{0D108BD9-81ED-4DB2-BD59-A6C34878D82A}">
-                    <a16:rowId xmlns:a16="http://schemas.microsoft.com/office/drawing/2014/main" val="484410881"/>
-                  </a:ext>
-                </a:extLst>
               </a:tr>
               <a:tr h="259278">
                 <a:tc>
@@ -9888,7 +9031,6 @@
                         <a:buSzTx/>
                         <a:buFontTx/>
                         <a:buNone/>
-                        <a:tabLst/>
                         <a:defRPr/>
                       </a:pPr>
                       <a:r>
@@ -9941,6 +9083,12 @@
                         </a:rPr>
                         <a:t>]</a:t>
                       </a:r>
+                      <a:endParaRPr lang="en-US" sz="1000" b="0">
+                        <a:effectLst/>
+                        <a:latin typeface="Arial" panose="020B0604020202020204" pitchFamily="34" charset="0"/>
+                        <a:ea typeface="Times New Roman" panose="02020603050405020304" pitchFamily="18" charset="0"/>
+                        <a:cs typeface="Arial" panose="020B0604020202020204" pitchFamily="34" charset="0"/>
+                      </a:endParaRPr>
                     </a:p>
                   </a:txBody>
                   <a:tcPr marL="42256" marR="42256" marT="0" marB="0" anchor="ctr">
@@ -10112,11 +9260,6 @@
                     </a:lnB>
                   </a:tcPr>
                 </a:tc>
-                <a:extLst>
-                  <a:ext uri="{0D108BD9-81ED-4DB2-BD59-A6C34878D82A}">
-                    <a16:rowId xmlns:a16="http://schemas.microsoft.com/office/drawing/2014/main" val="1336020924"/>
-                  </a:ext>
-                </a:extLst>
               </a:tr>
               <a:tr h="259278">
                 <a:tc>
@@ -10138,7 +9281,6 @@
                         <a:buSzTx/>
                         <a:buFontTx/>
                         <a:buNone/>
-                        <a:tabLst/>
                         <a:defRPr/>
                       </a:pPr>
                       <a:r>
@@ -10183,6 +9325,12 @@
                         </a:rPr>
                         <a:t>]</a:t>
                       </a:r>
+                      <a:endParaRPr lang="en-US" sz="1000" b="0">
+                        <a:effectLst/>
+                        <a:latin typeface="Arial" panose="020B0604020202020204" pitchFamily="34" charset="0"/>
+                        <a:ea typeface="Times New Roman" panose="02020603050405020304" pitchFamily="18" charset="0"/>
+                        <a:cs typeface="Arial" panose="020B0604020202020204" pitchFamily="34" charset="0"/>
+                      </a:endParaRPr>
                     </a:p>
                   </a:txBody>
                   <a:tcPr marL="42256" marR="42256" marT="0" marB="0" anchor="ctr">
@@ -10354,11 +9502,6 @@
                     </a:lnB>
                   </a:tcPr>
                 </a:tc>
-                <a:extLst>
-                  <a:ext uri="{0D108BD9-81ED-4DB2-BD59-A6C34878D82A}">
-                    <a16:rowId xmlns:a16="http://schemas.microsoft.com/office/drawing/2014/main" val="1947218027"/>
-                  </a:ext>
-                </a:extLst>
               </a:tr>
               <a:tr h="259278">
                 <a:tc>
@@ -10380,7 +9523,6 @@
                         <a:buSzTx/>
                         <a:buFontTx/>
                         <a:buNone/>
-                        <a:tabLst/>
                         <a:defRPr/>
                       </a:pPr>
                       <a:r>
@@ -10425,6 +9567,12 @@
                         </a:rPr>
                         <a:t>]</a:t>
                       </a:r>
+                      <a:endParaRPr lang="en-US" sz="1000" b="0">
+                        <a:effectLst/>
+                        <a:latin typeface="Arial" panose="020B0604020202020204" pitchFamily="34" charset="0"/>
+                        <a:ea typeface="Times New Roman" panose="02020603050405020304" pitchFamily="18" charset="0"/>
+                        <a:cs typeface="Arial" panose="020B0604020202020204" pitchFamily="34" charset="0"/>
+                      </a:endParaRPr>
                     </a:p>
                   </a:txBody>
                   <a:tcPr marL="42256" marR="42256" marT="0" marB="0" anchor="ctr">
@@ -10596,11 +9744,6 @@
                     </a:lnB>
                   </a:tcPr>
                 </a:tc>
-                <a:extLst>
-                  <a:ext uri="{0D108BD9-81ED-4DB2-BD59-A6C34878D82A}">
-                    <a16:rowId xmlns:a16="http://schemas.microsoft.com/office/drawing/2014/main" val="3184221689"/>
-                  </a:ext>
-                </a:extLst>
               </a:tr>
               <a:tr h="259278">
                 <a:tc>
@@ -10622,7 +9765,6 @@
                         <a:buSzTx/>
                         <a:buFontTx/>
                         <a:buNone/>
-                        <a:tabLst/>
                         <a:defRPr/>
                       </a:pPr>
                       <a:r>
@@ -10667,6 +9809,12 @@
                         </a:rPr>
                         <a:t>]</a:t>
                       </a:r>
+                      <a:endParaRPr lang="en-US" sz="1000" b="0">
+                        <a:effectLst/>
+                        <a:latin typeface="Arial" panose="020B0604020202020204" pitchFamily="34" charset="0"/>
+                        <a:ea typeface="Times New Roman" panose="02020603050405020304" pitchFamily="18" charset="0"/>
+                        <a:cs typeface="Arial" panose="020B0604020202020204" pitchFamily="34" charset="0"/>
+                      </a:endParaRPr>
                     </a:p>
                   </a:txBody>
                   <a:tcPr marL="42256" marR="42256" marT="0" marB="0" anchor="ctr">
@@ -10838,11 +9986,6 @@
                     </a:lnB>
                   </a:tcPr>
                 </a:tc>
-                <a:extLst>
-                  <a:ext uri="{0D108BD9-81ED-4DB2-BD59-A6C34878D82A}">
-                    <a16:rowId xmlns:a16="http://schemas.microsoft.com/office/drawing/2014/main" val="270105816"/>
-                  </a:ext>
-                </a:extLst>
               </a:tr>
               <a:tr h="259278">
                 <a:tc>
@@ -11040,11 +10183,6 @@
                     </a:lnB>
                   </a:tcPr>
                 </a:tc>
-                <a:extLst>
-                  <a:ext uri="{0D108BD9-81ED-4DB2-BD59-A6C34878D82A}">
-                    <a16:rowId xmlns:a16="http://schemas.microsoft.com/office/drawing/2014/main" val="713640338"/>
-                  </a:ext>
-                </a:extLst>
               </a:tr>
               <a:tr h="259278">
                 <a:tc>
@@ -11066,7 +10204,6 @@
                         <a:buSzTx/>
                         <a:buFontTx/>
                         <a:buNone/>
-                        <a:tabLst/>
                         <a:defRPr/>
                       </a:pPr>
                       <a:r>
@@ -11270,22 +10407,12 @@
                     </a:lnB>
                   </a:tcPr>
                 </a:tc>
-                <a:extLst>
-                  <a:ext uri="{0D108BD9-81ED-4DB2-BD59-A6C34878D82A}">
-                    <a16:rowId xmlns:a16="http://schemas.microsoft.com/office/drawing/2014/main" val="2996166618"/>
-                  </a:ext>
-                </a:extLst>
               </a:tr>
             </a:tbl>
           </a:graphicData>
         </a:graphic>
       </p:graphicFrame>
     </p:spTree>
-    <p:extLst>
-      <p:ext uri="{BB962C8B-B14F-4D97-AF65-F5344CB8AC3E}">
-        <p14:creationId xmlns:p14="http://schemas.microsoft.com/office/powerpoint/2010/main" val="1799168288"/>
-      </p:ext>
-    </p:extLst>
   </p:cSld>
   <p:clrMapOvr>
     <a:masterClrMapping/>
@@ -11395,13 +10522,7 @@
       </p:grpSpPr>
       <p:sp>
         <p:nvSpPr>
-          <p:cNvPr id="2" name="Slide Number Placeholder 1">
-            <a:extLst>
-              <a:ext uri="{FF2B5EF4-FFF2-40B4-BE49-F238E27FC236}">
-                <a16:creationId xmlns:a16="http://schemas.microsoft.com/office/drawing/2014/main" id="{F6B0FF36-20A6-1F92-9B67-78428146E16A}"/>
-              </a:ext>
-            </a:extLst>
-          </p:cNvPr>
+          <p:cNvPr id="2" name="Slide Number Placeholder 1"/>
           <p:cNvSpPr>
             <a:spLocks noGrp="1"/>
           </p:cNvSpPr>
@@ -11416,7 +10537,6 @@
           <a:p>
             <a:fld id="{442C1155-F164-44A2-862A-E50421BF24BC}" type="slidenum">
               <a:rPr lang="en-US" smtClean="0"/>
-              <a:t>12</a:t>
             </a:fld>
             <a:endParaRPr lang="en-US"/>
           </a:p>
@@ -11424,13 +10544,7 @@
       </p:sp>
       <p:grpSp>
         <p:nvGrpSpPr>
-          <p:cNvPr id="19" name="Group 18">
-            <a:extLst>
-              <a:ext uri="{FF2B5EF4-FFF2-40B4-BE49-F238E27FC236}">
-                <a16:creationId xmlns:a16="http://schemas.microsoft.com/office/drawing/2014/main" id="{2FD7FF75-CEAB-E4EB-692F-1D87635ADF85}"/>
-              </a:ext>
-            </a:extLst>
-          </p:cNvPr>
+          <p:cNvPr id="19" name="Group 18"/>
           <p:cNvGrpSpPr/>
           <p:nvPr/>
         </p:nvGrpSpPr>
@@ -11444,13 +10558,7 @@
         </p:grpSpPr>
         <p:grpSp>
           <p:nvGrpSpPr>
-            <p:cNvPr id="14" name="Group 13">
-              <a:extLst>
-                <a:ext uri="{FF2B5EF4-FFF2-40B4-BE49-F238E27FC236}">
-                  <a16:creationId xmlns:a16="http://schemas.microsoft.com/office/drawing/2014/main" id="{BA2067A9-780C-B04E-BD2A-1175F2A5D21A}"/>
-                </a:ext>
-              </a:extLst>
-            </p:cNvPr>
+            <p:cNvPr id="14" name="Group 13"/>
             <p:cNvGrpSpPr/>
             <p:nvPr/>
           </p:nvGrpSpPr>
@@ -11464,20 +10572,14 @@
           </p:grpSpPr>
           <p:pic>
             <p:nvPicPr>
-              <p:cNvPr id="10" name="Picture 9">
-                <a:extLst>
-                  <a:ext uri="{FF2B5EF4-FFF2-40B4-BE49-F238E27FC236}">
-                    <a16:creationId xmlns:a16="http://schemas.microsoft.com/office/drawing/2014/main" id="{7EEB1FDC-A74B-0465-C677-11C6E5E5534E}"/>
-                  </a:ext>
-                </a:extLst>
-              </p:cNvPr>
+              <p:cNvPr id="10" name="Picture 9"/>
               <p:cNvPicPr>
                 <a:picLocks noChangeAspect="1"/>
               </p:cNvPicPr>
               <p:nvPr/>
             </p:nvPicPr>
             <p:blipFill>
-              <a:blip r:embed="rId2"/>
+              <a:blip r:embed="rId1"/>
               <a:stretch>
                 <a:fillRect/>
               </a:stretch>
@@ -11492,17 +10594,11 @@
               </a:prstGeom>
             </p:spPr>
           </p:pic>
-          <mc:AlternateContent xmlns:mc="http://schemas.openxmlformats.org/markup-compatibility/2006" xmlns:a14="http://schemas.microsoft.com/office/drawing/2010/main">
-            <mc:Choice Requires="a14">
+          <mc:AlternateContent xmlns:mc="http://schemas.openxmlformats.org/markup-compatibility/2006">
+            <mc:Choice xmlns:a14="http://schemas.microsoft.com/office/drawing/2010/main" Requires="a14">
               <p:sp>
                 <p:nvSpPr>
-                  <p:cNvPr id="13" name="TextBox 12">
-                    <a:extLst>
-                      <a:ext uri="{FF2B5EF4-FFF2-40B4-BE49-F238E27FC236}">
-                        <a16:creationId xmlns:a16="http://schemas.microsoft.com/office/drawing/2014/main" id="{DB81E77C-13E2-82F0-4D68-710797504F36}"/>
-                      </a:ext>
-                    </a:extLst>
-                  </p:cNvPr>
+                  <p:cNvPr id="13" name="TextBox 12"/>
                   <p:cNvSpPr txBox="1"/>
                   <p:nvPr/>
                 </p:nvSpPr>
@@ -11522,7 +10618,6 @@
                   </a:bodyPr>
                   <a:lstStyle/>
                   <a:p>
-                    <a:pPr/>
                     <a14:m>
                       <m:oMathPara xmlns:m="http://schemas.openxmlformats.org/officeDocument/2006/math">
                         <m:oMathParaPr>
@@ -11546,16 +10641,10 @@
                 </p:txBody>
               </p:sp>
             </mc:Choice>
-            <mc:Fallback xmlns="">
+            <mc:Fallback>
               <p:sp>
                 <p:nvSpPr>
-                  <p:cNvPr id="13" name="TextBox 12">
-                    <a:extLst>
-                      <a:ext uri="{FF2B5EF4-FFF2-40B4-BE49-F238E27FC236}">
-                        <a16:creationId xmlns:a16="http://schemas.microsoft.com/office/drawing/2014/main" id="{DB81E77C-13E2-82F0-4D68-710797504F36}"/>
-                      </a:ext>
-                    </a:extLst>
-                  </p:cNvPr>
+                  <p:cNvPr id="13" name="TextBox 12"/>
                   <p:cNvSpPr txBox="1">
                     <a:spLocks noRot="1" noChangeAspect="1" noMove="1" noResize="1" noEditPoints="1" noAdjustHandles="1" noChangeArrowheads="1" noChangeShapeType="1" noTextEdit="1"/>
                   </p:cNvSpPr>
@@ -11569,11 +10658,8 @@
                   <a:prstGeom prst="rect">
                     <a:avLst/>
                   </a:prstGeom>
-                  <a:blipFill>
-                    <a:blip r:embed="rId4"/>
-                    <a:stretch>
-                      <a:fillRect/>
-                    </a:stretch>
+                  <a:blipFill rotWithShape="1">
+                    <a:blip r:embed="rId2"/>
                   </a:blipFill>
                 </p:spPr>
                 <p:txBody>
@@ -11581,7 +10667,7 @@
                   <a:lstStyle/>
                   <a:p>
                     <a:r>
-                      <a:rPr lang="en-US">
+                      <a:rPr lang="en-US" altLang="en-US">
                         <a:noFill/>
                       </a:rPr>
                       <a:t> </a:t>
@@ -11594,20 +10680,14 @@
         </p:grpSp>
         <p:pic>
           <p:nvPicPr>
-            <p:cNvPr id="18" name="Picture 17">
-              <a:extLst>
-                <a:ext uri="{FF2B5EF4-FFF2-40B4-BE49-F238E27FC236}">
-                  <a16:creationId xmlns:a16="http://schemas.microsoft.com/office/drawing/2014/main" id="{2FAD2482-D45D-B6E3-24DA-1AF2F0BED56C}"/>
-                </a:ext>
-              </a:extLst>
-            </p:cNvPr>
+            <p:cNvPr id="18" name="Picture 17"/>
             <p:cNvPicPr>
               <a:picLocks noChangeAspect="1"/>
             </p:cNvPicPr>
             <p:nvPr/>
           </p:nvPicPr>
           <p:blipFill>
-            <a:blip r:embed="rId5"/>
+            <a:blip r:embed="rId3"/>
             <a:stretch>
               <a:fillRect/>
             </a:stretch>
@@ -11625,13 +10705,7 @@
       </p:grpSp>
       <p:grpSp>
         <p:nvGrpSpPr>
-          <p:cNvPr id="21" name="Group 20">
-            <a:extLst>
-              <a:ext uri="{FF2B5EF4-FFF2-40B4-BE49-F238E27FC236}">
-                <a16:creationId xmlns:a16="http://schemas.microsoft.com/office/drawing/2014/main" id="{997669B4-6405-D418-55E2-B47606F13D18}"/>
-              </a:ext>
-            </a:extLst>
-          </p:cNvPr>
+          <p:cNvPr id="21" name="Group 20"/>
           <p:cNvGrpSpPr/>
           <p:nvPr/>
         </p:nvGrpSpPr>
@@ -11645,20 +10719,14 @@
         </p:grpSpPr>
         <p:pic>
           <p:nvPicPr>
-            <p:cNvPr id="6" name="Picture 5">
-              <a:extLst>
-                <a:ext uri="{FF2B5EF4-FFF2-40B4-BE49-F238E27FC236}">
-                  <a16:creationId xmlns:a16="http://schemas.microsoft.com/office/drawing/2014/main" id="{9D488213-36A7-C9F1-2853-B8F5809D3ADD}"/>
-                </a:ext>
-              </a:extLst>
-            </p:cNvPr>
+            <p:cNvPr id="6" name="Picture 5"/>
             <p:cNvPicPr>
               <a:picLocks noChangeAspect="1"/>
             </p:cNvPicPr>
             <p:nvPr/>
           </p:nvPicPr>
           <p:blipFill>
-            <a:blip r:embed="rId6"/>
+            <a:blip r:embed="rId4"/>
             <a:stretch>
               <a:fillRect/>
             </a:stretch>
@@ -11675,13 +10743,7 @@
         </p:pic>
         <p:sp>
           <p:nvSpPr>
-            <p:cNvPr id="20" name="TextBox 19">
-              <a:extLst>
-                <a:ext uri="{FF2B5EF4-FFF2-40B4-BE49-F238E27FC236}">
-                  <a16:creationId xmlns:a16="http://schemas.microsoft.com/office/drawing/2014/main" id="{B657CB89-4DA9-ED6B-E199-6504C6AD784D}"/>
-                </a:ext>
-              </a:extLst>
-            </p:cNvPr>
+            <p:cNvPr id="20" name="TextBox 19"/>
             <p:cNvSpPr txBox="1"/>
             <p:nvPr/>
           </p:nvSpPr>
@@ -11708,19 +10770,17 @@
                 </a:rPr>
                 <a:t>Tính toán ma trận A và B, ta được:</a:t>
               </a:r>
+              <a:endParaRPr lang="en-US">
+                <a:latin typeface="Arial" panose="020B0604020202020204" pitchFamily="34" charset="0"/>
+                <a:cs typeface="Arial" panose="020B0604020202020204" pitchFamily="34" charset="0"/>
+              </a:endParaRPr>
             </a:p>
           </p:txBody>
         </p:sp>
       </p:grpSp>
       <p:sp>
         <p:nvSpPr>
-          <p:cNvPr id="3" name="object 7">
-            <a:extLst>
-              <a:ext uri="{FF2B5EF4-FFF2-40B4-BE49-F238E27FC236}">
-                <a16:creationId xmlns:a16="http://schemas.microsoft.com/office/drawing/2014/main" id="{A3B31B90-B1E4-AD86-D1F3-BB7DAE49359D}"/>
-              </a:ext>
-            </a:extLst>
-          </p:cNvPr>
+          <p:cNvPr id="3" name="object 7"/>
           <p:cNvSpPr/>
           <p:nvPr/>
         </p:nvSpPr>
@@ -11766,20 +10826,12 @@
         <p:txBody>
           <a:bodyPr wrap="square" lIns="0" tIns="0" rIns="0" bIns="0" rtlCol="0"/>
           <a:lstStyle/>
-          <a:p>
-            <a:endParaRPr/>
-          </a:p>
+          <a:p/>
         </p:txBody>
       </p:sp>
       <p:grpSp>
         <p:nvGrpSpPr>
-          <p:cNvPr id="16" name="Group 15">
-            <a:extLst>
-              <a:ext uri="{FF2B5EF4-FFF2-40B4-BE49-F238E27FC236}">
-                <a16:creationId xmlns:a16="http://schemas.microsoft.com/office/drawing/2014/main" id="{6BA4634B-1EF7-28A5-5513-756D3CB79020}"/>
-              </a:ext>
-            </a:extLst>
-          </p:cNvPr>
+          <p:cNvPr id="16" name="Group 15"/>
           <p:cNvGrpSpPr/>
           <p:nvPr/>
         </p:nvGrpSpPr>
@@ -11793,20 +10845,14 @@
         </p:grpSpPr>
         <p:pic>
           <p:nvPicPr>
-            <p:cNvPr id="8" name="Picture 7">
-              <a:extLst>
-                <a:ext uri="{FF2B5EF4-FFF2-40B4-BE49-F238E27FC236}">
-                  <a16:creationId xmlns:a16="http://schemas.microsoft.com/office/drawing/2014/main" id="{4BA4DCAF-2568-1350-A3CC-05AC3FE94FCB}"/>
-                </a:ext>
-              </a:extLst>
-            </p:cNvPr>
+            <p:cNvPr id="8" name="Picture 7"/>
             <p:cNvPicPr>
               <a:picLocks noChangeAspect="1"/>
             </p:cNvPicPr>
             <p:nvPr/>
           </p:nvPicPr>
           <p:blipFill>
-            <a:blip r:embed="rId7"/>
+            <a:blip r:embed="rId5"/>
             <a:stretch>
               <a:fillRect/>
             </a:stretch>
@@ -11823,13 +10869,7 @@
         </p:pic>
         <p:sp>
           <p:nvSpPr>
-            <p:cNvPr id="15" name="TextBox 14">
-              <a:extLst>
-                <a:ext uri="{FF2B5EF4-FFF2-40B4-BE49-F238E27FC236}">
-                  <a16:creationId xmlns:a16="http://schemas.microsoft.com/office/drawing/2014/main" id="{EB4C208F-1D58-D5F7-0B58-86E96E4AF50A}"/>
-                </a:ext>
-              </a:extLst>
-            </p:cNvPr>
+            <p:cNvPr id="15" name="TextBox 14"/>
             <p:cNvSpPr txBox="1"/>
             <p:nvPr/>
           </p:nvSpPr>
@@ -11856,19 +10896,17 @@
                 </a:rPr>
                 <a:t>Chọn thông số Q và R như sau: </a:t>
               </a:r>
+              <a:endParaRPr lang="en-US">
+                <a:latin typeface="Arial" panose="020B0604020202020204" pitchFamily="34" charset="0"/>
+                <a:cs typeface="Arial" panose="020B0604020202020204" pitchFamily="34" charset="0"/>
+              </a:endParaRPr>
             </a:p>
           </p:txBody>
         </p:sp>
       </p:grpSp>
       <p:sp>
         <p:nvSpPr>
-          <p:cNvPr id="5" name="object 7">
-            <a:extLst>
-              <a:ext uri="{FF2B5EF4-FFF2-40B4-BE49-F238E27FC236}">
-                <a16:creationId xmlns:a16="http://schemas.microsoft.com/office/drawing/2014/main" id="{A286CD8E-A5CD-BB4D-CB19-A3967409BB0E}"/>
-              </a:ext>
-            </a:extLst>
-          </p:cNvPr>
+          <p:cNvPr id="5" name="object 7"/>
           <p:cNvSpPr/>
           <p:nvPr/>
         </p:nvSpPr>
@@ -11914,20 +10952,12 @@
         <p:txBody>
           <a:bodyPr wrap="square" lIns="0" tIns="0" rIns="0" bIns="0" rtlCol="0"/>
           <a:lstStyle/>
-          <a:p>
-            <a:endParaRPr/>
-          </a:p>
+          <a:p/>
         </p:txBody>
       </p:sp>
       <p:sp>
         <p:nvSpPr>
-          <p:cNvPr id="11" name="object 7">
-            <a:extLst>
-              <a:ext uri="{FF2B5EF4-FFF2-40B4-BE49-F238E27FC236}">
-                <a16:creationId xmlns:a16="http://schemas.microsoft.com/office/drawing/2014/main" id="{50FF005E-A6BF-7511-D115-0B586E5A9575}"/>
-              </a:ext>
-            </a:extLst>
-          </p:cNvPr>
+          <p:cNvPr id="11" name="object 7"/>
           <p:cNvSpPr/>
           <p:nvPr/>
         </p:nvSpPr>
@@ -11973,17 +11003,10 @@
         <p:txBody>
           <a:bodyPr wrap="square" lIns="0" tIns="0" rIns="0" bIns="0" rtlCol="0"/>
           <a:lstStyle/>
-          <a:p>
-            <a:endParaRPr/>
-          </a:p>
+          <a:p/>
         </p:txBody>
       </p:sp>
     </p:spTree>
-    <p:extLst>
-      <p:ext uri="{BB962C8B-B14F-4D97-AF65-F5344CB8AC3E}">
-        <p14:creationId xmlns:p14="http://schemas.microsoft.com/office/powerpoint/2010/main" val="2843709283"/>
-      </p:ext>
-    </p:extLst>
   </p:cSld>
   <p:clrMapOvr>
     <a:masterClrMapping/>
@@ -12131,13 +11154,7 @@
       </p:grpSpPr>
       <p:sp>
         <p:nvSpPr>
-          <p:cNvPr id="2" name="Slide Number Placeholder 1">
-            <a:extLst>
-              <a:ext uri="{FF2B5EF4-FFF2-40B4-BE49-F238E27FC236}">
-                <a16:creationId xmlns:a16="http://schemas.microsoft.com/office/drawing/2014/main" id="{F6B0FF36-20A6-1F92-9B67-78428146E16A}"/>
-              </a:ext>
-            </a:extLst>
-          </p:cNvPr>
+          <p:cNvPr id="2" name="Slide Number Placeholder 1"/>
           <p:cNvSpPr>
             <a:spLocks noGrp="1"/>
           </p:cNvSpPr>
@@ -12152,51 +11169,14 @@
           <a:p>
             <a:fld id="{442C1155-F164-44A2-862A-E50421BF24BC}" type="slidenum">
               <a:rPr lang="en-US" smtClean="0"/>
-              <a:t>13</a:t>
             </a:fld>
             <a:endParaRPr lang="en-US"/>
           </a:p>
         </p:txBody>
       </p:sp>
-      <p:pic>
-        <p:nvPicPr>
-          <p:cNvPr id="3" name="Picture 2" descr="A diagram of a computer&#10;&#10;Description automatically generated">
-            <a:extLst>
-              <a:ext uri="{FF2B5EF4-FFF2-40B4-BE49-F238E27FC236}">
-                <a16:creationId xmlns:a16="http://schemas.microsoft.com/office/drawing/2014/main" id="{DCEBCF86-8EA6-2813-8B64-EAE9D14011BB}"/>
-              </a:ext>
-            </a:extLst>
-          </p:cNvPr>
-          <p:cNvPicPr>
-            <a:picLocks noChangeAspect="1"/>
-          </p:cNvPicPr>
-          <p:nvPr/>
-        </p:nvPicPr>
-        <p:blipFill>
-          <a:blip r:embed="rId2"/>
-          <a:stretch>
-            <a:fillRect/>
-          </a:stretch>
-        </p:blipFill>
-        <p:spPr>
-          <a:xfrm>
-            <a:off x="1271281" y="2457889"/>
-            <a:ext cx="4892879" cy="2439353"/>
-          </a:xfrm>
-          <a:prstGeom prst="rect">
-            <a:avLst/>
-          </a:prstGeom>
-        </p:spPr>
-      </p:pic>
       <p:sp>
         <p:nvSpPr>
-          <p:cNvPr id="5" name="TextBox 4">
-            <a:extLst>
-              <a:ext uri="{FF2B5EF4-FFF2-40B4-BE49-F238E27FC236}">
-                <a16:creationId xmlns:a16="http://schemas.microsoft.com/office/drawing/2014/main" id="{DE1D7080-B2B2-23C6-CFF7-70F62DABD5F0}"/>
-              </a:ext>
-            </a:extLst>
-          </p:cNvPr>
+          <p:cNvPr id="5" name="TextBox 4"/>
           <p:cNvSpPr txBox="1"/>
           <p:nvPr/>
         </p:nvSpPr>
@@ -12223,18 +11203,16 @@
               </a:rPr>
               <a:t>Mô phỏng Simulink:</a:t>
             </a:r>
+            <a:endParaRPr lang="en-US">
+              <a:latin typeface="Arial" panose="020B0604020202020204" pitchFamily="34" charset="0"/>
+              <a:cs typeface="Arial" panose="020B0604020202020204" pitchFamily="34" charset="0"/>
+            </a:endParaRPr>
           </a:p>
         </p:txBody>
       </p:sp>
       <p:sp>
         <p:nvSpPr>
-          <p:cNvPr id="7" name="TextBox 6">
-            <a:extLst>
-              <a:ext uri="{FF2B5EF4-FFF2-40B4-BE49-F238E27FC236}">
-                <a16:creationId xmlns:a16="http://schemas.microsoft.com/office/drawing/2014/main" id="{426EBB49-A29E-D186-9020-9AFF357DD63F}"/>
-              </a:ext>
-            </a:extLst>
-          </p:cNvPr>
+          <p:cNvPr id="7" name="TextBox 6"/>
           <p:cNvSpPr txBox="1"/>
           <p:nvPr/>
         </p:nvSpPr>
@@ -12261,25 +11239,23 @@
               </a:rPr>
               <a:t>Khối Xe_2_Banh_Tu_Can_Bang</a:t>
             </a:r>
+            <a:endParaRPr lang="en-US">
+              <a:latin typeface="Arial" panose="020B0604020202020204" pitchFamily="34" charset="0"/>
+              <a:cs typeface="Arial" panose="020B0604020202020204" pitchFamily="34" charset="0"/>
+            </a:endParaRPr>
           </a:p>
         </p:txBody>
       </p:sp>
       <p:pic>
         <p:nvPicPr>
-          <p:cNvPr id="11" name="Picture 10">
-            <a:extLst>
-              <a:ext uri="{FF2B5EF4-FFF2-40B4-BE49-F238E27FC236}">
-                <a16:creationId xmlns:a16="http://schemas.microsoft.com/office/drawing/2014/main" id="{ED0FE256-EA9A-A07F-802C-BF489D01FB93}"/>
-              </a:ext>
-            </a:extLst>
-          </p:cNvPr>
+          <p:cNvPr id="11" name="Picture 10"/>
           <p:cNvPicPr>
             <a:picLocks noChangeAspect="1"/>
           </p:cNvPicPr>
           <p:nvPr/>
         </p:nvPicPr>
         <p:blipFill>
-          <a:blip r:embed="rId3"/>
+          <a:blip r:embed="rId1"/>
           <a:stretch>
             <a:fillRect/>
           </a:stretch>
@@ -12294,17 +11270,11 @@
           </a:prstGeom>
         </p:spPr>
       </p:pic>
-      <mc:AlternateContent xmlns:mc="http://schemas.openxmlformats.org/markup-compatibility/2006" xmlns:a14="http://schemas.microsoft.com/office/drawing/2010/main">
-        <mc:Choice Requires="a14">
+      <mc:AlternateContent xmlns:mc="http://schemas.openxmlformats.org/markup-compatibility/2006">
+        <mc:Choice xmlns:a14="http://schemas.microsoft.com/office/drawing/2010/main" Requires="a14">
           <p:sp>
             <p:nvSpPr>
-              <p:cNvPr id="12" name="TextBox 11">
-                <a:extLst>
-                  <a:ext uri="{FF2B5EF4-FFF2-40B4-BE49-F238E27FC236}">
-                    <a16:creationId xmlns:a16="http://schemas.microsoft.com/office/drawing/2014/main" id="{137A4BEE-CB60-F8A7-DFDD-BECDDAD0DEDE}"/>
-                  </a:ext>
-                </a:extLst>
-              </p:cNvPr>
+              <p:cNvPr id="12" name="TextBox 11"/>
               <p:cNvSpPr txBox="1"/>
               <p:nvPr/>
             </p:nvSpPr>
@@ -12424,20 +11394,18 @@
                   </a:rPr>
                   <a:t>  </a:t>
                 </a:r>
+                <a:endParaRPr lang="en-US">
+                  <a:latin typeface="Arial" panose="020B0604020202020204" pitchFamily="34" charset="0"/>
+                  <a:cs typeface="Arial" panose="020B0604020202020204" pitchFamily="34" charset="0"/>
+                </a:endParaRPr>
               </a:p>
             </p:txBody>
           </p:sp>
         </mc:Choice>
-        <mc:Fallback xmlns="">
+        <mc:Fallback>
           <p:sp>
             <p:nvSpPr>
-              <p:cNvPr id="12" name="TextBox 11">
-                <a:extLst>
-                  <a:ext uri="{FF2B5EF4-FFF2-40B4-BE49-F238E27FC236}">
-                    <a16:creationId xmlns:a16="http://schemas.microsoft.com/office/drawing/2014/main" id="{137A4BEE-CB60-F8A7-DFDD-BECDDAD0DEDE}"/>
-                  </a:ext>
-                </a:extLst>
-              </p:cNvPr>
+              <p:cNvPr id="12" name="TextBox 11"/>
               <p:cNvSpPr txBox="1">
                 <a:spLocks noRot="1" noChangeAspect="1" noMove="1" noResize="1" noEditPoints="1" noAdjustHandles="1" noChangeArrowheads="1" noChangeShapeType="1" noTextEdit="1"/>
               </p:cNvSpPr>
@@ -12451,10 +11419,10 @@
               <a:prstGeom prst="rect">
                 <a:avLst/>
               </a:prstGeom>
-              <a:blipFill>
-                <a:blip r:embed="rId4"/>
+              <a:blipFill rotWithShape="1">
+                <a:blip r:embed="rId2"/>
                 <a:stretch>
-                  <a:fillRect l="-538" t="-3175" r="-134" b="-25397"/>
+                  <a:fillRect t="-163" r="4" b="133"/>
                 </a:stretch>
               </a:blipFill>
             </p:spPr>
@@ -12463,7 +11431,7 @@
               <a:lstStyle/>
               <a:p>
                 <a:r>
-                  <a:rPr lang="en-US">
+                  <a:rPr lang="en-US" altLang="en-US">
                     <a:noFill/>
                   </a:rPr>
                   <a:t> </a:t>
@@ -12475,13 +11443,7 @@
       </mc:AlternateContent>
       <p:sp>
         <p:nvSpPr>
-          <p:cNvPr id="6" name="object 7">
-            <a:extLst>
-              <a:ext uri="{FF2B5EF4-FFF2-40B4-BE49-F238E27FC236}">
-                <a16:creationId xmlns:a16="http://schemas.microsoft.com/office/drawing/2014/main" id="{1E40A209-8F25-6090-8838-16F8222C8B93}"/>
-              </a:ext>
-            </a:extLst>
-          </p:cNvPr>
+          <p:cNvPr id="6" name="object 7"/>
           <p:cNvSpPr/>
           <p:nvPr/>
         </p:nvSpPr>
@@ -12527,20 +11489,12 @@
         <p:txBody>
           <a:bodyPr wrap="square" lIns="0" tIns="0" rIns="0" bIns="0" rtlCol="0"/>
           <a:lstStyle/>
-          <a:p>
-            <a:endParaRPr/>
-          </a:p>
+          <a:p/>
         </p:txBody>
       </p:sp>
       <p:sp>
         <p:nvSpPr>
-          <p:cNvPr id="8" name="object 7">
-            <a:extLst>
-              <a:ext uri="{FF2B5EF4-FFF2-40B4-BE49-F238E27FC236}">
-                <a16:creationId xmlns:a16="http://schemas.microsoft.com/office/drawing/2014/main" id="{16504F63-231A-CF90-476E-812B2B04CDA7}"/>
-              </a:ext>
-            </a:extLst>
-          </p:cNvPr>
+          <p:cNvPr id="8" name="object 7"/>
           <p:cNvSpPr/>
           <p:nvPr/>
         </p:nvSpPr>
@@ -12586,17 +11540,34 @@
         <p:txBody>
           <a:bodyPr wrap="square" lIns="0" tIns="0" rIns="0" bIns="0" rtlCol="0"/>
           <a:lstStyle/>
-          <a:p>
-            <a:endParaRPr/>
-          </a:p>
+          <a:p/>
         </p:txBody>
       </p:sp>
+      <p:pic>
+        <p:nvPicPr>
+          <p:cNvPr id="44720359" name="Picture 1" descr="A diagram of a computer&#10;&#10;Description automatically generated"/>
+          <p:cNvPicPr>
+            <a:picLocks noChangeAspect="1"/>
+          </p:cNvPicPr>
+          <p:nvPr/>
+        </p:nvPicPr>
+        <p:blipFill>
+          <a:blip r:embed="rId3"/>
+          <a:stretch>
+            <a:fillRect/>
+          </a:stretch>
+        </p:blipFill>
+        <p:spPr>
+          <a:xfrm>
+            <a:off x="1336675" y="2451100"/>
+            <a:ext cx="4625340" cy="2382520"/>
+          </a:xfrm>
+          <a:prstGeom prst="rect">
+            <a:avLst/>
+          </a:prstGeom>
+        </p:spPr>
+      </p:pic>
     </p:spTree>
-    <p:extLst>
-      <p:ext uri="{BB962C8B-B14F-4D97-AF65-F5344CB8AC3E}">
-        <p14:creationId xmlns:p14="http://schemas.microsoft.com/office/powerpoint/2010/main" val="3107219612"/>
-      </p:ext>
-    </p:extLst>
   </p:cSld>
   <p:clrMapOvr>
     <a:masterClrMapping/>
@@ -12623,13 +11594,7 @@
       </p:grpSpPr>
       <p:sp>
         <p:nvSpPr>
-          <p:cNvPr id="2" name="Slide Number Placeholder 1">
-            <a:extLst>
-              <a:ext uri="{FF2B5EF4-FFF2-40B4-BE49-F238E27FC236}">
-                <a16:creationId xmlns:a16="http://schemas.microsoft.com/office/drawing/2014/main" id="{F6B0FF36-20A6-1F92-9B67-78428146E16A}"/>
-              </a:ext>
-            </a:extLst>
-          </p:cNvPr>
+          <p:cNvPr id="2" name="Slide Number Placeholder 1"/>
           <p:cNvSpPr>
             <a:spLocks noGrp="1"/>
           </p:cNvSpPr>
@@ -12637,14 +11602,18 @@
             <p:ph type="sldNum" sz="quarter" idx="12"/>
           </p:nvPr>
         </p:nvSpPr>
-        <p:spPr/>
+        <p:spPr>
+          <a:xfrm>
+            <a:off x="8610600" y="6356350"/>
+            <a:ext cx="2743200" cy="365125"/>
+          </a:xfrm>
+        </p:spPr>
         <p:txBody>
           <a:bodyPr/>
           <a:lstStyle/>
           <a:p>
             <a:fld id="{442C1155-F164-44A2-862A-E50421BF24BC}" type="slidenum">
               <a:rPr lang="en-US" smtClean="0"/>
-              <a:t>14</a:t>
             </a:fld>
             <a:endParaRPr lang="en-US"/>
           </a:p>
@@ -12652,35 +11621,23 @@
       </p:sp>
       <p:grpSp>
         <p:nvGrpSpPr>
-          <p:cNvPr id="5" name="Group 4">
-            <a:extLst>
-              <a:ext uri="{FF2B5EF4-FFF2-40B4-BE49-F238E27FC236}">
-                <a16:creationId xmlns:a16="http://schemas.microsoft.com/office/drawing/2014/main" id="{F5EE468F-996C-9D53-23FD-5ED05A55AF5C}"/>
-              </a:ext>
-            </a:extLst>
-          </p:cNvPr>
+          <p:cNvPr id="5" name="Group 4"/>
           <p:cNvGrpSpPr/>
           <p:nvPr/>
         </p:nvGrpSpPr>
         <p:grpSpPr>
           <a:xfrm>
             <a:off x="422637" y="2054265"/>
-            <a:ext cx="11346725" cy="3542779"/>
+            <a:ext cx="3841715" cy="3542779"/>
             <a:chOff x="574935" y="2014936"/>
-            <a:chExt cx="11346725" cy="3542779"/>
+            <a:chExt cx="3841715" cy="3542779"/>
           </a:xfrm>
         </p:grpSpPr>
-        <mc:AlternateContent xmlns:mc="http://schemas.openxmlformats.org/markup-compatibility/2006" xmlns:a14="http://schemas.microsoft.com/office/drawing/2010/main">
-          <mc:Choice Requires="a14">
+        <mc:AlternateContent xmlns:mc="http://schemas.openxmlformats.org/markup-compatibility/2006">
+          <mc:Choice xmlns:a14="http://schemas.microsoft.com/office/drawing/2010/main" Requires="a14">
             <p:sp>
               <p:nvSpPr>
-                <p:cNvPr id="6" name="Rectangle 5">
-                  <a:extLst>
-                    <a:ext uri="{FF2B5EF4-FFF2-40B4-BE49-F238E27FC236}">
-                      <a16:creationId xmlns:a16="http://schemas.microsoft.com/office/drawing/2014/main" id="{95123D18-0177-301B-BD54-2F0FF1AD18E3}"/>
-                    </a:ext>
-                  </a:extLst>
-                </p:cNvPr>
+                <p:cNvPr id="6" name="Rectangle 5"/>
                 <p:cNvSpPr/>
                 <p:nvPr/>
               </p:nvSpPr>
@@ -12729,7 +11686,7 @@
                   <a:endParaRPr lang="en-US" sz="1050"/>
                 </a:p>
                 <a:p>
-                  <a:pPr marL="214313" indent="-214313">
+                  <a:pPr marL="214630" indent="-214630">
                     <a:lnSpc>
                       <a:spcPct val="150000"/>
                     </a:lnSpc>
@@ -12752,7 +11709,25 @@
                         <a:rPr lang="vi-VN" sz="1050" i="1">
                           <a:latin typeface="Cambria Math" panose="02040503050406030204" pitchFamily="18" charset="0"/>
                         </a:rPr>
-                        <m:t>=0.001</m:t>
+                        <m:t>=</m:t>
+                      </m:r>
+                      <m:r>
+                        <a:rPr lang="vi-VN" sz="1050" i="1">
+                          <a:latin typeface="Cambria Math" panose="02040503050406030204" pitchFamily="18" charset="0"/>
+                        </a:rPr>
+                        <m:t>0</m:t>
+                      </m:r>
+                      <m:r>
+                        <a:rPr lang="vi-VN" sz="1050" i="1">
+                          <a:latin typeface="Cambria Math" panose="02040503050406030204" pitchFamily="18" charset="0"/>
+                        </a:rPr>
+                        <m:t>.</m:t>
+                      </m:r>
+                      <m:r>
+                        <a:rPr lang="vi-VN" sz="1050" i="1">
+                          <a:latin typeface="Cambria Math" panose="02040503050406030204" pitchFamily="18" charset="0"/>
+                        </a:rPr>
+                        <m:t>001</m:t>
                       </m:r>
                     </m:oMath>
                   </a14:m>
@@ -12763,7 +11738,7 @@
                   <a:endParaRPr lang="en-US" sz="1050"/>
                 </a:p>
                 <a:p>
-                  <a:pPr marL="214313" indent="-214313">
+                  <a:pPr marL="214630" indent="-214630">
                     <a:lnSpc>
                       <a:spcPct val="150000"/>
                     </a:lnSpc>
@@ -12810,14 +11785,26 @@
                         <a:rPr lang="vi-VN" sz="1050" i="1">
                           <a:latin typeface="Cambria Math" panose="02040503050406030204" pitchFamily="18" charset="0"/>
                         </a:rPr>
-                        <m:t>0.0012</m:t>
+                        <m:t>0</m:t>
+                      </m:r>
+                      <m:r>
+                        <a:rPr lang="vi-VN" sz="1050" i="1">
+                          <a:latin typeface="Cambria Math" panose="02040503050406030204" pitchFamily="18" charset="0"/>
+                        </a:rPr>
+                        <m:t>.</m:t>
+                      </m:r>
+                      <m:r>
+                        <a:rPr lang="vi-VN" sz="1050" i="1">
+                          <a:latin typeface="Cambria Math" panose="02040503050406030204" pitchFamily="18" charset="0"/>
+                        </a:rPr>
+                        <m:t>0012</m:t>
                       </m:r>
                     </m:oMath>
                   </a14:m>
                   <a:endParaRPr lang="en-US" sz="1050"/>
                 </a:p>
                 <a:p>
-                  <a:pPr marL="214313" indent="-214313">
+                  <a:pPr marL="214630" indent="-214630">
                     <a:lnSpc>
                       <a:spcPct val="150000"/>
                     </a:lnSpc>
@@ -12840,7 +11827,25 @@
                         <a:rPr lang="vi-VN" sz="1050" i="1">
                           <a:latin typeface="Cambria Math" panose="02040503050406030204" pitchFamily="18" charset="0"/>
                         </a:rPr>
-                        <m:t>=0.002</m:t>
+                        <m:t>=</m:t>
+                      </m:r>
+                      <m:r>
+                        <a:rPr lang="vi-VN" sz="1050" i="1">
+                          <a:latin typeface="Cambria Math" panose="02040503050406030204" pitchFamily="18" charset="0"/>
+                        </a:rPr>
+                        <m:t>0</m:t>
+                      </m:r>
+                      <m:r>
+                        <a:rPr lang="vi-VN" sz="1050" i="1">
+                          <a:latin typeface="Cambria Math" panose="02040503050406030204" pitchFamily="18" charset="0"/>
+                        </a:rPr>
+                        <m:t>.</m:t>
+                      </m:r>
+                      <m:r>
+                        <a:rPr lang="vi-VN" sz="1050" i="1">
+                          <a:latin typeface="Cambria Math" panose="02040503050406030204" pitchFamily="18" charset="0"/>
+                        </a:rPr>
+                        <m:t>002</m:t>
                       </m:r>
                     </m:oMath>
                   </a14:m>
@@ -12851,7 +11856,7 @@
                   <a:endParaRPr lang="en-US" sz="1050"/>
                 </a:p>
                 <a:p>
-                  <a:pPr marL="214313" indent="-214313">
+                  <a:pPr marL="214630" indent="-214630">
                     <a:lnSpc>
                       <a:spcPct val="150000"/>
                     </a:lnSpc>
@@ -12886,7 +11891,25 @@
                         <a:rPr lang="vi-VN" sz="1050" i="1">
                           <a:latin typeface="Cambria Math" panose="02040503050406030204" pitchFamily="18" charset="0"/>
                         </a:rPr>
-                        <m:t>=−0.002</m:t>
+                        <m:t>=−</m:t>
+                      </m:r>
+                      <m:r>
+                        <a:rPr lang="vi-VN" sz="1050" i="1">
+                          <a:latin typeface="Cambria Math" panose="02040503050406030204" pitchFamily="18" charset="0"/>
+                        </a:rPr>
+                        <m:t>0</m:t>
+                      </m:r>
+                      <m:r>
+                        <a:rPr lang="vi-VN" sz="1050" i="1">
+                          <a:latin typeface="Cambria Math" panose="02040503050406030204" pitchFamily="18" charset="0"/>
+                        </a:rPr>
+                        <m:t>.</m:t>
+                      </m:r>
+                      <m:r>
+                        <a:rPr lang="vi-VN" sz="1050" i="1">
+                          <a:latin typeface="Cambria Math" panose="02040503050406030204" pitchFamily="18" charset="0"/>
+                        </a:rPr>
+                        <m:t>002</m:t>
                       </m:r>
                     </m:oMath>
                   </a14:m>
@@ -12897,7 +11920,7 @@
                   <a:endParaRPr lang="en-US" sz="1050"/>
                 </a:p>
                 <a:p>
-                  <a:pPr marL="214313" indent="-214313">
+                  <a:pPr marL="214630" indent="-214630">
                     <a:lnSpc>
                       <a:spcPct val="150000"/>
                     </a:lnSpc>
@@ -12920,14 +11943,32 @@
                         <a:rPr lang="vi-VN" sz="1050" i="1">
                           <a:latin typeface="Cambria Math" panose="02040503050406030204" pitchFamily="18" charset="0"/>
                         </a:rPr>
-                        <m:t>=0.002</m:t>
+                        <m:t>=</m:t>
+                      </m:r>
+                      <m:r>
+                        <a:rPr lang="vi-VN" sz="1050" i="1">
+                          <a:latin typeface="Cambria Math" panose="02040503050406030204" pitchFamily="18" charset="0"/>
+                        </a:rPr>
+                        <m:t>0</m:t>
+                      </m:r>
+                      <m:r>
+                        <a:rPr lang="vi-VN" sz="1050" i="1">
+                          <a:latin typeface="Cambria Math" panose="02040503050406030204" pitchFamily="18" charset="0"/>
+                        </a:rPr>
+                        <m:t>.</m:t>
+                      </m:r>
+                      <m:r>
+                        <a:rPr lang="vi-VN" sz="1050" i="1">
+                          <a:latin typeface="Cambria Math" panose="02040503050406030204" pitchFamily="18" charset="0"/>
+                        </a:rPr>
+                        <m:t>002</m:t>
                       </m:r>
                     </m:oMath>
                   </a14:m>
                   <a:endParaRPr lang="en-US" sz="1050"/>
                 </a:p>
                 <a:p>
-                  <a:pPr marL="214313" indent="-214313">
+                  <a:pPr marL="214630" indent="-214630">
                     <a:lnSpc>
                       <a:spcPct val="150000"/>
                     </a:lnSpc>
@@ -12974,7 +12015,19 @@
                         <a:rPr lang="vi-VN" sz="1050" i="1">
                           <a:latin typeface="Cambria Math" panose="02040503050406030204" pitchFamily="18" charset="0"/>
                         </a:rPr>
-                        <m:t>0.0014</m:t>
+                        <m:t>0</m:t>
+                      </m:r>
+                      <m:r>
+                        <a:rPr lang="vi-VN" sz="1050" i="1">
+                          <a:latin typeface="Cambria Math" panose="02040503050406030204" pitchFamily="18" charset="0"/>
+                        </a:rPr>
+                        <m:t>.</m:t>
+                      </m:r>
+                      <m:r>
+                        <a:rPr lang="vi-VN" sz="1050" i="1">
+                          <a:latin typeface="Cambria Math" panose="02040503050406030204" pitchFamily="18" charset="0"/>
+                        </a:rPr>
+                        <m:t>0014</m:t>
                       </m:r>
                     </m:oMath>
                   </a14:m>
@@ -12987,16 +12040,10 @@
               </p:txBody>
             </p:sp>
           </mc:Choice>
-          <mc:Fallback xmlns="">
+          <mc:Fallback>
             <p:sp>
               <p:nvSpPr>
-                <p:cNvPr id="6" name="Rectangle 5">
-                  <a:extLst>
-                    <a:ext uri="{FF2B5EF4-FFF2-40B4-BE49-F238E27FC236}">
-                      <a16:creationId xmlns:a16="http://schemas.microsoft.com/office/drawing/2014/main" id="{95123D18-0177-301B-BD54-2F0FF1AD18E3}"/>
-                    </a:ext>
-                  </a:extLst>
-                </p:cNvPr>
+                <p:cNvPr id="6" name="Rectangle 5"/>
                 <p:cNvSpPr>
                   <a:spLocks noRot="1" noChangeAspect="1" noMove="1" noResize="1" noEditPoints="1" noAdjustHandles="1" noChangeArrowheads="1" noChangeShapeType="1" noTextEdit="1"/>
                 </p:cNvSpPr>
@@ -13010,20 +12057,31 @@
                 <a:prstGeom prst="rect">
                   <a:avLst/>
                 </a:prstGeom>
-                <a:blipFill>
-                  <a:blip r:embed="rId2"/>
-                  <a:stretch>
-                    <a:fillRect/>
-                  </a:stretch>
+                <a:blipFill rotWithShape="1">
+                  <a:blip r:embed="rId1"/>
                 </a:blipFill>
                 <a:ln w="28575"/>
               </p:spPr>
+              <p:style>
+                <a:lnRef idx="2">
+                  <a:schemeClr val="accent1"/>
+                </a:lnRef>
+                <a:fillRef idx="1">
+                  <a:schemeClr val="lt1"/>
+                </a:fillRef>
+                <a:effectRef idx="0">
+                  <a:schemeClr val="accent1"/>
+                </a:effectRef>
+                <a:fontRef idx="minor">
+                  <a:schemeClr val="dk1"/>
+                </a:fontRef>
+              </p:style>
               <p:txBody>
                 <a:bodyPr/>
                 <a:lstStyle/>
                 <a:p>
                   <a:r>
-                    <a:rPr lang="en-US">
+                    <a:rPr lang="en-US" altLang="en-US">
                       <a:noFill/>
                     </a:rPr>
                     <a:t> </a:t>
@@ -13033,45 +12091,9 @@
             </p:sp>
           </mc:Fallback>
         </mc:AlternateContent>
-        <p:pic>
-          <p:nvPicPr>
-            <p:cNvPr id="8" name="Picture 7" descr="A graph with lines and numbers&#10;&#10;Description automatically generated">
-              <a:extLst>
-                <a:ext uri="{FF2B5EF4-FFF2-40B4-BE49-F238E27FC236}">
-                  <a16:creationId xmlns:a16="http://schemas.microsoft.com/office/drawing/2014/main" id="{B1C3FB9C-E993-8532-C6D8-4E61D98A2BF7}"/>
-                </a:ext>
-              </a:extLst>
-            </p:cNvPr>
-            <p:cNvPicPr>
-              <a:picLocks noChangeAspect="1"/>
-            </p:cNvPicPr>
-            <p:nvPr/>
-          </p:nvPicPr>
-          <p:blipFill>
-            <a:blip r:embed="rId3"/>
-            <a:stretch>
-              <a:fillRect/>
-            </a:stretch>
-          </p:blipFill>
-          <p:spPr>
-            <a:xfrm>
-              <a:off x="4508330" y="2014936"/>
-              <a:ext cx="7413330" cy="3493453"/>
-            </a:xfrm>
-            <a:prstGeom prst="rect">
-              <a:avLst/>
-            </a:prstGeom>
-          </p:spPr>
-        </p:pic>
         <p:sp>
           <p:nvSpPr>
-            <p:cNvPr id="3" name="TextBox 2">
-              <a:extLst>
-                <a:ext uri="{FF2B5EF4-FFF2-40B4-BE49-F238E27FC236}">
-                  <a16:creationId xmlns:a16="http://schemas.microsoft.com/office/drawing/2014/main" id="{608C8F48-3B00-0C8B-8137-DCFCE1A43C99}"/>
-                </a:ext>
-              </a:extLst>
-            </p:cNvPr>
+            <p:cNvPr id="3" name="TextBox 2"/>
             <p:cNvSpPr txBox="1"/>
             <p:nvPr/>
           </p:nvSpPr>
@@ -13115,12 +12137,31 @@
           </p:txBody>
         </p:sp>
       </p:grpSp>
+      <p:pic>
+        <p:nvPicPr>
+          <p:cNvPr id="1267452277" name="Picture 1" descr="A graph with lines and a red line&#10;&#10;Description automatically generated"/>
+          <p:cNvPicPr>
+            <a:picLocks noChangeAspect="1"/>
+          </p:cNvPicPr>
+          <p:nvPr/>
+        </p:nvPicPr>
+        <p:blipFill>
+          <a:blip r:embed="rId2"/>
+          <a:stretch>
+            <a:fillRect/>
+          </a:stretch>
+        </p:blipFill>
+        <p:spPr>
+          <a:xfrm>
+            <a:off x="4500245" y="1993265"/>
+            <a:ext cx="7517130" cy="3542665"/>
+          </a:xfrm>
+          <a:prstGeom prst="rect">
+            <a:avLst/>
+          </a:prstGeom>
+        </p:spPr>
+      </p:pic>
     </p:spTree>
-    <p:extLst>
-      <p:ext uri="{BB962C8B-B14F-4D97-AF65-F5344CB8AC3E}">
-        <p14:creationId xmlns:p14="http://schemas.microsoft.com/office/powerpoint/2010/main" val="773554501"/>
-      </p:ext>
-    </p:extLst>
   </p:cSld>
   <p:clrMapOvr>
     <a:masterClrMapping/>
@@ -13147,13 +12188,7 @@
       </p:grpSpPr>
       <p:sp>
         <p:nvSpPr>
-          <p:cNvPr id="2" name="Slide Number Placeholder 1">
-            <a:extLst>
-              <a:ext uri="{FF2B5EF4-FFF2-40B4-BE49-F238E27FC236}">
-                <a16:creationId xmlns:a16="http://schemas.microsoft.com/office/drawing/2014/main" id="{E335F0FC-7EA6-9D9A-F52C-0D92D2CDFF12}"/>
-              </a:ext>
-            </a:extLst>
-          </p:cNvPr>
+          <p:cNvPr id="2" name="Slide Number Placeholder 1"/>
           <p:cNvSpPr>
             <a:spLocks noGrp="1"/>
           </p:cNvSpPr>
@@ -13168,18 +12203,12 @@
           <a:p>
             <a:fld id="{442C1155-F164-44A2-862A-E50421BF24BC}" type="slidenum">
               <a:rPr lang="en-US" smtClean="0"/>
-              <a:t>15</a:t>
             </a:fld>
             <a:endParaRPr lang="en-US"/>
           </a:p>
         </p:txBody>
       </p:sp>
     </p:spTree>
-    <p:extLst>
-      <p:ext uri="{BB962C8B-B14F-4D97-AF65-F5344CB8AC3E}">
-        <p14:creationId xmlns:p14="http://schemas.microsoft.com/office/powerpoint/2010/main" val="2473233839"/>
-      </p:ext>
-    </p:extLst>
   </p:cSld>
   <p:clrMapOvr>
     <a:masterClrMapping/>
@@ -13206,13 +12235,7 @@
       </p:grpSpPr>
       <p:sp>
         <p:nvSpPr>
-          <p:cNvPr id="2" name="Slide Number Placeholder 1">
-            <a:extLst>
-              <a:ext uri="{FF2B5EF4-FFF2-40B4-BE49-F238E27FC236}">
-                <a16:creationId xmlns:a16="http://schemas.microsoft.com/office/drawing/2014/main" id="{7BE8B4EF-3194-2958-D3D6-A5D3F6D72ACF}"/>
-              </a:ext>
-            </a:extLst>
-          </p:cNvPr>
+          <p:cNvPr id="2" name="Slide Number Placeholder 1"/>
           <p:cNvSpPr>
             <a:spLocks noGrp="1"/>
           </p:cNvSpPr>
@@ -13227,7 +12250,6 @@
           <a:p>
             <a:fld id="{442C1155-F164-44A2-862A-E50421BF24BC}" type="slidenum">
               <a:rPr lang="en-US" smtClean="0"/>
-              <a:t>16</a:t>
             </a:fld>
             <a:endParaRPr lang="en-US"/>
           </a:p>
@@ -13235,13 +12257,7 @@
       </p:sp>
       <p:sp>
         <p:nvSpPr>
-          <p:cNvPr id="3" name="TextBox 2">
-            <a:extLst>
-              <a:ext uri="{FF2B5EF4-FFF2-40B4-BE49-F238E27FC236}">
-                <a16:creationId xmlns:a16="http://schemas.microsoft.com/office/drawing/2014/main" id="{86AF1E95-A700-8FC0-FBB8-6B032684DB97}"/>
-              </a:ext>
-            </a:extLst>
-          </p:cNvPr>
+          <p:cNvPr id="3" name="TextBox 2"/>
           <p:cNvSpPr txBox="1"/>
           <p:nvPr/>
         </p:nvSpPr>
@@ -13268,18 +12284,16 @@
               </a:rPr>
               <a:t>Kết quả đạt được</a:t>
             </a:r>
+            <a:endParaRPr lang="en-US" sz="2800" b="1">
+              <a:latin typeface="Arial" panose="020B0604020202020204" pitchFamily="34" charset="0"/>
+              <a:cs typeface="Arial" panose="020B0604020202020204" pitchFamily="34" charset="0"/>
+            </a:endParaRPr>
           </a:p>
         </p:txBody>
       </p:sp>
       <p:sp>
         <p:nvSpPr>
-          <p:cNvPr id="5" name="TextBox 4">
-            <a:extLst>
-              <a:ext uri="{FF2B5EF4-FFF2-40B4-BE49-F238E27FC236}">
-                <a16:creationId xmlns:a16="http://schemas.microsoft.com/office/drawing/2014/main" id="{B4DD45A6-5474-48FC-1F92-83F319F0366E}"/>
-              </a:ext>
-            </a:extLst>
-          </p:cNvPr>
+          <p:cNvPr id="5" name="TextBox 4"/>
           <p:cNvSpPr txBox="1"/>
           <p:nvPr/>
         </p:nvSpPr>
@@ -13394,11 +12408,6 @@
         </p:txBody>
       </p:sp>
     </p:spTree>
-    <p:extLst>
-      <p:ext uri="{BB962C8B-B14F-4D97-AF65-F5344CB8AC3E}">
-        <p14:creationId xmlns:p14="http://schemas.microsoft.com/office/powerpoint/2010/main" val="3416940844"/>
-      </p:ext>
-    </p:extLst>
   </p:cSld>
   <p:clrMapOvr>
     <a:masterClrMapping/>
@@ -13425,13 +12434,7 @@
       </p:grpSpPr>
       <p:sp>
         <p:nvSpPr>
-          <p:cNvPr id="2" name="Slide Number Placeholder 1">
-            <a:extLst>
-              <a:ext uri="{FF2B5EF4-FFF2-40B4-BE49-F238E27FC236}">
-                <a16:creationId xmlns:a16="http://schemas.microsoft.com/office/drawing/2014/main" id="{7BE8B4EF-3194-2958-D3D6-A5D3F6D72ACF}"/>
-              </a:ext>
-            </a:extLst>
-          </p:cNvPr>
+          <p:cNvPr id="2" name="Slide Number Placeholder 1"/>
           <p:cNvSpPr>
             <a:spLocks noGrp="1"/>
           </p:cNvSpPr>
@@ -13446,7 +12449,6 @@
           <a:p>
             <a:fld id="{442C1155-F164-44A2-862A-E50421BF24BC}" type="slidenum">
               <a:rPr lang="en-US" smtClean="0"/>
-              <a:t>17</a:t>
             </a:fld>
             <a:endParaRPr lang="en-US"/>
           </a:p>
@@ -13454,13 +12456,7 @@
       </p:sp>
       <p:sp>
         <p:nvSpPr>
-          <p:cNvPr id="3" name="TextBox 2">
-            <a:extLst>
-              <a:ext uri="{FF2B5EF4-FFF2-40B4-BE49-F238E27FC236}">
-                <a16:creationId xmlns:a16="http://schemas.microsoft.com/office/drawing/2014/main" id="{86AF1E95-A700-8FC0-FBB8-6B032684DB97}"/>
-              </a:ext>
-            </a:extLst>
-          </p:cNvPr>
+          <p:cNvPr id="3" name="TextBox 2"/>
           <p:cNvSpPr txBox="1"/>
           <p:nvPr/>
         </p:nvSpPr>
@@ -13487,18 +12483,16 @@
               </a:rPr>
               <a:t>Hạn chế</a:t>
             </a:r>
+            <a:endParaRPr lang="en-US" sz="2800" b="1">
+              <a:latin typeface="Arial" panose="020B0604020202020204" pitchFamily="34" charset="0"/>
+              <a:cs typeface="Arial" panose="020B0604020202020204" pitchFamily="34" charset="0"/>
+            </a:endParaRPr>
           </a:p>
         </p:txBody>
       </p:sp>
       <p:sp>
         <p:nvSpPr>
-          <p:cNvPr id="6" name="TextBox 5">
-            <a:extLst>
-              <a:ext uri="{FF2B5EF4-FFF2-40B4-BE49-F238E27FC236}">
-                <a16:creationId xmlns:a16="http://schemas.microsoft.com/office/drawing/2014/main" id="{9BE50C19-2FE8-7CC4-09CF-5125706AC0BE}"/>
-              </a:ext>
-            </a:extLst>
-          </p:cNvPr>
+          <p:cNvPr id="6" name="TextBox 5"/>
           <p:cNvSpPr txBox="1"/>
           <p:nvPr/>
         </p:nvSpPr>
@@ -13620,11 +12614,6 @@
         </p:txBody>
       </p:sp>
     </p:spTree>
-    <p:extLst>
-      <p:ext uri="{BB962C8B-B14F-4D97-AF65-F5344CB8AC3E}">
-        <p14:creationId xmlns:p14="http://schemas.microsoft.com/office/powerpoint/2010/main" val="4187424050"/>
-      </p:ext>
-    </p:extLst>
   </p:cSld>
   <p:clrMapOvr>
     <a:masterClrMapping/>
@@ -13651,13 +12640,7 @@
       </p:grpSpPr>
       <p:sp>
         <p:nvSpPr>
-          <p:cNvPr id="2" name="Slide Number Placeholder 1">
-            <a:extLst>
-              <a:ext uri="{FF2B5EF4-FFF2-40B4-BE49-F238E27FC236}">
-                <a16:creationId xmlns:a16="http://schemas.microsoft.com/office/drawing/2014/main" id="{7BE8B4EF-3194-2958-D3D6-A5D3F6D72ACF}"/>
-              </a:ext>
-            </a:extLst>
-          </p:cNvPr>
+          <p:cNvPr id="2" name="Slide Number Placeholder 1"/>
           <p:cNvSpPr>
             <a:spLocks noGrp="1"/>
           </p:cNvSpPr>
@@ -13672,7 +12655,6 @@
           <a:p>
             <a:fld id="{442C1155-F164-44A2-862A-E50421BF24BC}" type="slidenum">
               <a:rPr lang="en-US" smtClean="0"/>
-              <a:t>18</a:t>
             </a:fld>
             <a:endParaRPr lang="en-US"/>
           </a:p>
@@ -13680,13 +12662,7 @@
       </p:sp>
       <p:sp>
         <p:nvSpPr>
-          <p:cNvPr id="3" name="TextBox 2">
-            <a:extLst>
-              <a:ext uri="{FF2B5EF4-FFF2-40B4-BE49-F238E27FC236}">
-                <a16:creationId xmlns:a16="http://schemas.microsoft.com/office/drawing/2014/main" id="{86AF1E95-A700-8FC0-FBB8-6B032684DB97}"/>
-              </a:ext>
-            </a:extLst>
-          </p:cNvPr>
+          <p:cNvPr id="3" name="TextBox 2"/>
           <p:cNvSpPr txBox="1"/>
           <p:nvPr/>
         </p:nvSpPr>
@@ -13713,18 +12689,16 @@
               </a:rPr>
               <a:t>Hướng phát triển</a:t>
             </a:r>
+            <a:endParaRPr lang="en-US" sz="2800" b="1">
+              <a:latin typeface="Arial" panose="020B0604020202020204" pitchFamily="34" charset="0"/>
+              <a:cs typeface="Arial" panose="020B0604020202020204" pitchFamily="34" charset="0"/>
+            </a:endParaRPr>
           </a:p>
         </p:txBody>
       </p:sp>
       <p:sp>
         <p:nvSpPr>
-          <p:cNvPr id="5" name="TextBox 4">
-            <a:extLst>
-              <a:ext uri="{FF2B5EF4-FFF2-40B4-BE49-F238E27FC236}">
-                <a16:creationId xmlns:a16="http://schemas.microsoft.com/office/drawing/2014/main" id="{ABA3AD48-7450-8635-A0F2-00F14B935C16}"/>
-              </a:ext>
-            </a:extLst>
-          </p:cNvPr>
+          <p:cNvPr id="5" name="TextBox 4"/>
           <p:cNvSpPr txBox="1"/>
           <p:nvPr/>
         </p:nvSpPr>
@@ -13821,11 +12795,6 @@
         </p:txBody>
       </p:sp>
     </p:spTree>
-    <p:extLst>
-      <p:ext uri="{BB962C8B-B14F-4D97-AF65-F5344CB8AC3E}">
-        <p14:creationId xmlns:p14="http://schemas.microsoft.com/office/powerpoint/2010/main" val="1569149053"/>
-      </p:ext>
-    </p:extLst>
   </p:cSld>
   <p:clrMapOvr>
     <a:masterClrMapping/>
@@ -13852,13 +12821,7 @@
       </p:grpSpPr>
       <p:sp>
         <p:nvSpPr>
-          <p:cNvPr id="2" name="Slide Number Placeholder 1">
-            <a:extLst>
-              <a:ext uri="{FF2B5EF4-FFF2-40B4-BE49-F238E27FC236}">
-                <a16:creationId xmlns:a16="http://schemas.microsoft.com/office/drawing/2014/main" id="{F1B70678-89CA-1FB6-D32B-011F53EEF528}"/>
-              </a:ext>
-            </a:extLst>
-          </p:cNvPr>
+          <p:cNvPr id="2" name="Slide Number Placeholder 1"/>
           <p:cNvSpPr>
             <a:spLocks noGrp="1"/>
           </p:cNvSpPr>
@@ -13873,7 +12836,6 @@
           <a:p>
             <a:fld id="{442C1155-F164-44A2-862A-E50421BF24BC}" type="slidenum">
               <a:rPr lang="en-US" smtClean="0"/>
-              <a:t>19</a:t>
             </a:fld>
             <a:endParaRPr lang="en-US"/>
           </a:p>
@@ -13881,13 +12843,7 @@
       </p:sp>
       <p:sp>
         <p:nvSpPr>
-          <p:cNvPr id="4" name="Oval 3">
-            <a:extLst>
-              <a:ext uri="{FF2B5EF4-FFF2-40B4-BE49-F238E27FC236}">
-                <a16:creationId xmlns:a16="http://schemas.microsoft.com/office/drawing/2014/main" id="{1E6BE717-6892-7733-CA2C-1811279C8D10}"/>
-              </a:ext>
-            </a:extLst>
-          </p:cNvPr>
+          <p:cNvPr id="4" name="Oval 3"/>
           <p:cNvSpPr/>
           <p:nvPr/>
         </p:nvSpPr>
@@ -13925,13 +12881,7 @@
       </p:sp>
       <p:cxnSp>
         <p:nvCxnSpPr>
-          <p:cNvPr id="6" name="Straight Connector 5">
-            <a:extLst>
-              <a:ext uri="{FF2B5EF4-FFF2-40B4-BE49-F238E27FC236}">
-                <a16:creationId xmlns:a16="http://schemas.microsoft.com/office/drawing/2014/main" id="{A19B3E8E-80C3-0619-9901-CD26EACE1500}"/>
-              </a:ext>
-            </a:extLst>
-          </p:cNvPr>
+          <p:cNvPr id="6" name="Straight Connector 5"/>
           <p:cNvCxnSpPr/>
           <p:nvPr/>
         </p:nvCxnSpPr>
@@ -13961,13 +12911,7 @@
       </p:cxnSp>
       <p:cxnSp>
         <p:nvCxnSpPr>
-          <p:cNvPr id="7" name="Straight Connector 6">
-            <a:extLst>
-              <a:ext uri="{FF2B5EF4-FFF2-40B4-BE49-F238E27FC236}">
-                <a16:creationId xmlns:a16="http://schemas.microsoft.com/office/drawing/2014/main" id="{6E3018AF-A0BE-640F-AEC8-535F48D9A411}"/>
-              </a:ext>
-            </a:extLst>
-          </p:cNvPr>
+          <p:cNvPr id="7" name="Straight Connector 6"/>
           <p:cNvCxnSpPr/>
           <p:nvPr/>
         </p:nvCxnSpPr>
@@ -13997,13 +12941,7 @@
       </p:cxnSp>
       <p:sp>
         <p:nvSpPr>
-          <p:cNvPr id="8" name="TextBox 7">
-            <a:extLst>
-              <a:ext uri="{FF2B5EF4-FFF2-40B4-BE49-F238E27FC236}">
-                <a16:creationId xmlns:a16="http://schemas.microsoft.com/office/drawing/2014/main" id="{59B7A07D-D886-F038-8B9B-A089D2C70662}"/>
-              </a:ext>
-            </a:extLst>
-          </p:cNvPr>
+          <p:cNvPr id="8" name="TextBox 7"/>
           <p:cNvSpPr txBox="1"/>
           <p:nvPr/>
         </p:nvSpPr>
@@ -14030,15 +12968,14 @@
               </a:rPr>
               <a:t>THANKS FOR WATCHING</a:t>
             </a:r>
+            <a:endParaRPr lang="en-US" sz="3600" b="1">
+              <a:latin typeface="Arial" panose="020B0604020202020204" pitchFamily="34" charset="0"/>
+              <a:cs typeface="Arial" panose="020B0604020202020204" pitchFamily="34" charset="0"/>
+            </a:endParaRPr>
           </a:p>
         </p:txBody>
       </p:sp>
     </p:spTree>
-    <p:extLst>
-      <p:ext uri="{BB962C8B-B14F-4D97-AF65-F5344CB8AC3E}">
-        <p14:creationId xmlns:p14="http://schemas.microsoft.com/office/powerpoint/2010/main" val="2540194716"/>
-      </p:ext>
-    </p:extLst>
   </p:cSld>
   <p:clrMapOvr>
     <a:masterClrMapping/>
@@ -14065,13 +13002,7 @@
       </p:grpSpPr>
       <p:sp>
         <p:nvSpPr>
-          <p:cNvPr id="2" name="Slide Number Placeholder 1">
-            <a:extLst>
-              <a:ext uri="{FF2B5EF4-FFF2-40B4-BE49-F238E27FC236}">
-                <a16:creationId xmlns:a16="http://schemas.microsoft.com/office/drawing/2014/main" id="{B3E2F33D-A40C-24F2-7874-1C0C4846144F}"/>
-              </a:ext>
-            </a:extLst>
-          </p:cNvPr>
+          <p:cNvPr id="2" name="Slide Number Placeholder 1"/>
           <p:cNvSpPr>
             <a:spLocks noGrp="1"/>
           </p:cNvSpPr>
@@ -14086,7 +13017,6 @@
           <a:p>
             <a:fld id="{442C1155-F164-44A2-862A-E50421BF24BC}" type="slidenum">
               <a:rPr lang="en-US" smtClean="0"/>
-              <a:t>2</a:t>
             </a:fld>
             <a:endParaRPr lang="en-US"/>
           </a:p>
@@ -14094,13 +13024,7 @@
       </p:sp>
       <p:sp>
         <p:nvSpPr>
-          <p:cNvPr id="5" name="TextBox 4">
-            <a:extLst>
-              <a:ext uri="{FF2B5EF4-FFF2-40B4-BE49-F238E27FC236}">
-                <a16:creationId xmlns:a16="http://schemas.microsoft.com/office/drawing/2014/main" id="{16E33FF6-D3B4-F7AB-A8B6-F2F5ACECA725}"/>
-              </a:ext>
-            </a:extLst>
-          </p:cNvPr>
+          <p:cNvPr id="5" name="TextBox 4"/>
           <p:cNvSpPr txBox="1"/>
           <p:nvPr/>
         </p:nvSpPr>
@@ -14133,6 +13057,10 @@
               </a:rPr>
               <a:t>Cơ sở lý thuyết</a:t>
             </a:r>
+            <a:endParaRPr lang="en-US" sz="3000">
+              <a:latin typeface="Arial" panose="020B0604020202020204" pitchFamily="34" charset="0"/>
+              <a:cs typeface="Arial" panose="020B0604020202020204" pitchFamily="34" charset="0"/>
+            </a:endParaRPr>
           </a:p>
           <a:p>
             <a:pPr marL="342900" indent="-342900">
@@ -14148,6 +13076,10 @@
               </a:rPr>
               <a:t>Mô phỏng Matlab</a:t>
             </a:r>
+            <a:endParaRPr lang="en-US" sz="3000">
+              <a:latin typeface="Arial" panose="020B0604020202020204" pitchFamily="34" charset="0"/>
+              <a:cs typeface="Arial" panose="020B0604020202020204" pitchFamily="34" charset="0"/>
+            </a:endParaRPr>
           </a:p>
           <a:p>
             <a:pPr marL="342900" indent="-342900">
@@ -14163,6 +13095,10 @@
               </a:rPr>
               <a:t>Mô hình thực tế</a:t>
             </a:r>
+            <a:endParaRPr lang="en-US" sz="3000">
+              <a:latin typeface="Arial" panose="020B0604020202020204" pitchFamily="34" charset="0"/>
+              <a:cs typeface="Arial" panose="020B0604020202020204" pitchFamily="34" charset="0"/>
+            </a:endParaRPr>
           </a:p>
           <a:p>
             <a:pPr marL="342900" indent="-342900">
@@ -14178,18 +13114,16 @@
               </a:rPr>
               <a:t>Kết luận</a:t>
             </a:r>
+            <a:endParaRPr lang="en-US" sz="3000">
+              <a:latin typeface="Arial" panose="020B0604020202020204" pitchFamily="34" charset="0"/>
+              <a:cs typeface="Arial" panose="020B0604020202020204" pitchFamily="34" charset="0"/>
+            </a:endParaRPr>
           </a:p>
         </p:txBody>
       </p:sp>
       <p:sp>
         <p:nvSpPr>
-          <p:cNvPr id="6" name="TextBox 5">
-            <a:extLst>
-              <a:ext uri="{FF2B5EF4-FFF2-40B4-BE49-F238E27FC236}">
-                <a16:creationId xmlns:a16="http://schemas.microsoft.com/office/drawing/2014/main" id="{A0A59B21-4AD9-F442-AD65-D91062E1EF7C}"/>
-              </a:ext>
-            </a:extLst>
-          </p:cNvPr>
+          <p:cNvPr id="6" name="TextBox 5"/>
           <p:cNvSpPr txBox="1"/>
           <p:nvPr/>
         </p:nvSpPr>
@@ -14270,13 +13204,7 @@
       </p:sp>
       <p:sp>
         <p:nvSpPr>
-          <p:cNvPr id="8" name="object 7">
-            <a:extLst>
-              <a:ext uri="{FF2B5EF4-FFF2-40B4-BE49-F238E27FC236}">
-                <a16:creationId xmlns:a16="http://schemas.microsoft.com/office/drawing/2014/main" id="{1422169B-054A-A2BA-A42C-4A77EF0BEA78}"/>
-              </a:ext>
-            </a:extLst>
-          </p:cNvPr>
+          <p:cNvPr id="8" name="object 7"/>
           <p:cNvSpPr/>
           <p:nvPr/>
         </p:nvSpPr>
@@ -14322,17 +13250,10 @@
         <p:txBody>
           <a:bodyPr wrap="square" lIns="0" tIns="0" rIns="0" bIns="0" rtlCol="0"/>
           <a:lstStyle/>
-          <a:p>
-            <a:endParaRPr/>
-          </a:p>
+          <a:p/>
         </p:txBody>
       </p:sp>
     </p:spTree>
-    <p:extLst>
-      <p:ext uri="{BB962C8B-B14F-4D97-AF65-F5344CB8AC3E}">
-        <p14:creationId xmlns:p14="http://schemas.microsoft.com/office/powerpoint/2010/main" val="2932078208"/>
-      </p:ext>
-    </p:extLst>
   </p:cSld>
   <p:clrMapOvr>
     <a:masterClrMapping/>
@@ -14359,20 +13280,14 @@
       </p:grpSpPr>
       <p:pic>
         <p:nvPicPr>
-          <p:cNvPr id="3" name="Picture 2" descr="A diagram of a wheel with wheels and arrows&#10;&#10;Description automatically generated with medium confidence">
-            <a:extLst>
-              <a:ext uri="{FF2B5EF4-FFF2-40B4-BE49-F238E27FC236}">
-                <a16:creationId xmlns:a16="http://schemas.microsoft.com/office/drawing/2014/main" id="{A5AB01BE-A426-A379-C2B2-55F8E072D409}"/>
-              </a:ext>
-            </a:extLst>
-          </p:cNvPr>
+          <p:cNvPr id="3" name="Picture 2" descr="A diagram of a wheel with wheels and arrows&#10;&#10;Description automatically generated with medium confidence"/>
           <p:cNvPicPr>
             <a:picLocks noChangeAspect="1"/>
           </p:cNvPicPr>
           <p:nvPr/>
         </p:nvPicPr>
         <p:blipFill>
-          <a:blip r:embed="rId2"/>
+          <a:blip r:embed="rId1"/>
           <a:stretch>
             <a:fillRect/>
           </a:stretch>
@@ -14389,13 +13304,7 @@
       </p:pic>
       <p:sp>
         <p:nvSpPr>
-          <p:cNvPr id="2" name="TextBox 1">
-            <a:extLst>
-              <a:ext uri="{FF2B5EF4-FFF2-40B4-BE49-F238E27FC236}">
-                <a16:creationId xmlns:a16="http://schemas.microsoft.com/office/drawing/2014/main" id="{8F54E0BE-D6AD-E11C-DB55-F999179E818F}"/>
-              </a:ext>
-            </a:extLst>
-          </p:cNvPr>
+          <p:cNvPr id="2" name="TextBox 1"/>
           <p:cNvSpPr txBox="1"/>
           <p:nvPr/>
         </p:nvSpPr>
@@ -14422,6 +13331,10 @@
               </a:rPr>
               <a:t>Mô hình toán học</a:t>
             </a:r>
+            <a:endParaRPr lang="en-US" sz="2800" b="1">
+              <a:latin typeface="Arial" panose="020B0604020202020204" pitchFamily="34" charset="0"/>
+              <a:cs typeface="Arial" panose="020B0604020202020204" pitchFamily="34" charset="0"/>
+            </a:endParaRPr>
           </a:p>
         </p:txBody>
       </p:sp>
@@ -14429,23 +13342,11 @@
         <mc:Choice Requires="a14">
           <p:graphicFrame>
             <p:nvGraphicFramePr>
-              <p:cNvPr id="4" name="Table 3">
-                <a:extLst>
-                  <a:ext uri="{FF2B5EF4-FFF2-40B4-BE49-F238E27FC236}">
-                    <a16:creationId xmlns:a16="http://schemas.microsoft.com/office/drawing/2014/main" id="{357A826D-B1BE-C060-858F-50D1F3FF1C21}"/>
-                  </a:ext>
-                </a:extLst>
-              </p:cNvPr>
+              <p:cNvPr id="4" name="Table 3"/>
               <p:cNvGraphicFramePr>
                 <a:graphicFrameLocks noGrp="1"/>
               </p:cNvGraphicFramePr>
-              <p:nvPr>
-                <p:extLst>
-                  <p:ext uri="{D42A27DB-BD31-4B8C-83A1-F6EECF244321}">
-                    <p14:modId xmlns:p14="http://schemas.microsoft.com/office/powerpoint/2010/main" val="2966811249"/>
-                  </p:ext>
-                </p:extLst>
-              </p:nvPr>
+              <p:nvPr/>
             </p:nvGraphicFramePr>
             <p:xfrm>
               <a:off x="6096164" y="1790110"/>
@@ -14458,20 +13359,8 @@
                     <a:tableStyleId>{5C22544A-7EE6-4342-B048-85BDC9FD1C3A}</a:tableStyleId>
                   </a:tblPr>
                   <a:tblGrid>
-                    <a:gridCol w="1884716">
-                      <a:extLst>
-                        <a:ext uri="{9D8B030D-6E8A-4147-A177-3AD203B41FA5}">
-                          <a16:colId xmlns:a16="http://schemas.microsoft.com/office/drawing/2014/main" val="20000"/>
-                        </a:ext>
-                      </a:extLst>
-                    </a:gridCol>
-                    <a:gridCol w="3281663">
-                      <a:extLst>
-                        <a:ext uri="{9D8B030D-6E8A-4147-A177-3AD203B41FA5}">
-                          <a16:colId xmlns:a16="http://schemas.microsoft.com/office/drawing/2014/main" val="20001"/>
-                        </a:ext>
-                      </a:extLst>
-                    </a:gridCol>
+                    <a:gridCol w="1884716"/>
+                    <a:gridCol w="3281663"/>
                   </a:tblGrid>
                   <a:tr h="300380">
                     <a:tc>
@@ -14512,11 +13401,6 @@
                       </a:txBody>
                       <a:tcPr marL="68580" marR="68580" marT="34290" marB="34290" anchor="ctr"/>
                     </a:tc>
-                    <a:extLst>
-                      <a:ext uri="{0D108BD9-81ED-4DB2-BD59-A6C34878D82A}">
-                        <a16:rowId xmlns:a16="http://schemas.microsoft.com/office/drawing/2014/main" val="10000"/>
-                      </a:ext>
-                    </a:extLst>
                   </a:tr>
                   <a:tr h="398664">
                     <a:tc>
@@ -14538,7 +13422,6 @@
                             <a:buSzTx/>
                             <a:buFontTx/>
                             <a:buNone/>
-                            <a:tabLst/>
                             <a:defRPr/>
                           </a:pPr>
                           <a14:m>
@@ -14563,6 +13446,10 @@
                             </a:rPr>
                             <a:t>(rad)</a:t>
                           </a:r>
+                          <a:endParaRPr lang="en-US" sz="1100" i="1" dirty="0">
+                            <a:latin typeface="Times New Roman" panose="02020603050405020304" pitchFamily="18" charset="0"/>
+                            <a:cs typeface="Times New Roman" panose="02020603050405020304" pitchFamily="18" charset="0"/>
+                          </a:endParaRPr>
                         </a:p>
                       </a:txBody>
                       <a:tcPr marL="68580" marR="68580" marT="34290" marB="34290" anchor="ctr"/>
@@ -14594,11 +13481,6 @@
                       </a:txBody>
                       <a:tcPr marL="68580" marR="68580" marT="34290" marB="34290" anchor="ctr"/>
                     </a:tc>
-                    <a:extLst>
-                      <a:ext uri="{0D108BD9-81ED-4DB2-BD59-A6C34878D82A}">
-                        <a16:rowId xmlns:a16="http://schemas.microsoft.com/office/drawing/2014/main" val="10001"/>
-                      </a:ext>
-                    </a:extLst>
                   </a:tr>
                   <a:tr h="398664">
                     <a:tc>
@@ -14620,7 +13502,6 @@
                             <a:buSzTx/>
                             <a:buFontTx/>
                             <a:buNone/>
-                            <a:tabLst/>
                             <a:defRPr/>
                           </a:pPr>
                           <a14:m>
@@ -14657,6 +13538,10 @@
                             </a:rPr>
                             <a:t>(rad/s)</a:t>
                           </a:r>
+                          <a:endParaRPr lang="en-US" sz="1100" i="1">
+                            <a:latin typeface="Times New Roman" panose="02020603050405020304" pitchFamily="18" charset="0"/>
+                            <a:cs typeface="Times New Roman" panose="02020603050405020304" pitchFamily="18" charset="0"/>
+                          </a:endParaRPr>
                         </a:p>
                       </a:txBody>
                       <a:tcPr marL="68580" marR="68580" marT="34290" marB="34290" anchor="ctr"/>
@@ -14688,11 +13573,6 @@
                       </a:txBody>
                       <a:tcPr marL="68580" marR="68580" marT="34290" marB="34290" anchor="ctr"/>
                     </a:tc>
-                    <a:extLst>
-                      <a:ext uri="{0D108BD9-81ED-4DB2-BD59-A6C34878D82A}">
-                        <a16:rowId xmlns:a16="http://schemas.microsoft.com/office/drawing/2014/main" val="10002"/>
-                      </a:ext>
-                    </a:extLst>
                   </a:tr>
                   <a:tr h="398664">
                     <a:tc>
@@ -14714,7 +13594,6 @@
                             <a:buSzTx/>
                             <a:buFontTx/>
                             <a:buNone/>
-                            <a:tabLst/>
                             <a:defRPr/>
                           </a:pPr>
                           <a14:m>
@@ -14790,6 +13669,10 @@
                             </a:rPr>
                             <a:t>)</a:t>
                           </a:r>
+                          <a:endParaRPr lang="en-US" sz="1100" i="1">
+                            <a:latin typeface="Times New Roman" panose="02020603050405020304" pitchFamily="18" charset="0"/>
+                            <a:cs typeface="Times New Roman" panose="02020603050405020304" pitchFamily="18" charset="0"/>
+                          </a:endParaRPr>
                         </a:p>
                       </a:txBody>
                       <a:tcPr marL="68580" marR="68580" marT="34290" marB="34290" anchor="ctr"/>
@@ -14821,11 +13704,6 @@
                       </a:txBody>
                       <a:tcPr marL="68580" marR="68580" marT="34290" marB="34290" anchor="ctr"/>
                     </a:tc>
-                    <a:extLst>
-                      <a:ext uri="{0D108BD9-81ED-4DB2-BD59-A6C34878D82A}">
-                        <a16:rowId xmlns:a16="http://schemas.microsoft.com/office/drawing/2014/main" val="10003"/>
-                      </a:ext>
-                    </a:extLst>
                   </a:tr>
                   <a:tr h="398664">
                     <a:tc>
@@ -14847,7 +13725,6 @@
                             <a:buSzTx/>
                             <a:buFontTx/>
                             <a:buNone/>
-                            <a:tabLst/>
                             <a:defRPr/>
                           </a:pPr>
                           <a14:m>
@@ -14872,6 +13749,10 @@
                             </a:rPr>
                             <a:t>(rad)</a:t>
                           </a:r>
+                          <a:endParaRPr lang="en-US" sz="1100" i="1">
+                            <a:latin typeface="Times New Roman" panose="02020603050405020304" pitchFamily="18" charset="0"/>
+                            <a:cs typeface="Times New Roman" panose="02020603050405020304" pitchFamily="18" charset="0"/>
+                          </a:endParaRPr>
                         </a:p>
                       </a:txBody>
                       <a:tcPr marL="68580" marR="68580" marT="34290" marB="34290" anchor="ctr"/>
@@ -14903,11 +13784,6 @@
                       </a:txBody>
                       <a:tcPr marL="68580" marR="68580" marT="34290" marB="34290" anchor="ctr"/>
                     </a:tc>
-                    <a:extLst>
-                      <a:ext uri="{0D108BD9-81ED-4DB2-BD59-A6C34878D82A}">
-                        <a16:rowId xmlns:a16="http://schemas.microsoft.com/office/drawing/2014/main" val="10004"/>
-                      </a:ext>
-                    </a:extLst>
                   </a:tr>
                   <a:tr h="398664">
                     <a:tc>
@@ -14929,7 +13805,6 @@
                             <a:buSzTx/>
                             <a:buFontTx/>
                             <a:buNone/>
-                            <a:tabLst/>
                             <a:defRPr/>
                           </a:pPr>
                           <a14:m>
@@ -14966,6 +13841,10 @@
                             </a:rPr>
                             <a:t>(rad/s)</a:t>
                           </a:r>
+                          <a:endParaRPr lang="en-US" sz="1100" i="1">
+                            <a:latin typeface="Times New Roman" panose="02020603050405020304" pitchFamily="18" charset="0"/>
+                            <a:cs typeface="Times New Roman" panose="02020603050405020304" pitchFamily="18" charset="0"/>
+                          </a:endParaRPr>
                         </a:p>
                       </a:txBody>
                       <a:tcPr marL="68580" marR="68580" marT="34290" marB="34290" anchor="ctr"/>
@@ -14997,11 +13876,6 @@
                       </a:txBody>
                       <a:tcPr marL="68580" marR="68580" marT="34290" marB="34290" anchor="ctr"/>
                     </a:tc>
-                    <a:extLst>
-                      <a:ext uri="{0D108BD9-81ED-4DB2-BD59-A6C34878D82A}">
-                        <a16:rowId xmlns:a16="http://schemas.microsoft.com/office/drawing/2014/main" val="10005"/>
-                      </a:ext>
-                    </a:extLst>
                   </a:tr>
                   <a:tr h="398664">
                     <a:tc>
@@ -15023,7 +13897,6 @@
                             <a:buSzTx/>
                             <a:buFontTx/>
                             <a:buNone/>
-                            <a:tabLst/>
                             <a:defRPr/>
                           </a:pPr>
                           <a14:m>
@@ -15099,6 +13972,10 @@
                             </a:rPr>
                             <a:t>)</a:t>
                           </a:r>
+                          <a:endParaRPr lang="en-US" sz="1100" i="1">
+                            <a:latin typeface="Times New Roman" panose="02020603050405020304" pitchFamily="18" charset="0"/>
+                            <a:cs typeface="Times New Roman" panose="02020603050405020304" pitchFamily="18" charset="0"/>
+                          </a:endParaRPr>
                         </a:p>
                       </a:txBody>
                       <a:tcPr marL="68580" marR="68580" marT="34290" marB="34290" anchor="ctr"/>
@@ -15130,11 +14007,6 @@
                       </a:txBody>
                       <a:tcPr marL="68580" marR="68580" marT="34290" marB="34290" anchor="ctr"/>
                     </a:tc>
-                    <a:extLst>
-                      <a:ext uri="{0D108BD9-81ED-4DB2-BD59-A6C34878D82A}">
-                        <a16:rowId xmlns:a16="http://schemas.microsoft.com/office/drawing/2014/main" val="10006"/>
-                      </a:ext>
-                    </a:extLst>
                   </a:tr>
                   <a:tr h="398664">
                     <a:tc>
@@ -15156,7 +14028,6 @@
                             <a:buSzTx/>
                             <a:buFontTx/>
                             <a:buNone/>
-                            <a:tabLst/>
                             <a:defRPr/>
                           </a:pPr>
                           <a14:m>
@@ -15181,6 +14052,10 @@
                             </a:rPr>
                             <a:t>(rad)</a:t>
                           </a:r>
+                          <a:endParaRPr lang="en-US" sz="1100" i="1">
+                            <a:latin typeface="Times New Roman" panose="02020603050405020304" pitchFamily="18" charset="0"/>
+                            <a:cs typeface="Times New Roman" panose="02020603050405020304" pitchFamily="18" charset="0"/>
+                          </a:endParaRPr>
                         </a:p>
                       </a:txBody>
                       <a:tcPr marL="68580" marR="68580" marT="34290" marB="34290" anchor="ctr"/>
@@ -15212,11 +14087,6 @@
                       </a:txBody>
                       <a:tcPr marL="68580" marR="68580" marT="34290" marB="34290" anchor="ctr"/>
                     </a:tc>
-                    <a:extLst>
-                      <a:ext uri="{0D108BD9-81ED-4DB2-BD59-A6C34878D82A}">
-                        <a16:rowId xmlns:a16="http://schemas.microsoft.com/office/drawing/2014/main" val="10007"/>
-                      </a:ext>
-                    </a:extLst>
                   </a:tr>
                   <a:tr h="398664">
                     <a:tc>
@@ -15238,7 +14108,6 @@
                             <a:buSzTx/>
                             <a:buFontTx/>
                             <a:buNone/>
-                            <a:tabLst/>
                             <a:defRPr/>
                           </a:pPr>
                           <a14:m>
@@ -15275,6 +14144,10 @@
                             </a:rPr>
                             <a:t>(rad/s)</a:t>
                           </a:r>
+                          <a:endParaRPr lang="en-US" sz="1100" i="1">
+                            <a:latin typeface="Times New Roman" panose="02020603050405020304" pitchFamily="18" charset="0"/>
+                            <a:cs typeface="Times New Roman" panose="02020603050405020304" pitchFamily="18" charset="0"/>
+                          </a:endParaRPr>
                         </a:p>
                       </a:txBody>
                       <a:tcPr marL="68580" marR="68580" marT="34290" marB="34290" anchor="ctr"/>
@@ -15306,11 +14179,6 @@
                       </a:txBody>
                       <a:tcPr marL="68580" marR="68580" marT="34290" marB="34290" anchor="ctr"/>
                     </a:tc>
-                    <a:extLst>
-                      <a:ext uri="{0D108BD9-81ED-4DB2-BD59-A6C34878D82A}">
-                        <a16:rowId xmlns:a16="http://schemas.microsoft.com/office/drawing/2014/main" val="10008"/>
-                      </a:ext>
-                    </a:extLst>
                   </a:tr>
                   <a:tr h="398664">
                     <a:tc>
@@ -15332,7 +14200,6 @@
                             <a:buSzTx/>
                             <a:buFontTx/>
                             <a:buNone/>
-                            <a:tabLst/>
                             <a:defRPr/>
                           </a:pPr>
                           <a14:m>
@@ -15408,6 +14275,10 @@
                             </a:rPr>
                             <a:t>)</a:t>
                           </a:r>
+                          <a:endParaRPr lang="en-US" sz="1100" i="1">
+                            <a:latin typeface="Times New Roman" panose="02020603050405020304" pitchFamily="18" charset="0"/>
+                            <a:cs typeface="Times New Roman" panose="02020603050405020304" pitchFamily="18" charset="0"/>
+                          </a:endParaRPr>
                         </a:p>
                       </a:txBody>
                       <a:tcPr marL="68580" marR="68580" marT="34290" marB="34290" anchor="ctr"/>
@@ -15495,11 +14366,6 @@
                       </a:txBody>
                       <a:tcPr marL="68580" marR="68580" marT="34290" marB="34290" anchor="ctr"/>
                     </a:tc>
-                    <a:extLst>
-                      <a:ext uri="{0D108BD9-81ED-4DB2-BD59-A6C34878D82A}">
-                        <a16:rowId xmlns:a16="http://schemas.microsoft.com/office/drawing/2014/main" val="10009"/>
-                      </a:ext>
-                    </a:extLst>
                   </a:tr>
                 </a:tbl>
               </a:graphicData>
@@ -15509,23 +14375,11 @@
         <mc:Fallback xmlns="">
           <p:graphicFrame>
             <p:nvGraphicFramePr>
-              <p:cNvPr id="4" name="Table 3">
-                <a:extLst>
-                  <a:ext uri="{FF2B5EF4-FFF2-40B4-BE49-F238E27FC236}">
-                    <a16:creationId xmlns:a16="http://schemas.microsoft.com/office/drawing/2014/main" id="{357A826D-B1BE-C060-858F-50D1F3FF1C21}"/>
-                  </a:ext>
-                </a:extLst>
-              </p:cNvPr>
+              <p:cNvPr id="4" name="Table 3"/>
               <p:cNvGraphicFramePr>
                 <a:graphicFrameLocks noGrp="1"/>
               </p:cNvGraphicFramePr>
-              <p:nvPr>
-                <p:extLst>
-                  <p:ext uri="{D42A27DB-BD31-4B8C-83A1-F6EECF244321}">
-                    <p14:modId xmlns:p14="http://schemas.microsoft.com/office/powerpoint/2010/main" val="2966811249"/>
-                  </p:ext>
-                </p:extLst>
-              </p:nvPr>
+              <p:nvPr/>
             </p:nvGraphicFramePr>
             <p:xfrm>
               <a:off x="6096164" y="1790110"/>
@@ -15538,20 +14392,8 @@
                     <a:tableStyleId>{5C22544A-7EE6-4342-B048-85BDC9FD1C3A}</a:tableStyleId>
                   </a:tblPr>
                   <a:tblGrid>
-                    <a:gridCol w="1884716">
-                      <a:extLst>
-                        <a:ext uri="{9D8B030D-6E8A-4147-A177-3AD203B41FA5}">
-                          <a16:colId xmlns:a16="http://schemas.microsoft.com/office/drawing/2014/main" val="20000"/>
-                        </a:ext>
-                      </a:extLst>
-                    </a:gridCol>
-                    <a:gridCol w="3281663">
-                      <a:extLst>
-                        <a:ext uri="{9D8B030D-6E8A-4147-A177-3AD203B41FA5}">
-                          <a16:colId xmlns:a16="http://schemas.microsoft.com/office/drawing/2014/main" val="20001"/>
-                        </a:ext>
-                      </a:extLst>
-                    </a:gridCol>
+                    <a:gridCol w="1884716"/>
+                    <a:gridCol w="3281663"/>
                   </a:tblGrid>
                   <a:tr h="300380">
                     <a:tc>
@@ -15592,13 +14434,8 @@
                       </a:txBody>
                       <a:tcPr marL="68580" marR="68580" marT="34290" marB="34290" anchor="ctr"/>
                     </a:tc>
-                    <a:extLst>
-                      <a:ext uri="{0D108BD9-81ED-4DB2-BD59-A6C34878D82A}">
-                        <a16:rowId xmlns:a16="http://schemas.microsoft.com/office/drawing/2014/main" val="10000"/>
-                      </a:ext>
-                    </a:extLst>
                   </a:tr>
-                  <a:tr h="398664">
+                  <a:tr h="398780">
                     <a:tc>
                       <a:txBody>
                         <a:bodyPr/>
@@ -15609,10 +14446,7 @@
                       </a:txBody>
                       <a:tcPr marL="68580" marR="68580" marT="34290" marB="34290" anchor="ctr">
                         <a:blipFill>
-                          <a:blip r:embed="rId3"/>
-                          <a:stretch>
-                            <a:fillRect l="-647" t="-75758" r="-175728" b="-796970"/>
-                          </a:stretch>
+                          <a:blip r:embed="rId2"/>
                         </a:blipFill>
                       </a:tcPr>
                     </a:tc>
@@ -15643,13 +14477,8 @@
                       </a:txBody>
                       <a:tcPr marL="68580" marR="68580" marT="34290" marB="34290" anchor="ctr"/>
                     </a:tc>
-                    <a:extLst>
-                      <a:ext uri="{0D108BD9-81ED-4DB2-BD59-A6C34878D82A}">
-                        <a16:rowId xmlns:a16="http://schemas.microsoft.com/office/drawing/2014/main" val="10001"/>
-                      </a:ext>
-                    </a:extLst>
                   </a:tr>
-                  <a:tr h="398664">
+                  <a:tr h="398780">
                     <a:tc>
                       <a:txBody>
                         <a:bodyPr/>
@@ -15660,10 +14489,7 @@
                       </a:txBody>
                       <a:tcPr marL="68580" marR="68580" marT="34290" marB="34290" anchor="ctr">
                         <a:blipFill>
-                          <a:blip r:embed="rId3"/>
-                          <a:stretch>
-                            <a:fillRect l="-647" t="-178462" r="-175728" b="-709231"/>
-                          </a:stretch>
+                          <a:blip r:embed="rId2"/>
                         </a:blipFill>
                       </a:tcPr>
                     </a:tc>
@@ -15694,13 +14520,8 @@
                       </a:txBody>
                       <a:tcPr marL="68580" marR="68580" marT="34290" marB="34290" anchor="ctr"/>
                     </a:tc>
-                    <a:extLst>
-                      <a:ext uri="{0D108BD9-81ED-4DB2-BD59-A6C34878D82A}">
-                        <a16:rowId xmlns:a16="http://schemas.microsoft.com/office/drawing/2014/main" val="10002"/>
-                      </a:ext>
-                    </a:extLst>
                   </a:tr>
-                  <a:tr h="398664">
+                  <a:tr h="398145">
                     <a:tc>
                       <a:txBody>
                         <a:bodyPr/>
@@ -15711,10 +14532,7 @@
                       </a:txBody>
                       <a:tcPr marL="68580" marR="68580" marT="34290" marB="34290" anchor="ctr">
                         <a:blipFill>
-                          <a:blip r:embed="rId3"/>
-                          <a:stretch>
-                            <a:fillRect l="-647" t="-274242" r="-175728" b="-598485"/>
-                          </a:stretch>
+                          <a:blip r:embed="rId2"/>
                         </a:blipFill>
                       </a:tcPr>
                     </a:tc>
@@ -15745,13 +14563,8 @@
                       </a:txBody>
                       <a:tcPr marL="68580" marR="68580" marT="34290" marB="34290" anchor="ctr"/>
                     </a:tc>
-                    <a:extLst>
-                      <a:ext uri="{0D108BD9-81ED-4DB2-BD59-A6C34878D82A}">
-                        <a16:rowId xmlns:a16="http://schemas.microsoft.com/office/drawing/2014/main" val="10003"/>
-                      </a:ext>
-                    </a:extLst>
                   </a:tr>
-                  <a:tr h="398664">
+                  <a:tr h="398780">
                     <a:tc>
                       <a:txBody>
                         <a:bodyPr/>
@@ -15762,10 +14575,7 @@
                       </a:txBody>
                       <a:tcPr marL="68580" marR="68580" marT="34290" marB="34290" anchor="ctr">
                         <a:blipFill>
-                          <a:blip r:embed="rId3"/>
-                          <a:stretch>
-                            <a:fillRect l="-647" t="-380000" r="-175728" b="-507692"/>
-                          </a:stretch>
+                          <a:blip r:embed="rId2"/>
                         </a:blipFill>
                       </a:tcPr>
                     </a:tc>
@@ -15796,13 +14606,8 @@
                       </a:txBody>
                       <a:tcPr marL="68580" marR="68580" marT="34290" marB="34290" anchor="ctr"/>
                     </a:tc>
-                    <a:extLst>
-                      <a:ext uri="{0D108BD9-81ED-4DB2-BD59-A6C34878D82A}">
-                        <a16:rowId xmlns:a16="http://schemas.microsoft.com/office/drawing/2014/main" val="10004"/>
-                      </a:ext>
-                    </a:extLst>
                   </a:tr>
-                  <a:tr h="398664">
+                  <a:tr h="398780">
                     <a:tc>
                       <a:txBody>
                         <a:bodyPr/>
@@ -15813,10 +14618,7 @@
                       </a:txBody>
                       <a:tcPr marL="68580" marR="68580" marT="34290" marB="34290" anchor="ctr">
                         <a:blipFill>
-                          <a:blip r:embed="rId3"/>
-                          <a:stretch>
-                            <a:fillRect l="-647" t="-472727" r="-175728" b="-400000"/>
-                          </a:stretch>
+                          <a:blip r:embed="rId2"/>
                         </a:blipFill>
                       </a:tcPr>
                     </a:tc>
@@ -15847,13 +14649,8 @@
                       </a:txBody>
                       <a:tcPr marL="68580" marR="68580" marT="34290" marB="34290" anchor="ctr"/>
                     </a:tc>
-                    <a:extLst>
-                      <a:ext uri="{0D108BD9-81ED-4DB2-BD59-A6C34878D82A}">
-                        <a16:rowId xmlns:a16="http://schemas.microsoft.com/office/drawing/2014/main" val="10005"/>
-                      </a:ext>
-                    </a:extLst>
                   </a:tr>
-                  <a:tr h="398664">
+                  <a:tr h="398780">
                     <a:tc>
                       <a:txBody>
                         <a:bodyPr/>
@@ -15864,10 +14661,7 @@
                       </a:txBody>
                       <a:tcPr marL="68580" marR="68580" marT="34290" marB="34290" anchor="ctr">
                         <a:blipFill>
-                          <a:blip r:embed="rId3"/>
-                          <a:stretch>
-                            <a:fillRect l="-647" t="-581538" r="-175728" b="-306154"/>
-                          </a:stretch>
+                          <a:blip r:embed="rId2"/>
                         </a:blipFill>
                       </a:tcPr>
                     </a:tc>
@@ -15898,13 +14692,8 @@
                       </a:txBody>
                       <a:tcPr marL="68580" marR="68580" marT="34290" marB="34290" anchor="ctr"/>
                     </a:tc>
-                    <a:extLst>
-                      <a:ext uri="{0D108BD9-81ED-4DB2-BD59-A6C34878D82A}">
-                        <a16:rowId xmlns:a16="http://schemas.microsoft.com/office/drawing/2014/main" val="10006"/>
-                      </a:ext>
-                    </a:extLst>
                   </a:tr>
-                  <a:tr h="398664">
+                  <a:tr h="398780">
                     <a:tc>
                       <a:txBody>
                         <a:bodyPr/>
@@ -15915,10 +14704,7 @@
                       </a:txBody>
                       <a:tcPr marL="68580" marR="68580" marT="34290" marB="34290" anchor="ctr">
                         <a:blipFill>
-                          <a:blip r:embed="rId3"/>
-                          <a:stretch>
-                            <a:fillRect l="-647" t="-671212" r="-175728" b="-201515"/>
-                          </a:stretch>
+                          <a:blip r:embed="rId2"/>
                         </a:blipFill>
                       </a:tcPr>
                     </a:tc>
@@ -15949,13 +14735,8 @@
                       </a:txBody>
                       <a:tcPr marL="68580" marR="68580" marT="34290" marB="34290" anchor="ctr"/>
                     </a:tc>
-                    <a:extLst>
-                      <a:ext uri="{0D108BD9-81ED-4DB2-BD59-A6C34878D82A}">
-                        <a16:rowId xmlns:a16="http://schemas.microsoft.com/office/drawing/2014/main" val="10007"/>
-                      </a:ext>
-                    </a:extLst>
                   </a:tr>
-                  <a:tr h="398664">
+                  <a:tr h="398780">
                     <a:tc>
                       <a:txBody>
                         <a:bodyPr/>
@@ -15966,10 +14747,7 @@
                       </a:txBody>
                       <a:tcPr marL="68580" marR="68580" marT="34290" marB="34290" anchor="ctr">
                         <a:blipFill>
-                          <a:blip r:embed="rId3"/>
-                          <a:stretch>
-                            <a:fillRect l="-647" t="-783077" r="-175728" b="-104615"/>
-                          </a:stretch>
+                          <a:blip r:embed="rId2"/>
                         </a:blipFill>
                       </a:tcPr>
                     </a:tc>
@@ -16000,13 +14778,8 @@
                       </a:txBody>
                       <a:tcPr marL="68580" marR="68580" marT="34290" marB="34290" anchor="ctr"/>
                     </a:tc>
-                    <a:extLst>
-                      <a:ext uri="{0D108BD9-81ED-4DB2-BD59-A6C34878D82A}">
-                        <a16:rowId xmlns:a16="http://schemas.microsoft.com/office/drawing/2014/main" val="10008"/>
-                      </a:ext>
-                    </a:extLst>
                   </a:tr>
-                  <a:tr h="398664">
+                  <a:tr h="398145">
                     <a:tc>
                       <a:txBody>
                         <a:bodyPr/>
@@ -16017,10 +14790,7 @@
                       </a:txBody>
                       <a:tcPr marL="68580" marR="68580" marT="34290" marB="34290" anchor="ctr">
                         <a:blipFill>
-                          <a:blip r:embed="rId3"/>
-                          <a:stretch>
-                            <a:fillRect l="-647" t="-869697" r="-175728" b="-3030"/>
-                          </a:stretch>
+                          <a:blip r:embed="rId2"/>
                         </a:blipFill>
                       </a:tcPr>
                     </a:tc>
@@ -16107,11 +14877,6 @@
                       </a:txBody>
                       <a:tcPr marL="68580" marR="68580" marT="34290" marB="34290" anchor="ctr"/>
                     </a:tc>
-                    <a:extLst>
-                      <a:ext uri="{0D108BD9-81ED-4DB2-BD59-A6C34878D82A}">
-                        <a16:rowId xmlns:a16="http://schemas.microsoft.com/office/drawing/2014/main" val="10009"/>
-                      </a:ext>
-                    </a:extLst>
                   </a:tr>
                 </a:tbl>
               </a:graphicData>
@@ -16121,13 +14886,7 @@
       </mc:AlternateContent>
       <p:sp>
         <p:nvSpPr>
-          <p:cNvPr id="6" name="Slide Number Placeholder 5">
-            <a:extLst>
-              <a:ext uri="{FF2B5EF4-FFF2-40B4-BE49-F238E27FC236}">
-                <a16:creationId xmlns:a16="http://schemas.microsoft.com/office/drawing/2014/main" id="{3E66AB87-7870-3D73-7C13-D61D7275BA5F}"/>
-              </a:ext>
-            </a:extLst>
-          </p:cNvPr>
+          <p:cNvPr id="6" name="Slide Number Placeholder 5"/>
           <p:cNvSpPr>
             <a:spLocks noGrp="1"/>
           </p:cNvSpPr>
@@ -16142,7 +14901,6 @@
           <a:p>
             <a:fld id="{442C1155-F164-44A2-862A-E50421BF24BC}" type="slidenum">
               <a:rPr lang="en-US" smtClean="0"/>
-              <a:t>3</a:t>
             </a:fld>
             <a:endParaRPr lang="en-US"/>
           </a:p>
@@ -16150,13 +14908,7 @@
       </p:sp>
       <p:sp>
         <p:nvSpPr>
-          <p:cNvPr id="8" name="TextBox 7">
-            <a:extLst>
-              <a:ext uri="{FF2B5EF4-FFF2-40B4-BE49-F238E27FC236}">
-                <a16:creationId xmlns:a16="http://schemas.microsoft.com/office/drawing/2014/main" id="{4D51385B-9F07-28AF-0B7A-EF52F52F4086}"/>
-              </a:ext>
-            </a:extLst>
-          </p:cNvPr>
+          <p:cNvPr id="8" name="TextBox 7"/>
           <p:cNvSpPr txBox="1"/>
           <p:nvPr/>
         </p:nvSpPr>
@@ -16215,13 +14967,7 @@
       </p:sp>
       <p:sp>
         <p:nvSpPr>
-          <p:cNvPr id="10" name="object 7">
-            <a:extLst>
-              <a:ext uri="{FF2B5EF4-FFF2-40B4-BE49-F238E27FC236}">
-                <a16:creationId xmlns:a16="http://schemas.microsoft.com/office/drawing/2014/main" id="{A20CA4EC-70AB-B37F-F60E-6B03E245D6A9}"/>
-              </a:ext>
-            </a:extLst>
-          </p:cNvPr>
+          <p:cNvPr id="10" name="object 7"/>
           <p:cNvSpPr/>
           <p:nvPr/>
         </p:nvSpPr>
@@ -16267,17 +15013,10 @@
         <p:txBody>
           <a:bodyPr wrap="square" lIns="0" tIns="0" rIns="0" bIns="0" rtlCol="0"/>
           <a:lstStyle/>
-          <a:p>
-            <a:endParaRPr/>
-          </a:p>
+          <a:p/>
         </p:txBody>
       </p:sp>
     </p:spTree>
-    <p:extLst>
-      <p:ext uri="{BB962C8B-B14F-4D97-AF65-F5344CB8AC3E}">
-        <p14:creationId xmlns:p14="http://schemas.microsoft.com/office/powerpoint/2010/main" val="2690463007"/>
-      </p:ext>
-    </p:extLst>
   </p:cSld>
   <p:clrMapOvr>
     <a:masterClrMapping/>
@@ -16302,17 +15041,11 @@
           <a:chExt cx="0" cy="0"/>
         </a:xfrm>
       </p:grpSpPr>
-      <mc:AlternateContent xmlns:mc="http://schemas.openxmlformats.org/markup-compatibility/2006" xmlns:a14="http://schemas.microsoft.com/office/drawing/2010/main">
-        <mc:Choice Requires="a14">
+      <mc:AlternateContent xmlns:mc="http://schemas.openxmlformats.org/markup-compatibility/2006">
+        <mc:Choice xmlns:a14="http://schemas.microsoft.com/office/drawing/2010/main" Requires="a14">
           <p:sp>
             <p:nvSpPr>
-              <p:cNvPr id="5" name="TextBox 4">
-                <a:extLst>
-                  <a:ext uri="{FF2B5EF4-FFF2-40B4-BE49-F238E27FC236}">
-                    <a16:creationId xmlns:a16="http://schemas.microsoft.com/office/drawing/2014/main" id="{773FCF73-2F08-5C69-94CD-8447652B8329}"/>
-                  </a:ext>
-                </a:extLst>
-              </p:cNvPr>
+              <p:cNvPr id="5" name="TextBox 4"/>
               <p:cNvSpPr txBox="1"/>
               <p:nvPr/>
             </p:nvSpPr>
@@ -16364,6 +15097,11 @@
                   </a:rPr>
                   <a:t>Động năng được xác định theo công thức : </a:t>
                 </a:r>
+                <a:endParaRPr lang="en-US">
+                  <a:latin typeface="Times New Roman" panose="02020603050405020304" pitchFamily="18" charset="0"/>
+                  <a:ea typeface="Tahoma" panose="020B0604030504040204" pitchFamily="34" charset="0"/>
+                  <a:cs typeface="Times New Roman" panose="02020603050405020304" pitchFamily="18" charset="0"/>
+                </a:endParaRPr>
               </a:p>
               <a:p>
                 <a:pPr algn="ctr"/>
@@ -16461,6 +15199,11 @@
                   </a:rPr>
                   <a:t> </a:t>
                 </a:r>
+                <a:endParaRPr lang="en-US">
+                  <a:latin typeface="Tahoma" panose="020B0604030504040204" pitchFamily="34" charset="0"/>
+                  <a:ea typeface="Tahoma" panose="020B0604030504040204" pitchFamily="34" charset="0"/>
+                  <a:cs typeface="Tahoma" panose="020B0604030504040204" pitchFamily="34" charset="0"/>
+                </a:endParaRPr>
               </a:p>
               <a:p>
                 <a:r>
@@ -16471,6 +15214,11 @@
                   </a:rPr>
                   <a:t>Với:</a:t>
                 </a:r>
+                <a:endParaRPr lang="en-US">
+                  <a:latin typeface="Times New Roman" panose="02020603050405020304" pitchFamily="18" charset="0"/>
+                  <a:ea typeface="Tahoma" panose="020B0604030504040204" pitchFamily="34" charset="0"/>
+                  <a:cs typeface="Times New Roman" panose="02020603050405020304" pitchFamily="18" charset="0"/>
+                </a:endParaRPr>
               </a:p>
               <a:p>
                 <a:r>
@@ -16497,6 +15245,11 @@
                   </a:rPr>
                   <a:t>: Động năng của chuyển động tịnh tiến</a:t>
                 </a:r>
+                <a:endParaRPr lang="en-US">
+                  <a:latin typeface="Times New Roman" panose="02020603050405020304" pitchFamily="18" charset="0"/>
+                  <a:ea typeface="Tahoma" panose="020B0604030504040204" pitchFamily="34" charset="0"/>
+                  <a:cs typeface="Times New Roman" panose="02020603050405020304" pitchFamily="18" charset="0"/>
+                </a:endParaRPr>
               </a:p>
               <a:p>
                 <a:r>
@@ -16523,6 +15276,11 @@
                   </a:rPr>
                   <a:t>: Động năng của chuyển động quay</a:t>
                 </a:r>
+                <a:endParaRPr lang="en-US">
+                  <a:latin typeface="Times New Roman" panose="02020603050405020304" pitchFamily="18" charset="0"/>
+                  <a:ea typeface="Tahoma" panose="020B0604030504040204" pitchFamily="34" charset="0"/>
+                  <a:cs typeface="Times New Roman" panose="02020603050405020304" pitchFamily="18" charset="0"/>
+                </a:endParaRPr>
               </a:p>
               <a:p>
                 <a:endParaRPr lang="en-US">
@@ -16540,9 +15298,13 @@
                   </a:rPr>
                   <a:t>Sau khi ta tính bánh trái bánh phải, ta được:</a:t>
                 </a:r>
+                <a:endParaRPr lang="en-US">
+                  <a:latin typeface="Times New Roman" panose="02020603050405020304" pitchFamily="18" charset="0"/>
+                  <a:ea typeface="Tahoma" panose="020B0604030504040204" pitchFamily="34" charset="0"/>
+                  <a:cs typeface="Times New Roman" panose="02020603050405020304" pitchFamily="18" charset="0"/>
+                </a:endParaRPr>
               </a:p>
               <a:p>
-                <a:pPr/>
                 <a14:m>
                   <m:oMathPara xmlns:m="http://schemas.openxmlformats.org/officeDocument/2006/math">
                     <m:oMathParaPr>
@@ -17265,7 +16027,6 @@
                 <a:endParaRPr lang="en-US"/>
               </a:p>
               <a:p>
-                <a:pPr/>
                 <a14:m>
                   <m:oMathPara xmlns:m="http://schemas.openxmlformats.org/officeDocument/2006/math">
                     <m:oMathParaPr>
@@ -18076,9 +16837,9 @@
                   <a:rPr lang="en-US"/>
                   <a:t>:</a:t>
                 </a:r>
+                <a:endParaRPr lang="en-US"/>
               </a:p>
               <a:p>
-                <a:pPr/>
                 <a14:m>
                   <m:oMathPara xmlns:m="http://schemas.openxmlformats.org/officeDocument/2006/math">
                     <m:oMathParaPr>
@@ -18221,16 +16982,10 @@
             </p:txBody>
           </p:sp>
         </mc:Choice>
-        <mc:Fallback xmlns="">
+        <mc:Fallback>
           <p:sp>
             <p:nvSpPr>
-              <p:cNvPr id="5" name="TextBox 4">
-                <a:extLst>
-                  <a:ext uri="{FF2B5EF4-FFF2-40B4-BE49-F238E27FC236}">
-                    <a16:creationId xmlns:a16="http://schemas.microsoft.com/office/drawing/2014/main" id="{773FCF73-2F08-5C69-94CD-8447652B8329}"/>
-                  </a:ext>
-                </a:extLst>
-              </p:cNvPr>
+              <p:cNvPr id="5" name="TextBox 4"/>
               <p:cNvSpPr txBox="1">
                 <a:spLocks noRot="1" noChangeAspect="1" noMove="1" noResize="1" noEditPoints="1" noAdjustHandles="1" noChangeArrowheads="1" noChangeShapeType="1" noTextEdit="1"/>
               </p:cNvSpPr>
@@ -18244,19 +16999,33 @@
               <a:prstGeom prst="rect">
                 <a:avLst/>
               </a:prstGeom>
-              <a:blipFill>
-                <a:blip r:embed="rId2"/>
+              <a:blipFill rotWithShape="1">
+                <a:blip r:embed="rId1"/>
                 <a:stretch>
-                  <a:fillRect l="-572"/>
+                  <a:fillRect l="-118" t="-230" r="-110" b="-223"/>
                 </a:stretch>
               </a:blipFill>
             </p:spPr>
+            <p:style>
+              <a:lnRef idx="2">
+                <a:schemeClr val="accent1"/>
+              </a:lnRef>
+              <a:fillRef idx="1">
+                <a:schemeClr val="lt1"/>
+              </a:fillRef>
+              <a:effectRef idx="0">
+                <a:schemeClr val="accent1"/>
+              </a:effectRef>
+              <a:fontRef idx="minor">
+                <a:schemeClr val="dk1"/>
+              </a:fontRef>
+            </p:style>
             <p:txBody>
               <a:bodyPr/>
               <a:lstStyle/>
               <a:p>
                 <a:r>
-                  <a:rPr lang="en-US">
+                  <a:rPr lang="en-US" altLang="en-US">
                     <a:noFill/>
                   </a:rPr>
                   <a:t> </a:t>
@@ -18268,13 +17037,7 @@
       </mc:AlternateContent>
       <p:sp>
         <p:nvSpPr>
-          <p:cNvPr id="7" name="Slide Number Placeholder 6">
-            <a:extLst>
-              <a:ext uri="{FF2B5EF4-FFF2-40B4-BE49-F238E27FC236}">
-                <a16:creationId xmlns:a16="http://schemas.microsoft.com/office/drawing/2014/main" id="{B13A3DCF-C699-F6CF-BF16-E1E3C3E5B0B6}"/>
-              </a:ext>
-            </a:extLst>
-          </p:cNvPr>
+          <p:cNvPr id="7" name="Slide Number Placeholder 6"/>
           <p:cNvSpPr>
             <a:spLocks noGrp="1"/>
           </p:cNvSpPr>
@@ -18289,18 +17052,12 @@
           <a:p>
             <a:fld id="{442C1155-F164-44A2-862A-E50421BF24BC}" type="slidenum">
               <a:rPr lang="en-US" smtClean="0"/>
-              <a:t>4</a:t>
             </a:fld>
             <a:endParaRPr lang="en-US"/>
           </a:p>
         </p:txBody>
       </p:sp>
     </p:spTree>
-    <p:extLst>
-      <p:ext uri="{BB962C8B-B14F-4D97-AF65-F5344CB8AC3E}">
-        <p14:creationId xmlns:p14="http://schemas.microsoft.com/office/powerpoint/2010/main" val="2479453332"/>
-      </p:ext>
-    </p:extLst>
   </p:cSld>
   <p:clrMapOvr>
     <a:masterClrMapping/>
@@ -18457,17 +17214,11 @@
           <a:chExt cx="0" cy="0"/>
         </a:xfrm>
       </p:grpSpPr>
-      <mc:AlternateContent xmlns:mc="http://schemas.openxmlformats.org/markup-compatibility/2006" xmlns:a14="http://schemas.microsoft.com/office/drawing/2010/main">
-        <mc:Choice Requires="a14">
+      <mc:AlternateContent xmlns:mc="http://schemas.openxmlformats.org/markup-compatibility/2006">
+        <mc:Choice xmlns:a14="http://schemas.microsoft.com/office/drawing/2010/main" Requires="a14">
           <p:sp>
             <p:nvSpPr>
-              <p:cNvPr id="3" name="TextBox 2">
-                <a:extLst>
-                  <a:ext uri="{FF2B5EF4-FFF2-40B4-BE49-F238E27FC236}">
-                    <a16:creationId xmlns:a16="http://schemas.microsoft.com/office/drawing/2014/main" id="{58453A1A-C7FE-71C6-C22A-842BDFF81907}"/>
-                  </a:ext>
-                </a:extLst>
-              </p:cNvPr>
+              <p:cNvPr id="3" name="TextBox 2"/>
               <p:cNvSpPr txBox="1"/>
               <p:nvPr/>
             </p:nvSpPr>
@@ -18519,6 +17270,11 @@
                   </a:rPr>
                   <a:t>Sau khi tìm được động và thế năng thế năng ta thay vào phương trình Lagrange:</a:t>
                 </a:r>
+                <a:endParaRPr lang="en-US">
+                  <a:latin typeface="Times New Roman" panose="02020603050405020304" pitchFamily="18" charset="0"/>
+                  <a:ea typeface="Tahoma" panose="020B0604030504040204" pitchFamily="34" charset="0"/>
+                  <a:cs typeface="Times New Roman" panose="02020603050405020304" pitchFamily="18" charset="0"/>
+                </a:endParaRPr>
               </a:p>
               <a:p>
                 <a:pPr algn="ctr"/>
@@ -18632,9 +17388,13 @@
                   </a:rPr>
                   <a:t> </a:t>
                 </a:r>
+                <a:endParaRPr lang="en-US" sz="1500">
+                  <a:latin typeface="Tahoma" panose="020B0604030504040204" pitchFamily="34" charset="0"/>
+                  <a:ea typeface="Tahoma" panose="020B0604030504040204" pitchFamily="34" charset="0"/>
+                  <a:cs typeface="Tahoma" panose="020B0604030504040204" pitchFamily="34" charset="0"/>
+                </a:endParaRPr>
               </a:p>
               <a:p>
-                <a:pPr/>
                 <a14:m>
                   <m:oMathPara xmlns:m="http://schemas.openxmlformats.org/officeDocument/2006/math">
                     <m:oMathParaPr>
@@ -18822,7 +17582,9 @@
                                 <m:rPr>
                                   <m:nor/>
                                 </m:rPr>
-                                <a:rPr lang="en-US" sz="1500"/>
+                                <a:rPr lang="en-US" sz="1500">
+                                  <a:latin typeface="Cambria Math" panose="02040503050406030204" pitchFamily="18" charset="0"/>
+                                </a:rPr>
                                 <m:t> </m:t>
                               </m:r>
                             </m:e>
@@ -18984,7 +17746,9 @@
                                 <m:rPr>
                                   <m:nor/>
                                 </m:rPr>
-                                <a:rPr lang="en-US" sz="1500"/>
+                                <a:rPr lang="en-US" sz="1500">
+                                  <a:latin typeface="Cambria Math" panose="02040503050406030204" pitchFamily="18" charset="0"/>
+                                </a:rPr>
                                 <m:t> </m:t>
                               </m:r>
                             </m:e>
@@ -19146,7 +17910,9 @@
                                 <m:rPr>
                                   <m:nor/>
                                 </m:rPr>
-                                <a:rPr lang="en-US" sz="1500"/>
+                                <a:rPr lang="en-US" sz="1500">
+                                  <a:latin typeface="Cambria Math" panose="02040503050406030204" pitchFamily="18" charset="0"/>
+                                </a:rPr>
                                 <m:t> </m:t>
                               </m:r>
                             </m:e>
@@ -19221,9 +17987,12 @@
                   </a:rPr>
                   <a:t> ta được:</a:t>
                 </a:r>
+                <a:endParaRPr lang="en-US">
+                  <a:latin typeface="Times New Roman" panose="02020603050405020304" pitchFamily="18" charset="0"/>
+                  <a:cs typeface="Times New Roman" panose="02020603050405020304" pitchFamily="18" charset="0"/>
+                </a:endParaRPr>
               </a:p>
               <a:p>
-                <a:pPr/>
                 <a14:m>
                   <m:oMathPara xmlns:m="http://schemas.openxmlformats.org/officeDocument/2006/math">
                     <m:oMathParaPr>
@@ -19327,7 +18096,13 @@
                                     <a:rPr lang="en-US" sz="1500" i="1">
                                       <a:latin typeface="Cambria Math" panose="02040503050406030204" pitchFamily="18" charset="0"/>
                                     </a:rPr>
-                                    <m:t>+2</m:t>
+                                    <m:t>+</m:t>
+                                  </m:r>
+                                  <m:r>
+                                    <a:rPr lang="en-US" sz="1500" i="1">
+                                      <a:latin typeface="Cambria Math" panose="02040503050406030204" pitchFamily="18" charset="0"/>
+                                    </a:rPr>
+                                    <m:t>2</m:t>
                                   </m:r>
                                   <m:sSub>
                                     <m:sSubPr>
@@ -19358,7 +18133,13 @@
                                     <a:rPr lang="en-US" sz="1500" i="1">
                                       <a:latin typeface="Cambria Math" panose="02040503050406030204" pitchFamily="18" charset="0"/>
                                     </a:rPr>
-                                    <m:t>+2</m:t>
+                                    <m:t>+</m:t>
+                                  </m:r>
+                                  <m:r>
+                                    <a:rPr lang="en-US" sz="1500" i="1">
+                                      <a:latin typeface="Cambria Math" panose="02040503050406030204" pitchFamily="18" charset="0"/>
+                                    </a:rPr>
+                                    <m:t>2</m:t>
                                   </m:r>
                                   <m:sSup>
                                     <m:sSupPr>
@@ -19461,7 +18242,13 @@
                                     <a:rPr lang="en-US" sz="1500" i="1">
                                       <a:latin typeface="Cambria Math" panose="02040503050406030204" pitchFamily="18" charset="0"/>
                                     </a:rPr>
-                                    <m:t>−2</m:t>
+                                    <m:t>−</m:t>
+                                  </m:r>
+                                  <m:r>
+                                    <a:rPr lang="en-US" sz="1500" i="1">
+                                      <a:latin typeface="Cambria Math" panose="02040503050406030204" pitchFamily="18" charset="0"/>
+                                    </a:rPr>
+                                    <m:t>2</m:t>
                                   </m:r>
                                   <m:sSup>
                                     <m:sSupPr>
@@ -19629,7 +18416,9 @@
                                 <m:rPr>
                                   <m:nor/>
                                 </m:rPr>
-                                <a:rPr lang="en-US" sz="1500"/>
+                                <a:rPr lang="en-US" sz="1500">
+                                  <a:latin typeface="Cambria Math" panose="02040503050406030204" pitchFamily="18" charset="0"/>
+                                </a:rPr>
                                 <m:t> </m:t>
                               </m:r>
                             </m:e>
@@ -19659,7 +18448,13 @@
                                     <a:rPr lang="en-US" sz="1500" i="1">
                                       <a:latin typeface="Cambria Math" panose="02040503050406030204" pitchFamily="18" charset="0"/>
                                     </a:rPr>
-                                    <m:t>−2</m:t>
+                                    <m:t>−</m:t>
+                                  </m:r>
+                                  <m:r>
+                                    <a:rPr lang="en-US" sz="1500" i="1">
+                                      <a:latin typeface="Cambria Math" panose="02040503050406030204" pitchFamily="18" charset="0"/>
+                                    </a:rPr>
+                                    <m:t>2</m:t>
                                   </m:r>
                                   <m:sSup>
                                     <m:sSupPr>
@@ -19812,7 +18607,13 @@
                                     <a:rPr lang="en-US" sz="1500" i="1">
                                       <a:latin typeface="Cambria Math" panose="02040503050406030204" pitchFamily="18" charset="0"/>
                                     </a:rPr>
-                                    <m:t>+2</m:t>
+                                    <m:t>+</m:t>
+                                  </m:r>
+                                  <m:r>
+                                    <a:rPr lang="en-US" sz="1500" i="1">
+                                      <a:latin typeface="Cambria Math" panose="02040503050406030204" pitchFamily="18" charset="0"/>
+                                    </a:rPr>
+                                    <m:t>2</m:t>
                                   </m:r>
                                   <m:sSup>
                                     <m:sSupPr>
@@ -20023,7 +18824,9 @@
                                 <m:rPr>
                                   <m:nor/>
                                 </m:rPr>
-                                <a:rPr lang="en-US" sz="1500"/>
+                                <a:rPr lang="en-US" sz="1500">
+                                  <a:latin typeface="Cambria Math" panose="02040503050406030204" pitchFamily="18" charset="0"/>
+                                </a:rPr>
                                 <m:t> </m:t>
                               </m:r>
                             </m:e>
@@ -20397,7 +19200,13 @@
                                 <a:rPr lang="en-US" sz="1500" i="1">
                                   <a:latin typeface="Cambria Math" panose="02040503050406030204" pitchFamily="18" charset="0"/>
                                 </a:rPr>
-                                <m:t>+2</m:t>
+                                <m:t>+</m:t>
+                              </m:r>
+                              <m:r>
+                                <a:rPr lang="en-US" sz="1500" i="1">
+                                  <a:latin typeface="Cambria Math" panose="02040503050406030204" pitchFamily="18" charset="0"/>
+                                </a:rPr>
+                                <m:t>2</m:t>
                               </m:r>
                               <m:r>
                                 <a:rPr lang="en-US" sz="1500" i="1">
@@ -20525,7 +19334,9 @@
                                 <m:rPr>
                                   <m:nor/>
                                 </m:rPr>
-                                <a:rPr lang="en-US" sz="1500"/>
+                                <a:rPr lang="en-US" sz="1500">
+                                  <a:latin typeface="Cambria Math" panose="02040503050406030204" pitchFamily="18" charset="0"/>
+                                </a:rPr>
                                 <m:t> </m:t>
                               </m:r>
                             </m:e>
@@ -20543,16 +19354,10 @@
             </p:txBody>
           </p:sp>
         </mc:Choice>
-        <mc:Fallback xmlns="">
+        <mc:Fallback>
           <p:sp>
             <p:nvSpPr>
-              <p:cNvPr id="3" name="TextBox 2">
-                <a:extLst>
-                  <a:ext uri="{FF2B5EF4-FFF2-40B4-BE49-F238E27FC236}">
-                    <a16:creationId xmlns:a16="http://schemas.microsoft.com/office/drawing/2014/main" id="{58453A1A-C7FE-71C6-C22A-842BDFF81907}"/>
-                  </a:ext>
-                </a:extLst>
-              </p:cNvPr>
+              <p:cNvPr id="3" name="TextBox 2"/>
               <p:cNvSpPr txBox="1">
                 <a:spLocks noRot="1" noChangeAspect="1" noMove="1" noResize="1" noEditPoints="1" noAdjustHandles="1" noChangeArrowheads="1" noChangeShapeType="1" noTextEdit="1"/>
               </p:cNvSpPr>
@@ -20566,19 +19371,33 @@
               <a:prstGeom prst="rect">
                 <a:avLst/>
               </a:prstGeom>
-              <a:blipFill>
-                <a:blip r:embed="rId2"/>
+              <a:blipFill rotWithShape="1">
+                <a:blip r:embed="rId1"/>
                 <a:stretch>
-                  <a:fillRect l="-526"/>
+                  <a:fillRect l="-121" t="-266" r="-113" b="-240"/>
                 </a:stretch>
               </a:blipFill>
             </p:spPr>
+            <p:style>
+              <a:lnRef idx="2">
+                <a:schemeClr val="accent1"/>
+              </a:lnRef>
+              <a:fillRef idx="1">
+                <a:schemeClr val="lt1"/>
+              </a:fillRef>
+              <a:effectRef idx="0">
+                <a:schemeClr val="accent1"/>
+              </a:effectRef>
+              <a:fontRef idx="minor">
+                <a:schemeClr val="dk1"/>
+              </a:fontRef>
+            </p:style>
             <p:txBody>
               <a:bodyPr/>
               <a:lstStyle/>
               <a:p>
                 <a:r>
-                  <a:rPr lang="en-US">
+                  <a:rPr lang="en-US" altLang="en-US">
                     <a:noFill/>
                   </a:rPr>
                   <a:t> </a:t>
@@ -20590,13 +19409,7 @@
       </mc:AlternateContent>
       <p:sp>
         <p:nvSpPr>
-          <p:cNvPr id="6" name="Slide Number Placeholder 5">
-            <a:extLst>
-              <a:ext uri="{FF2B5EF4-FFF2-40B4-BE49-F238E27FC236}">
-                <a16:creationId xmlns:a16="http://schemas.microsoft.com/office/drawing/2014/main" id="{57AD1918-AB53-BC08-C975-15C7B1F14292}"/>
-              </a:ext>
-            </a:extLst>
-          </p:cNvPr>
+          <p:cNvPr id="6" name="Slide Number Placeholder 5"/>
           <p:cNvSpPr>
             <a:spLocks noGrp="1"/>
           </p:cNvSpPr>
@@ -20611,18 +19424,12 @@
           <a:p>
             <a:fld id="{442C1155-F164-44A2-862A-E50421BF24BC}" type="slidenum">
               <a:rPr lang="en-US" smtClean="0"/>
-              <a:t>5</a:t>
             </a:fld>
             <a:endParaRPr lang="en-US"/>
           </a:p>
         </p:txBody>
       </p:sp>
     </p:spTree>
-    <p:extLst>
-      <p:ext uri="{BB962C8B-B14F-4D97-AF65-F5344CB8AC3E}">
-        <p14:creationId xmlns:p14="http://schemas.microsoft.com/office/powerpoint/2010/main" val="3793906228"/>
-      </p:ext>
-    </p:extLst>
   </p:cSld>
   <p:clrMapOvr>
     <a:masterClrMapping/>
@@ -20779,17 +19586,11 @@
           <a:chExt cx="0" cy="0"/>
         </a:xfrm>
       </p:grpSpPr>
-      <mc:AlternateContent xmlns:mc="http://schemas.openxmlformats.org/markup-compatibility/2006" xmlns:a14="http://schemas.microsoft.com/office/drawing/2010/main">
-        <mc:Choice Requires="a14">
+      <mc:AlternateContent xmlns:mc="http://schemas.openxmlformats.org/markup-compatibility/2006">
+        <mc:Choice xmlns:a14="http://schemas.microsoft.com/office/drawing/2010/main" Requires="a14">
           <p:sp>
             <p:nvSpPr>
-              <p:cNvPr id="4" name="TextBox 3">
-                <a:extLst>
-                  <a:ext uri="{FF2B5EF4-FFF2-40B4-BE49-F238E27FC236}">
-                    <a16:creationId xmlns:a16="http://schemas.microsoft.com/office/drawing/2014/main" id="{FC0D7852-A13F-F491-92FE-AF88341A3F9D}"/>
-                  </a:ext>
-                </a:extLst>
-              </p:cNvPr>
+              <p:cNvPr id="4" name="TextBox 3"/>
               <p:cNvSpPr txBox="1"/>
               <p:nvPr/>
             </p:nvSpPr>
@@ -20841,6 +19642,11 @@
                   </a:rPr>
                   <a:t>Tiếp tục ta tìm Momen lực do động cơ:</a:t>
                 </a:r>
+                <a:endParaRPr lang="en-US">
+                  <a:latin typeface="Times New Roman" panose="02020603050405020304" pitchFamily="18" charset="0"/>
+                  <a:ea typeface="Tahoma" panose="020B0604030504040204" pitchFamily="34" charset="0"/>
+                  <a:cs typeface="Times New Roman" panose="02020603050405020304" pitchFamily="18" charset="0"/>
+                </a:endParaRPr>
               </a:p>
               <a:p>
                 <a:pPr algn="ctr"/>
@@ -21208,9 +20014,12 @@
                   </a:rPr>
                   <a:t>Từ đó, các momen lực sinh ra:</a:t>
                 </a:r>
+                <a:endParaRPr lang="en-US">
+                  <a:latin typeface="Times New Roman" panose="02020603050405020304" pitchFamily="18" charset="0"/>
+                  <a:cs typeface="Times New Roman" panose="02020603050405020304" pitchFamily="18" charset="0"/>
+                </a:endParaRPr>
               </a:p>
               <a:p>
-                <a:pPr/>
                 <a14:m>
                   <m:oMathPara xmlns:m="http://schemas.openxmlformats.org/officeDocument/2006/math">
                     <m:oMathParaPr>
@@ -21347,7 +20156,13 @@
                                 <a:rPr lang="en-US" sz="1500" i="1">
                                   <a:latin typeface="Cambria Math" panose="02040503050406030204" pitchFamily="18" charset="0"/>
                                 </a:rPr>
-                                <m:t>−2</m:t>
+                                <m:t>−</m:t>
+                              </m:r>
+                              <m:r>
+                                <a:rPr lang="en-US" sz="1500" i="1">
+                                  <a:latin typeface="Cambria Math" panose="02040503050406030204" pitchFamily="18" charset="0"/>
+                                </a:rPr>
+                                <m:t>2</m:t>
                               </m:r>
                               <m:d>
                                 <m:dPr>
@@ -21419,7 +20234,13 @@
                                 <a:rPr lang="en-US" sz="1500" i="1">
                                   <a:latin typeface="Cambria Math" panose="02040503050406030204" pitchFamily="18" charset="0"/>
                                 </a:rPr>
-                                <m:t>+2</m:t>
+                                <m:t>+</m:t>
+                              </m:r>
+                              <m:r>
+                                <a:rPr lang="en-US" sz="1500" i="1">
+                                  <a:latin typeface="Cambria Math" panose="02040503050406030204" pitchFamily="18" charset="0"/>
+                                </a:rPr>
+                                <m:t>2</m:t>
                               </m:r>
                               <m:r>
                                 <a:rPr lang="en-US" sz="1500" i="1">
@@ -21449,7 +20270,9 @@
                                 <m:rPr>
                                   <m:nor/>
                                 </m:rPr>
-                                <a:rPr lang="en-US" sz="1500"/>
+                                <a:rPr lang="en-US" sz="1500">
+                                  <a:latin typeface="Cambria Math" panose="02040503050406030204" pitchFamily="18" charset="0"/>
+                                </a:rPr>
                                 <m:t> </m:t>
                               </m:r>
                             </m:e>
@@ -21562,7 +20385,13 @@
                                 <a:rPr lang="en-US" sz="1500" i="1">
                                   <a:latin typeface="Cambria Math" panose="02040503050406030204" pitchFamily="18" charset="0"/>
                                 </a:rPr>
-                                <m:t>−2</m:t>
+                                <m:t>−</m:t>
+                              </m:r>
+                              <m:r>
+                                <a:rPr lang="en-US" sz="1500" i="1">
+                                  <a:latin typeface="Cambria Math" panose="02040503050406030204" pitchFamily="18" charset="0"/>
+                                </a:rPr>
+                                <m:t>2</m:t>
                               </m:r>
                               <m:r>
                                 <a:rPr lang="en-US" sz="1500" i="1">
@@ -21592,7 +20421,13 @@
                                 <a:rPr lang="en-US" sz="1500" i="1">
                                   <a:latin typeface="Cambria Math" panose="02040503050406030204" pitchFamily="18" charset="0"/>
                                 </a:rPr>
-                                <m:t>−2</m:t>
+                                <m:t>−</m:t>
+                              </m:r>
+                              <m:r>
+                                <a:rPr lang="en-US" sz="1500" i="1">
+                                  <a:latin typeface="Cambria Math" panose="02040503050406030204" pitchFamily="18" charset="0"/>
+                                </a:rPr>
+                                <m:t>2</m:t>
                               </m:r>
                               <m:r>
                                 <a:rPr lang="en-US" sz="1500" i="1">
@@ -21622,7 +20457,9 @@
                                 <m:rPr>
                                   <m:nor/>
                                 </m:rPr>
-                                <a:rPr lang="en-US" sz="1500"/>
+                                <a:rPr lang="en-US" sz="1500">
+                                  <a:latin typeface="Cambria Math" panose="02040503050406030204" pitchFamily="18" charset="0"/>
+                                </a:rPr>
                                 <m:t> </m:t>
                               </m:r>
                             </m:e>
@@ -21908,7 +20745,9 @@
                                 <m:rPr>
                                   <m:nor/>
                                 </m:rPr>
-                                <a:rPr lang="en-US" sz="1500"/>
+                                <a:rPr lang="en-US" sz="1500">
+                                  <a:latin typeface="Cambria Math" panose="02040503050406030204" pitchFamily="18" charset="0"/>
+                                </a:rPr>
                                 <m:t> </m:t>
                               </m:r>
                             </m:e>
@@ -22169,16 +21008,10 @@
             </p:txBody>
           </p:sp>
         </mc:Choice>
-        <mc:Fallback xmlns="">
+        <mc:Fallback>
           <p:sp>
             <p:nvSpPr>
-              <p:cNvPr id="4" name="TextBox 3">
-                <a:extLst>
-                  <a:ext uri="{FF2B5EF4-FFF2-40B4-BE49-F238E27FC236}">
-                    <a16:creationId xmlns:a16="http://schemas.microsoft.com/office/drawing/2014/main" id="{FC0D7852-A13F-F491-92FE-AF88341A3F9D}"/>
-                  </a:ext>
-                </a:extLst>
-              </p:cNvPr>
+              <p:cNvPr id="4" name="TextBox 3"/>
               <p:cNvSpPr txBox="1">
                 <a:spLocks noRot="1" noChangeAspect="1" noMove="1" noResize="1" noEditPoints="1" noAdjustHandles="1" noChangeArrowheads="1" noChangeShapeType="1" noTextEdit="1"/>
               </p:cNvSpPr>
@@ -22192,19 +21025,33 @@
               <a:prstGeom prst="rect">
                 <a:avLst/>
               </a:prstGeom>
-              <a:blipFill>
-                <a:blip r:embed="rId2"/>
+              <a:blipFill rotWithShape="1">
+                <a:blip r:embed="rId1"/>
                 <a:stretch>
-                  <a:fillRect l="-662"/>
+                  <a:fillRect l="-129" t="-311" r="-121" b="-296"/>
                 </a:stretch>
               </a:blipFill>
             </p:spPr>
+            <p:style>
+              <a:lnRef idx="2">
+                <a:schemeClr val="accent1"/>
+              </a:lnRef>
+              <a:fillRef idx="1">
+                <a:schemeClr val="lt1"/>
+              </a:fillRef>
+              <a:effectRef idx="0">
+                <a:schemeClr val="accent1"/>
+              </a:effectRef>
+              <a:fontRef idx="minor">
+                <a:schemeClr val="dk1"/>
+              </a:fontRef>
+            </p:style>
             <p:txBody>
               <a:bodyPr/>
               <a:lstStyle/>
               <a:p>
                 <a:r>
-                  <a:rPr lang="en-US">
+                  <a:rPr lang="en-US" altLang="en-US">
                     <a:noFill/>
                   </a:rPr>
                   <a:t> </a:t>
@@ -22216,13 +21063,7 @@
       </mc:AlternateContent>
       <p:sp>
         <p:nvSpPr>
-          <p:cNvPr id="6" name="Slide Number Placeholder 5">
-            <a:extLst>
-              <a:ext uri="{FF2B5EF4-FFF2-40B4-BE49-F238E27FC236}">
-                <a16:creationId xmlns:a16="http://schemas.microsoft.com/office/drawing/2014/main" id="{11A7FF5A-2B32-2C56-6809-704C03936A1D}"/>
-              </a:ext>
-            </a:extLst>
-          </p:cNvPr>
+          <p:cNvPr id="6" name="Slide Number Placeholder 5"/>
           <p:cNvSpPr>
             <a:spLocks noGrp="1"/>
           </p:cNvSpPr>
@@ -22237,18 +21078,12 @@
           <a:p>
             <a:fld id="{442C1155-F164-44A2-862A-E50421BF24BC}" type="slidenum">
               <a:rPr lang="en-US" smtClean="0"/>
-              <a:t>6</a:t>
             </a:fld>
             <a:endParaRPr lang="en-US"/>
           </a:p>
         </p:txBody>
       </p:sp>
     </p:spTree>
-    <p:extLst>
-      <p:ext uri="{BB962C8B-B14F-4D97-AF65-F5344CB8AC3E}">
-        <p14:creationId xmlns:p14="http://schemas.microsoft.com/office/powerpoint/2010/main" val="3203077070"/>
-      </p:ext>
-    </p:extLst>
   </p:cSld>
   <p:clrMapOvr>
     <a:masterClrMapping/>
@@ -22405,17 +21240,11 @@
           <a:chExt cx="0" cy="0"/>
         </a:xfrm>
       </p:grpSpPr>
-      <mc:AlternateContent xmlns:mc="http://schemas.openxmlformats.org/markup-compatibility/2006" xmlns:a14="http://schemas.microsoft.com/office/drawing/2010/main">
-        <mc:Choice Requires="a14">
+      <mc:AlternateContent xmlns:mc="http://schemas.openxmlformats.org/markup-compatibility/2006">
+        <mc:Choice xmlns:a14="http://schemas.microsoft.com/office/drawing/2010/main" Requires="a14">
           <p:sp>
             <p:nvSpPr>
-              <p:cNvPr id="3" name="TextBox 2">
-                <a:extLst>
-                  <a:ext uri="{FF2B5EF4-FFF2-40B4-BE49-F238E27FC236}">
-                    <a16:creationId xmlns:a16="http://schemas.microsoft.com/office/drawing/2014/main" id="{96649130-291B-885E-1362-A3C441891BF6}"/>
-                  </a:ext>
-                </a:extLst>
-              </p:cNvPr>
+              <p:cNvPr id="3" name="TextBox 2"/>
               <p:cNvSpPr txBox="1"/>
               <p:nvPr/>
             </p:nvSpPr>
@@ -22464,7 +21293,6 @@
                 <a:endParaRPr lang="en-US" sz="1500"/>
               </a:p>
               <a:p>
-                <a:pPr/>
                 <a14:m>
                   <m:oMathPara xmlns:m="http://schemas.openxmlformats.org/officeDocument/2006/math">
                     <m:oMathParaPr>
@@ -22568,7 +21396,13 @@
                                     <a:rPr lang="en-US" sz="1500" i="1">
                                       <a:latin typeface="Cambria Math" panose="02040503050406030204" pitchFamily="18" charset="0"/>
                                     </a:rPr>
-                                    <m:t>+2</m:t>
+                                    <m:t>+</m:t>
+                                  </m:r>
+                                  <m:r>
+                                    <a:rPr lang="en-US" sz="1500" i="1">
+                                      <a:latin typeface="Cambria Math" panose="02040503050406030204" pitchFamily="18" charset="0"/>
+                                    </a:rPr>
+                                    <m:t>2</m:t>
                                   </m:r>
                                   <m:sSub>
                                     <m:sSubPr>
@@ -22599,7 +21433,13 @@
                                     <a:rPr lang="en-US" sz="1500" i="1">
                                       <a:latin typeface="Cambria Math" panose="02040503050406030204" pitchFamily="18" charset="0"/>
                                     </a:rPr>
-                                    <m:t>+2</m:t>
+                                    <m:t>+</m:t>
+                                  </m:r>
+                                  <m:r>
+                                    <a:rPr lang="en-US" sz="1500" i="1">
+                                      <a:latin typeface="Cambria Math" panose="02040503050406030204" pitchFamily="18" charset="0"/>
+                                    </a:rPr>
+                                    <m:t>2</m:t>
                                   </m:r>
                                   <m:sSup>
                                     <m:sSupPr>
@@ -22702,7 +21542,13 @@
                                     <a:rPr lang="en-US" sz="1500" i="1">
                                       <a:latin typeface="Cambria Math" panose="02040503050406030204" pitchFamily="18" charset="0"/>
                                     </a:rPr>
-                                    <m:t>−2</m:t>
+                                    <m:t>−</m:t>
+                                  </m:r>
+                                  <m:r>
+                                    <a:rPr lang="en-US" sz="1500" i="1">
+                                      <a:latin typeface="Cambria Math" panose="02040503050406030204" pitchFamily="18" charset="0"/>
+                                    </a:rPr>
+                                    <m:t>2</m:t>
                                   </m:r>
                                   <m:sSup>
                                     <m:sSupPr>
@@ -22912,7 +21758,13 @@
                                 <a:rPr lang="en-US" sz="1500" i="1">
                                   <a:latin typeface="Cambria Math" panose="02040503050406030204" pitchFamily="18" charset="0"/>
                                 </a:rPr>
-                                <m:t>−2</m:t>
+                                <m:t>−</m:t>
+                              </m:r>
+                              <m:r>
+                                <a:rPr lang="en-US" sz="1500" i="1">
+                                  <a:latin typeface="Cambria Math" panose="02040503050406030204" pitchFamily="18" charset="0"/>
+                                </a:rPr>
+                                <m:t>2</m:t>
                               </m:r>
                               <m:d>
                                 <m:dPr>
@@ -22984,7 +21836,13 @@
                                 <a:rPr lang="en-US" sz="1500" i="1">
                                   <a:latin typeface="Cambria Math" panose="02040503050406030204" pitchFamily="18" charset="0"/>
                                 </a:rPr>
-                                <m:t>+2</m:t>
+                                <m:t>+</m:t>
+                              </m:r>
+                              <m:r>
+                                <a:rPr lang="en-US" sz="1500" i="1">
+                                  <a:latin typeface="Cambria Math" panose="02040503050406030204" pitchFamily="18" charset="0"/>
+                                </a:rPr>
+                                <m:t>2</m:t>
                               </m:r>
                               <m:r>
                                 <a:rPr lang="en-US" sz="1500" i="1">
@@ -23037,7 +21895,13 @@
                                     <a:rPr lang="en-US" sz="1500" i="1">
                                       <a:latin typeface="Cambria Math" panose="02040503050406030204" pitchFamily="18" charset="0"/>
                                     </a:rPr>
-                                    <m:t>−2</m:t>
+                                    <m:t>−</m:t>
+                                  </m:r>
+                                  <m:r>
+                                    <a:rPr lang="en-US" sz="1500" i="1">
+                                      <a:latin typeface="Cambria Math" panose="02040503050406030204" pitchFamily="18" charset="0"/>
+                                    </a:rPr>
+                                    <m:t>2</m:t>
                                   </m:r>
                                   <m:sSup>
                                     <m:sSupPr>
@@ -23190,7 +22054,13 @@
                                     <a:rPr lang="en-US" sz="1500" i="1">
                                       <a:latin typeface="Cambria Math" panose="02040503050406030204" pitchFamily="18" charset="0"/>
                                     </a:rPr>
-                                    <m:t>+2</m:t>
+                                    <m:t>+</m:t>
+                                  </m:r>
+                                  <m:r>
+                                    <a:rPr lang="en-US" sz="1500" i="1">
+                                      <a:latin typeface="Cambria Math" panose="02040503050406030204" pitchFamily="18" charset="0"/>
+                                    </a:rPr>
+                                    <m:t>2</m:t>
                                   </m:r>
                                   <m:sSup>
                                     <m:sSupPr>
@@ -23449,7 +22319,13 @@
                                 <a:rPr lang="en-US" sz="1500" i="1">
                                   <a:latin typeface="Cambria Math" panose="02040503050406030204" pitchFamily="18" charset="0"/>
                                 </a:rPr>
-                                <m:t>−2</m:t>
+                                <m:t>−</m:t>
+                              </m:r>
+                              <m:r>
+                                <a:rPr lang="en-US" sz="1500" i="1">
+                                  <a:latin typeface="Cambria Math" panose="02040503050406030204" pitchFamily="18" charset="0"/>
+                                </a:rPr>
+                                <m:t>2</m:t>
                               </m:r>
                               <m:r>
                                 <a:rPr lang="en-US" sz="1500" i="1">
@@ -23479,7 +22355,13 @@
                                 <a:rPr lang="en-US" sz="1500" i="1">
                                   <a:latin typeface="Cambria Math" panose="02040503050406030204" pitchFamily="18" charset="0"/>
                                 </a:rPr>
-                                <m:t>−2</m:t>
+                                <m:t>−</m:t>
+                              </m:r>
+                              <m:r>
+                                <a:rPr lang="en-US" sz="1500" i="1">
+                                  <a:latin typeface="Cambria Math" panose="02040503050406030204" pitchFamily="18" charset="0"/>
+                                </a:rPr>
+                                <m:t>2</m:t>
                               </m:r>
                               <m:r>
                                 <a:rPr lang="en-US" sz="1500" i="1">
@@ -23876,7 +22758,13 @@
                                 <a:rPr lang="en-US" sz="1500" i="1">
                                   <a:latin typeface="Cambria Math" panose="02040503050406030204" pitchFamily="18" charset="0"/>
                                 </a:rPr>
-                                <m:t>+2</m:t>
+                                <m:t>+</m:t>
+                              </m:r>
+                              <m:r>
+                                <a:rPr lang="en-US" sz="1500" i="1">
+                                  <a:latin typeface="Cambria Math" panose="02040503050406030204" pitchFamily="18" charset="0"/>
+                                </a:rPr>
+                                <m:t>2</m:t>
                               </m:r>
                               <m:r>
                                 <a:rPr lang="en-US" sz="1500" i="1">
@@ -24236,16 +23124,10 @@
             </p:txBody>
           </p:sp>
         </mc:Choice>
-        <mc:Fallback xmlns="">
+        <mc:Fallback>
           <p:sp>
             <p:nvSpPr>
-              <p:cNvPr id="3" name="TextBox 2">
-                <a:extLst>
-                  <a:ext uri="{FF2B5EF4-FFF2-40B4-BE49-F238E27FC236}">
-                    <a16:creationId xmlns:a16="http://schemas.microsoft.com/office/drawing/2014/main" id="{96649130-291B-885E-1362-A3C441891BF6}"/>
-                  </a:ext>
-                </a:extLst>
-              </p:cNvPr>
+              <p:cNvPr id="3" name="TextBox 2"/>
               <p:cNvSpPr txBox="1">
                 <a:spLocks noRot="1" noChangeAspect="1" noMove="1" noResize="1" noEditPoints="1" noAdjustHandles="1" noChangeArrowheads="1" noChangeShapeType="1" noTextEdit="1"/>
               </p:cNvSpPr>
@@ -24259,19 +23141,33 @@
               <a:prstGeom prst="rect">
                 <a:avLst/>
               </a:prstGeom>
-              <a:blipFill>
-                <a:blip r:embed="rId2"/>
+              <a:blipFill rotWithShape="1">
+                <a:blip r:embed="rId1"/>
                 <a:stretch>
-                  <a:fillRect l="-519" t="-1379"/>
+                  <a:fillRect l="-103" t="-580" r="-96" b="-543"/>
                 </a:stretch>
               </a:blipFill>
             </p:spPr>
+            <p:style>
+              <a:lnRef idx="2">
+                <a:schemeClr val="accent1"/>
+              </a:lnRef>
+              <a:fillRef idx="1">
+                <a:schemeClr val="lt1"/>
+              </a:fillRef>
+              <a:effectRef idx="0">
+                <a:schemeClr val="accent1"/>
+              </a:effectRef>
+              <a:fontRef idx="minor">
+                <a:schemeClr val="dk1"/>
+              </a:fontRef>
+            </p:style>
             <p:txBody>
               <a:bodyPr/>
               <a:lstStyle/>
               <a:p>
                 <a:r>
-                  <a:rPr lang="en-US">
+                  <a:rPr lang="en-US" altLang="en-US">
                     <a:noFill/>
                   </a:rPr>
                   <a:t> </a:t>
@@ -24283,13 +23179,7 @@
       </mc:AlternateContent>
       <p:sp>
         <p:nvSpPr>
-          <p:cNvPr id="6" name="Slide Number Placeholder 5">
-            <a:extLst>
-              <a:ext uri="{FF2B5EF4-FFF2-40B4-BE49-F238E27FC236}">
-                <a16:creationId xmlns:a16="http://schemas.microsoft.com/office/drawing/2014/main" id="{B3EC18ED-22E2-5416-1F94-403159F3AEE8}"/>
-              </a:ext>
-            </a:extLst>
-          </p:cNvPr>
+          <p:cNvPr id="6" name="Slide Number Placeholder 5"/>
           <p:cNvSpPr>
             <a:spLocks noGrp="1"/>
           </p:cNvSpPr>
@@ -24304,18 +23194,12 @@
           <a:p>
             <a:fld id="{442C1155-F164-44A2-862A-E50421BF24BC}" type="slidenum">
               <a:rPr lang="en-US" smtClean="0"/>
-              <a:t>7</a:t>
             </a:fld>
             <a:endParaRPr lang="en-US"/>
           </a:p>
         </p:txBody>
       </p:sp>
     </p:spTree>
-    <p:extLst>
-      <p:ext uri="{BB962C8B-B14F-4D97-AF65-F5344CB8AC3E}">
-        <p14:creationId xmlns:p14="http://schemas.microsoft.com/office/powerpoint/2010/main" val="3065325403"/>
-      </p:ext>
-    </p:extLst>
   </p:cSld>
   <p:clrMapOvr>
     <a:masterClrMapping/>
@@ -24472,17 +23356,11 @@
           <a:chExt cx="0" cy="0"/>
         </a:xfrm>
       </p:grpSpPr>
-      <mc:AlternateContent xmlns:mc="http://schemas.openxmlformats.org/markup-compatibility/2006" xmlns:a14="http://schemas.microsoft.com/office/drawing/2010/main">
-        <mc:Choice Requires="a14">
+      <mc:AlternateContent xmlns:mc="http://schemas.openxmlformats.org/markup-compatibility/2006">
+        <mc:Choice xmlns:a14="http://schemas.microsoft.com/office/drawing/2010/main" Requires="a14">
           <p:sp>
             <p:nvSpPr>
-              <p:cNvPr id="3" name="TextBox 2">
-                <a:extLst>
-                  <a:ext uri="{FF2B5EF4-FFF2-40B4-BE49-F238E27FC236}">
-                    <a16:creationId xmlns:a16="http://schemas.microsoft.com/office/drawing/2014/main" id="{96649130-291B-885E-1362-A3C441891BF6}"/>
-                  </a:ext>
-                </a:extLst>
-              </p:cNvPr>
+              <p:cNvPr id="3" name="TextBox 2"/>
               <p:cNvSpPr txBox="1"/>
               <p:nvPr/>
             </p:nvSpPr>
@@ -24522,6 +23400,10 @@
                   </a:rPr>
                   <a:t>Giả sử ta đặt các biến trạng thái như sau:</a:t>
                 </a:r>
+                <a:endParaRPr lang="en-US">
+                  <a:latin typeface="Times New Roman" panose="02020603050405020304" pitchFamily="18" charset="0"/>
+                  <a:cs typeface="Times New Roman" panose="02020603050405020304" pitchFamily="18" charset="0"/>
+                </a:endParaRPr>
               </a:p>
               <a:p>
                 <a:r>
@@ -24602,6 +23484,10 @@
                   </a:rPr>
                   <a:t>, là góc quay và vận tốc góc quay bánh xe</a:t>
                 </a:r>
+                <a:endParaRPr lang="en-US">
+                  <a:latin typeface="Times New Roman" panose="02020603050405020304" pitchFamily="18" charset="0"/>
+                  <a:cs typeface="Times New Roman" panose="02020603050405020304" pitchFamily="18" charset="0"/>
+                </a:endParaRPr>
               </a:p>
               <a:p>
                 <a:r>
@@ -24682,6 +23568,10 @@
                   </a:rPr>
                   <a:t>, là góc nghiêng và vận tốc nghiêng của thân Robot</a:t>
                 </a:r>
+                <a:endParaRPr lang="en-US">
+                  <a:latin typeface="Times New Roman" panose="02020603050405020304" pitchFamily="18" charset="0"/>
+                  <a:cs typeface="Times New Roman" panose="02020603050405020304" pitchFamily="18" charset="0"/>
+                </a:endParaRPr>
               </a:p>
               <a:p>
                 <a:r>
@@ -24762,6 +23652,10 @@
                   </a:rPr>
                   <a:t>, là góc xoay và vận tốc xoay của Robot</a:t>
                 </a:r>
+                <a:endParaRPr lang="en-US">
+                  <a:latin typeface="Times New Roman" panose="02020603050405020304" pitchFamily="18" charset="0"/>
+                  <a:cs typeface="Times New Roman" panose="02020603050405020304" pitchFamily="18" charset="0"/>
+                </a:endParaRPr>
               </a:p>
               <a:p>
                 <a:endParaRPr lang="en-US" sz="1500">
@@ -24772,16 +23666,10 @@
             </p:txBody>
           </p:sp>
         </mc:Choice>
-        <mc:Fallback xmlns="">
+        <mc:Fallback>
           <p:sp>
             <p:nvSpPr>
-              <p:cNvPr id="3" name="TextBox 2">
-                <a:extLst>
-                  <a:ext uri="{FF2B5EF4-FFF2-40B4-BE49-F238E27FC236}">
-                    <a16:creationId xmlns:a16="http://schemas.microsoft.com/office/drawing/2014/main" id="{96649130-291B-885E-1362-A3C441891BF6}"/>
-                  </a:ext>
-                </a:extLst>
-              </p:cNvPr>
+              <p:cNvPr id="3" name="TextBox 2"/>
               <p:cNvSpPr txBox="1">
                 <a:spLocks noRot="1" noChangeAspect="1" noMove="1" noResize="1" noEditPoints="1" noAdjustHandles="1" noChangeArrowheads="1" noChangeShapeType="1" noTextEdit="1"/>
               </p:cNvSpPr>
@@ -24795,19 +23683,33 @@
               <a:prstGeom prst="rect">
                 <a:avLst/>
               </a:prstGeom>
-              <a:blipFill>
-                <a:blip r:embed="rId2"/>
+              <a:blipFill rotWithShape="1">
+                <a:blip r:embed="rId1"/>
                 <a:stretch>
-                  <a:fillRect l="-480" t="-2049"/>
+                  <a:fillRect l="-108" t="-689" r="-100" b="-634"/>
                 </a:stretch>
               </a:blipFill>
             </p:spPr>
+            <p:style>
+              <a:lnRef idx="2">
+                <a:schemeClr val="accent1"/>
+              </a:lnRef>
+              <a:fillRef idx="1">
+                <a:schemeClr val="lt1"/>
+              </a:fillRef>
+              <a:effectRef idx="0">
+                <a:schemeClr val="accent1"/>
+              </a:effectRef>
+              <a:fontRef idx="minor">
+                <a:schemeClr val="dk1"/>
+              </a:fontRef>
+            </p:style>
             <p:txBody>
               <a:bodyPr/>
               <a:lstStyle/>
               <a:p>
                 <a:r>
-                  <a:rPr lang="en-US">
+                  <a:rPr lang="en-US" altLang="en-US">
                     <a:noFill/>
                   </a:rPr>
                   <a:t> </a:t>
@@ -24819,13 +23721,7 @@
       </mc:AlternateContent>
       <p:sp>
         <p:nvSpPr>
-          <p:cNvPr id="6" name="Slide Number Placeholder 5">
-            <a:extLst>
-              <a:ext uri="{FF2B5EF4-FFF2-40B4-BE49-F238E27FC236}">
-                <a16:creationId xmlns:a16="http://schemas.microsoft.com/office/drawing/2014/main" id="{B3EC18ED-22E2-5416-1F94-403159F3AEE8}"/>
-              </a:ext>
-            </a:extLst>
-          </p:cNvPr>
+          <p:cNvPr id="6" name="Slide Number Placeholder 5"/>
           <p:cNvSpPr>
             <a:spLocks noGrp="1"/>
           </p:cNvSpPr>
@@ -24840,23 +23736,16 @@
           <a:p>
             <a:fld id="{442C1155-F164-44A2-862A-E50421BF24BC}" type="slidenum">
               <a:rPr lang="en-US" smtClean="0"/>
-              <a:t>8</a:t>
             </a:fld>
             <a:endParaRPr lang="en-US"/>
           </a:p>
         </p:txBody>
       </p:sp>
-      <mc:AlternateContent xmlns:mc="http://schemas.openxmlformats.org/markup-compatibility/2006" xmlns:a14="http://schemas.microsoft.com/office/drawing/2010/main">
-        <mc:Choice Requires="a14">
+      <mc:AlternateContent xmlns:mc="http://schemas.openxmlformats.org/markup-compatibility/2006">
+        <mc:Choice xmlns:a14="http://schemas.microsoft.com/office/drawing/2010/main" Requires="a14">
           <p:sp>
             <p:nvSpPr>
-              <p:cNvPr id="4" name="TextBox 3">
-                <a:extLst>
-                  <a:ext uri="{FF2B5EF4-FFF2-40B4-BE49-F238E27FC236}">
-                    <a16:creationId xmlns:a16="http://schemas.microsoft.com/office/drawing/2014/main" id="{3339FCDE-C1D0-BF45-C04F-DD848E66914C}"/>
-                  </a:ext>
-                </a:extLst>
-              </p:cNvPr>
+              <p:cNvPr id="4" name="TextBox 3"/>
               <p:cNvSpPr txBox="1"/>
               <p:nvPr/>
             </p:nvSpPr>
@@ -24876,7 +23765,6 @@
               </a:bodyPr>
               <a:lstStyle/>
               <a:p>
-                <a:pPr/>
                 <a14:m>
                   <m:oMathPara xmlns:m="http://schemas.openxmlformats.org/officeDocument/2006/math">
                     <m:oMathParaPr>
@@ -26465,16 +25353,10 @@
             </p:txBody>
           </p:sp>
         </mc:Choice>
-        <mc:Fallback xmlns="">
+        <mc:Fallback>
           <p:sp>
             <p:nvSpPr>
-              <p:cNvPr id="4" name="TextBox 3">
-                <a:extLst>
-                  <a:ext uri="{FF2B5EF4-FFF2-40B4-BE49-F238E27FC236}">
-                    <a16:creationId xmlns:a16="http://schemas.microsoft.com/office/drawing/2014/main" id="{3339FCDE-C1D0-BF45-C04F-DD848E66914C}"/>
-                  </a:ext>
-                </a:extLst>
-              </p:cNvPr>
+              <p:cNvPr id="4" name="TextBox 3"/>
               <p:cNvSpPr txBox="1">
                 <a:spLocks noRot="1" noChangeAspect="1" noMove="1" noResize="1" noEditPoints="1" noAdjustHandles="1" noChangeArrowheads="1" noChangeShapeType="1" noTextEdit="1"/>
               </p:cNvSpPr>
@@ -26488,10 +25370,10 @@
               <a:prstGeom prst="rect">
                 <a:avLst/>
               </a:prstGeom>
-              <a:blipFill>
-                <a:blip r:embed="rId3"/>
+              <a:blipFill rotWithShape="1">
+                <a:blip r:embed="rId2"/>
                 <a:stretch>
-                  <a:fillRect/>
+                  <a:fillRect t="-3" r="-2347" b="12"/>
                 </a:stretch>
               </a:blipFill>
             </p:spPr>
@@ -26500,7 +25382,7 @@
               <a:lstStyle/>
               <a:p>
                 <a:r>
-                  <a:rPr lang="en-US">
+                  <a:rPr lang="en-US" altLang="en-US">
                     <a:noFill/>
                   </a:rPr>
                   <a:t> </a:t>
@@ -26510,17 +25392,11 @@
           </p:sp>
         </mc:Fallback>
       </mc:AlternateContent>
-      <mc:AlternateContent xmlns:mc="http://schemas.openxmlformats.org/markup-compatibility/2006" xmlns:a14="http://schemas.microsoft.com/office/drawing/2010/main">
-        <mc:Choice Requires="a14">
+      <mc:AlternateContent xmlns:mc="http://schemas.openxmlformats.org/markup-compatibility/2006">
+        <mc:Choice xmlns:a14="http://schemas.microsoft.com/office/drawing/2010/main" Requires="a14">
           <p:sp>
             <p:nvSpPr>
-              <p:cNvPr id="8" name="TextBox 7">
-                <a:extLst>
-                  <a:ext uri="{FF2B5EF4-FFF2-40B4-BE49-F238E27FC236}">
-                    <a16:creationId xmlns:a16="http://schemas.microsoft.com/office/drawing/2014/main" id="{22DB5ABA-5043-0E01-440D-3C830B862684}"/>
-                  </a:ext>
-                </a:extLst>
-              </p:cNvPr>
+              <p:cNvPr id="8" name="TextBox 7"/>
               <p:cNvSpPr txBox="1"/>
               <p:nvPr/>
             </p:nvSpPr>
@@ -27017,16 +25893,10 @@
             </p:txBody>
           </p:sp>
         </mc:Choice>
-        <mc:Fallback xmlns="">
+        <mc:Fallback>
           <p:sp>
             <p:nvSpPr>
-              <p:cNvPr id="8" name="TextBox 7">
-                <a:extLst>
-                  <a:ext uri="{FF2B5EF4-FFF2-40B4-BE49-F238E27FC236}">
-                    <a16:creationId xmlns:a16="http://schemas.microsoft.com/office/drawing/2014/main" id="{22DB5ABA-5043-0E01-440D-3C830B862684}"/>
-                  </a:ext>
-                </a:extLst>
-              </p:cNvPr>
+              <p:cNvPr id="8" name="TextBox 7"/>
               <p:cNvSpPr txBox="1">
                 <a:spLocks noRot="1" noChangeAspect="1" noMove="1" noResize="1" noEditPoints="1" noAdjustHandles="1" noChangeArrowheads="1" noChangeShapeType="1" noTextEdit="1"/>
               </p:cNvSpPr>
@@ -27040,10 +25910,10 @@
               <a:prstGeom prst="rect">
                 <a:avLst/>
               </a:prstGeom>
-              <a:blipFill>
-                <a:blip r:embed="rId4"/>
+              <a:blipFill rotWithShape="1">
+                <a:blip r:embed="rId3"/>
                 <a:stretch>
-                  <a:fillRect l="-984" b="-15789"/>
+                  <a:fillRect t="-78" r="10" b="92"/>
                 </a:stretch>
               </a:blipFill>
             </p:spPr>
@@ -27052,7 +25922,7 @@
               <a:lstStyle/>
               <a:p>
                 <a:r>
-                  <a:rPr lang="en-US">
+                  <a:rPr lang="en-US" altLang="en-US">
                     <a:noFill/>
                   </a:rPr>
                   <a:t> </a:t>
@@ -27063,11 +25933,6 @@
         </mc:Fallback>
       </mc:AlternateContent>
     </p:spTree>
-    <p:extLst>
-      <p:ext uri="{BB962C8B-B14F-4D97-AF65-F5344CB8AC3E}">
-        <p14:creationId xmlns:p14="http://schemas.microsoft.com/office/powerpoint/2010/main" val="2556327143"/>
-      </p:ext>
-    </p:extLst>
   </p:cSld>
   <p:clrMapOvr>
     <a:masterClrMapping/>
@@ -27226,13 +26091,7 @@
       </p:grpSpPr>
       <p:sp>
         <p:nvSpPr>
-          <p:cNvPr id="6" name="Slide Number Placeholder 5">
-            <a:extLst>
-              <a:ext uri="{FF2B5EF4-FFF2-40B4-BE49-F238E27FC236}">
-                <a16:creationId xmlns:a16="http://schemas.microsoft.com/office/drawing/2014/main" id="{B3EC18ED-22E2-5416-1F94-403159F3AEE8}"/>
-              </a:ext>
-            </a:extLst>
-          </p:cNvPr>
+          <p:cNvPr id="6" name="Slide Number Placeholder 5"/>
           <p:cNvSpPr>
             <a:spLocks noGrp="1"/>
           </p:cNvSpPr>
@@ -27247,23 +26106,16 @@
           <a:p>
             <a:fld id="{442C1155-F164-44A2-862A-E50421BF24BC}" type="slidenum">
               <a:rPr lang="en-US" smtClean="0"/>
-              <a:t>9</a:t>
             </a:fld>
             <a:endParaRPr lang="en-US"/>
           </a:p>
         </p:txBody>
       </p:sp>
-      <mc:AlternateContent xmlns:mc="http://schemas.openxmlformats.org/markup-compatibility/2006" xmlns:a14="http://schemas.microsoft.com/office/drawing/2010/main">
-        <mc:Choice Requires="a14">
+      <mc:AlternateContent xmlns:mc="http://schemas.openxmlformats.org/markup-compatibility/2006">
+        <mc:Choice xmlns:a14="http://schemas.microsoft.com/office/drawing/2010/main" Requires="a14">
           <p:sp>
             <p:nvSpPr>
-              <p:cNvPr id="5" name="TextBox 4">
-                <a:extLst>
-                  <a:ext uri="{FF2B5EF4-FFF2-40B4-BE49-F238E27FC236}">
-                    <a16:creationId xmlns:a16="http://schemas.microsoft.com/office/drawing/2014/main" id="{A8F8C2E5-6078-95A9-1C8A-ADE920BE239C}"/>
-                  </a:ext>
-                </a:extLst>
-              </p:cNvPr>
+              <p:cNvPr id="5" name="TextBox 4"/>
               <p:cNvSpPr txBox="1"/>
               <p:nvPr/>
             </p:nvSpPr>
@@ -27292,6 +26144,11 @@
                   </a:rPr>
                   <a:t>Nếu chọn điểm làm việc là:</a:t>
                 </a:r>
+                <a:endParaRPr lang="en-US" sz="1700">
+                  <a:effectLst/>
+                  <a:latin typeface="Times New Roman" panose="02020603050405020304" pitchFamily="18" charset="0"/>
+                  <a:ea typeface="Times New Roman" panose="02020603050405020304" pitchFamily="18" charset="0"/>
+                </a:endParaRPr>
               </a:p>
               <a:p>
                 <a:pPr marL="457200" indent="457200" algn="just"/>
@@ -27366,7 +26223,87 @@
                                 <a:latin typeface="Cambria Math" panose="02040503050406030204" pitchFamily="18" charset="0"/>
                                 <a:ea typeface="Times New Roman" panose="02020603050405020304" pitchFamily="18" charset="0"/>
                               </a:rPr>
-                              <m:t>0 0 0 0 0 0</m:t>
+                              <m:t>0</m:t>
+                            </m:r>
+                            <m:r>
+                              <a:rPr lang="en-US" sz="1700" i="1">
+                                <a:effectLst/>
+                                <a:latin typeface="Cambria Math" panose="02040503050406030204" pitchFamily="18" charset="0"/>
+                                <a:ea typeface="Times New Roman" panose="02020603050405020304" pitchFamily="18" charset="0"/>
+                              </a:rPr>
+                              <m:t> </m:t>
+                            </m:r>
+                            <m:r>
+                              <a:rPr lang="en-US" sz="1700" i="1">
+                                <a:effectLst/>
+                                <a:latin typeface="Cambria Math" panose="02040503050406030204" pitchFamily="18" charset="0"/>
+                                <a:ea typeface="Times New Roman" panose="02020603050405020304" pitchFamily="18" charset="0"/>
+                              </a:rPr>
+                              <m:t>0</m:t>
+                            </m:r>
+                            <m:r>
+                              <a:rPr lang="en-US" sz="1700" i="1">
+                                <a:effectLst/>
+                                <a:latin typeface="Cambria Math" panose="02040503050406030204" pitchFamily="18" charset="0"/>
+                                <a:ea typeface="Times New Roman" panose="02020603050405020304" pitchFamily="18" charset="0"/>
+                              </a:rPr>
+                              <m:t> </m:t>
+                            </m:r>
+                            <m:r>
+                              <a:rPr lang="en-US" sz="1700" i="1">
+                                <a:effectLst/>
+                                <a:latin typeface="Cambria Math" panose="02040503050406030204" pitchFamily="18" charset="0"/>
+                                <a:ea typeface="Times New Roman" panose="02020603050405020304" pitchFamily="18" charset="0"/>
+                              </a:rPr>
+                              <m:t>0</m:t>
+                            </m:r>
+                            <m:r>
+                              <a:rPr lang="en-US" sz="1700" i="1">
+                                <a:effectLst/>
+                                <a:latin typeface="Cambria Math" panose="02040503050406030204" pitchFamily="18" charset="0"/>
+                                <a:ea typeface="Times New Roman" panose="02020603050405020304" pitchFamily="18" charset="0"/>
+                              </a:rPr>
+                              <m:t> </m:t>
+                            </m:r>
+                            <m:r>
+                              <a:rPr lang="en-US" sz="1700" i="1">
+                                <a:effectLst/>
+                                <a:latin typeface="Cambria Math" panose="02040503050406030204" pitchFamily="18" charset="0"/>
+                                <a:ea typeface="Times New Roman" panose="02020603050405020304" pitchFamily="18" charset="0"/>
+                              </a:rPr>
+                              <m:t>0</m:t>
+                            </m:r>
+                            <m:r>
+                              <a:rPr lang="en-US" sz="1700" i="1">
+                                <a:effectLst/>
+                                <a:latin typeface="Cambria Math" panose="02040503050406030204" pitchFamily="18" charset="0"/>
+                                <a:ea typeface="Times New Roman" panose="02020603050405020304" pitchFamily="18" charset="0"/>
+                              </a:rPr>
+                              <m:t> </m:t>
+                            </m:r>
+                            <m:r>
+                              <a:rPr lang="en-US" sz="1700" i="1">
+                                <a:effectLst/>
+                                <a:latin typeface="Cambria Math" panose="02040503050406030204" pitchFamily="18" charset="0"/>
+                                <a:ea typeface="Times New Roman" panose="02020603050405020304" pitchFamily="18" charset="0"/>
+                              </a:rPr>
+                              <m:t>0</m:t>
+                            </m:r>
+                            <m:r>
+                              <a:rPr lang="en-US" sz="1700" i="1">
+                                <a:effectLst/>
+                                <a:latin typeface="Cambria Math" panose="02040503050406030204" pitchFamily="18" charset="0"/>
+                                <a:ea typeface="Times New Roman" panose="02020603050405020304" pitchFamily="18" charset="0"/>
+                              </a:rPr>
+                              <m:t> </m:t>
+                            </m:r>
+                            <m:r>
+                              <a:rPr lang="en-US" sz="1700" i="1">
+                                <a:effectLst/>
+                                <a:latin typeface="Cambria Math" panose="02040503050406030204" pitchFamily="18" charset="0"/>
+                                <a:ea typeface="Times New Roman" panose="02020603050405020304" pitchFamily="18" charset="0"/>
+                              </a:rPr>
+                              <m:t>0</m:t>
                             </m:r>
                           </m:e>
                         </m:d>
@@ -27463,7 +26400,23 @@
                                 <a:latin typeface="Cambria Math" panose="02040503050406030204" pitchFamily="18" charset="0"/>
                                 <a:ea typeface="Times New Roman" panose="02020603050405020304" pitchFamily="18" charset="0"/>
                               </a:rPr>
-                              <m:t>0 0</m:t>
+                              <m:t>0</m:t>
+                            </m:r>
+                            <m:r>
+                              <a:rPr lang="en-US" sz="1700" i="1">
+                                <a:effectLst/>
+                                <a:latin typeface="Cambria Math" panose="02040503050406030204" pitchFamily="18" charset="0"/>
+                                <a:ea typeface="Times New Roman" panose="02020603050405020304" pitchFamily="18" charset="0"/>
+                              </a:rPr>
+                              <m:t> </m:t>
+                            </m:r>
+                            <m:r>
+                              <a:rPr lang="en-US" sz="1700" i="1">
+                                <a:effectLst/>
+                                <a:latin typeface="Cambria Math" panose="02040503050406030204" pitchFamily="18" charset="0"/>
+                                <a:ea typeface="Times New Roman" panose="02020603050405020304" pitchFamily="18" charset="0"/>
+                              </a:rPr>
+                              <m:t>0</m:t>
                             </m:r>
                           </m:e>
                         </m:d>
@@ -27707,16 +26660,10 @@
             </p:txBody>
           </p:sp>
         </mc:Choice>
-        <mc:Fallback xmlns="">
+        <mc:Fallback>
           <p:sp>
             <p:nvSpPr>
-              <p:cNvPr id="5" name="TextBox 4">
-                <a:extLst>
-                  <a:ext uri="{FF2B5EF4-FFF2-40B4-BE49-F238E27FC236}">
-                    <a16:creationId xmlns:a16="http://schemas.microsoft.com/office/drawing/2014/main" id="{A8F8C2E5-6078-95A9-1C8A-ADE920BE239C}"/>
-                  </a:ext>
-                </a:extLst>
-              </p:cNvPr>
+              <p:cNvPr id="5" name="TextBox 4"/>
               <p:cNvSpPr txBox="1">
                 <a:spLocks noRot="1" noChangeAspect="1" noMove="1" noResize="1" noEditPoints="1" noAdjustHandles="1" noChangeArrowheads="1" noChangeShapeType="1" noTextEdit="1"/>
               </p:cNvSpPr>
@@ -27730,10 +26677,10 @@
               <a:prstGeom prst="rect">
                 <a:avLst/>
               </a:prstGeom>
-              <a:blipFill>
-                <a:blip r:embed="rId2"/>
+              <a:blipFill rotWithShape="1">
+                <a:blip r:embed="rId1"/>
                 <a:stretch>
-                  <a:fillRect t="-1163"/>
+                  <a:fillRect l="-4" t="-16" r="3" b="15"/>
                 </a:stretch>
               </a:blipFill>
             </p:spPr>
@@ -27742,7 +26689,7 @@
               <a:lstStyle/>
               <a:p>
                 <a:r>
-                  <a:rPr lang="en-US">
+                  <a:rPr lang="en-US" altLang="en-US">
                     <a:noFill/>
                   </a:rPr>
                   <a:t> </a:t>
@@ -27752,17 +26699,11 @@
           </p:sp>
         </mc:Fallback>
       </mc:AlternateContent>
-      <mc:AlternateContent xmlns:mc="http://schemas.openxmlformats.org/markup-compatibility/2006" xmlns:a14="http://schemas.microsoft.com/office/drawing/2010/main">
-        <mc:Choice Requires="a14">
+      <mc:AlternateContent xmlns:mc="http://schemas.openxmlformats.org/markup-compatibility/2006">
+        <mc:Choice xmlns:a14="http://schemas.microsoft.com/office/drawing/2010/main" Requires="a14">
           <p:sp>
             <p:nvSpPr>
-              <p:cNvPr id="9" name="TextBox 8">
-                <a:extLst>
-                  <a:ext uri="{FF2B5EF4-FFF2-40B4-BE49-F238E27FC236}">
-                    <a16:creationId xmlns:a16="http://schemas.microsoft.com/office/drawing/2014/main" id="{0DFC1B3C-F277-FAA9-2AD7-919611EEDD13}"/>
-                  </a:ext>
-                </a:extLst>
-              </p:cNvPr>
+              <p:cNvPr id="9" name="TextBox 8"/>
               <p:cNvSpPr txBox="1"/>
               <p:nvPr/>
             </p:nvSpPr>
@@ -27782,7 +26723,6 @@
               </a:bodyPr>
               <a:lstStyle/>
               <a:p>
-                <a:pPr/>
                 <a14:m>
                   <m:oMathPara xmlns:m="http://schemas.openxmlformats.org/officeDocument/2006/math">
                     <m:oMathParaPr>
@@ -27817,7 +26757,6 @@
                         <m:e>
                           <m:m>
                             <m:mPr>
-                              <m:plcHide m:val="on"/>
                               <m:mcs>
                                 <m:mc>
                                   <m:mcPr>
@@ -27826,6 +26765,7 @@
                                   </m:mcPr>
                                 </m:mc>
                               </m:mcs>
+                              <m:plcHide m:val="on"/>
                               <m:ctrlPr>
                                 <a:rPr lang="en-US" sz="1500" i="1">
                                   <a:solidFill>
@@ -28003,7 +26943,6 @@
                                   <m:sub>
                                     <m:m>
                                       <m:mPr>
-                                        <m:plcHide m:val="on"/>
                                         <m:mcs>
                                           <m:mc>
                                             <m:mcPr>
@@ -28012,6 +26951,7 @@
                                             </m:mcPr>
                                           </m:mc>
                                         </m:mcs>
+                                        <m:plcHide m:val="on"/>
                                         <m:ctrlPr>
                                           <a:rPr lang="en-US" sz="1500" i="1">
                                             <a:solidFill>
@@ -28230,7 +27170,6 @@
                                   <m:sub>
                                     <m:m>
                                       <m:mPr>
-                                        <m:plcHide m:val="on"/>
                                         <m:mcs>
                                           <m:mc>
                                             <m:mcPr>
@@ -28239,6 +27178,7 @@
                                             </m:mcPr>
                                           </m:mc>
                                         </m:mcs>
+                                        <m:plcHide m:val="on"/>
                                         <m:ctrlPr>
                                           <a:rPr lang="en-US" sz="1500" i="1">
                                             <a:solidFill>
@@ -28457,7 +27397,6 @@
                                   <m:sub>
                                     <m:m>
                                       <m:mPr>
-                                        <m:plcHide m:val="on"/>
                                         <m:mcs>
                                           <m:mc>
                                             <m:mcPr>
@@ -28466,6 +27405,7 @@
                                             </m:mcPr>
                                           </m:mc>
                                         </m:mcs>
+                                        <m:plcHide m:val="on"/>
                                         <m:ctrlPr>
                                           <a:rPr lang="en-US" sz="1500" i="1">
                                             <a:solidFill>
@@ -28684,7 +27624,6 @@
                                   <m:sub>
                                     <m:m>
                                       <m:mPr>
-                                        <m:plcHide m:val="on"/>
                                         <m:mcs>
                                           <m:mc>
                                             <m:mcPr>
@@ -28693,6 +27632,7 @@
                                             </m:mcPr>
                                           </m:mc>
                                         </m:mcs>
+                                        <m:plcHide m:val="on"/>
                                         <m:ctrlPr>
                                           <a:rPr lang="en-US" sz="1500" i="1">
                                             <a:solidFill>
@@ -28911,7 +27851,6 @@
                                   <m:sub>
                                     <m:m>
                                       <m:mPr>
-                                        <m:plcHide m:val="on"/>
                                         <m:mcs>
                                           <m:mc>
                                             <m:mcPr>
@@ -28920,6 +27859,7 @@
                                             </m:mcPr>
                                           </m:mc>
                                         </m:mcs>
+                                        <m:plcHide m:val="on"/>
                                         <m:ctrlPr>
                                           <a:rPr lang="en-US" sz="1500" i="1">
                                             <a:solidFill>
@@ -29138,7 +28078,6 @@
                                   <m:sub>
                                     <m:m>
                                       <m:mPr>
-                                        <m:plcHide m:val="on"/>
                                         <m:mcs>
                                           <m:mc>
                                             <m:mcPr>
@@ -29147,6 +28086,7 @@
                                             </m:mcPr>
                                           </m:mc>
                                         </m:mcs>
+                                        <m:plcHide m:val="on"/>
                                         <m:ctrlPr>
                                           <a:rPr lang="en-US" sz="1500" i="1">
                                             <a:solidFill>
@@ -29417,7 +28357,6 @@
                                   <m:sub>
                                     <m:m>
                                       <m:mPr>
-                                        <m:plcHide m:val="on"/>
                                         <m:mcs>
                                           <m:mc>
                                             <m:mcPr>
@@ -29426,6 +28365,7 @@
                                             </m:mcPr>
                                           </m:mc>
                                         </m:mcs>
+                                        <m:plcHide m:val="on"/>
                                         <m:ctrlPr>
                                           <a:rPr lang="en-US" sz="1500" i="1">
                                             <a:solidFill>
@@ -29644,7 +28584,6 @@
                                   <m:sub>
                                     <m:m>
                                       <m:mPr>
-                                        <m:plcHide m:val="on"/>
                                         <m:mcs>
                                           <m:mc>
                                             <m:mcPr>
@@ -29653,6 +28592,7 @@
                                             </m:mcPr>
                                           </m:mc>
                                         </m:mcs>
+                                        <m:plcHide m:val="on"/>
                                         <m:ctrlPr>
                                           <a:rPr lang="en-US" sz="1500" i="1">
                                             <a:solidFill>
@@ -29871,7 +28811,6 @@
                                   <m:sub>
                                     <m:m>
                                       <m:mPr>
-                                        <m:plcHide m:val="on"/>
                                         <m:mcs>
                                           <m:mc>
                                             <m:mcPr>
@@ -29880,6 +28819,7 @@
                                             </m:mcPr>
                                           </m:mc>
                                         </m:mcs>
+                                        <m:plcHide m:val="on"/>
                                         <m:ctrlPr>
                                           <a:rPr lang="en-US" sz="1500" i="1">
                                             <a:solidFill>
@@ -30098,7 +29038,6 @@
                                   <m:sub>
                                     <m:m>
                                       <m:mPr>
-                                        <m:plcHide m:val="on"/>
                                         <m:mcs>
                                           <m:mc>
                                             <m:mcPr>
@@ -30107,6 +29046,7 @@
                                             </m:mcPr>
                                           </m:mc>
                                         </m:mcs>
+                                        <m:plcHide m:val="on"/>
                                         <m:ctrlPr>
                                           <a:rPr lang="en-US" sz="1500" i="1">
                                             <a:solidFill>
@@ -30325,7 +29265,6 @@
                                   <m:sub>
                                     <m:m>
                                       <m:mPr>
-                                        <m:plcHide m:val="on"/>
                                         <m:mcs>
                                           <m:mc>
                                             <m:mcPr>
@@ -30334,6 +29273,7 @@
                                             </m:mcPr>
                                           </m:mc>
                                         </m:mcs>
+                                        <m:plcHide m:val="on"/>
                                         <m:ctrlPr>
                                           <a:rPr lang="en-US" sz="1500" i="1">
                                             <a:solidFill>
@@ -30552,7 +29492,6 @@
                                   <m:sub>
                                     <m:m>
                                       <m:mPr>
-                                        <m:plcHide m:val="on"/>
                                         <m:mcs>
                                           <m:mc>
                                             <m:mcPr>
@@ -30561,6 +29500,7 @@
                                             </m:mcPr>
                                           </m:mc>
                                         </m:mcs>
+                                        <m:plcHide m:val="on"/>
                                         <m:ctrlPr>
                                           <a:rPr lang="en-US" sz="1500" i="1">
                                             <a:solidFill>
@@ -30831,7 +29771,6 @@
                                   <m:sub>
                                     <m:m>
                                       <m:mPr>
-                                        <m:plcHide m:val="on"/>
                                         <m:mcs>
                                           <m:mc>
                                             <m:mcPr>
@@ -30840,6 +29779,7 @@
                                             </m:mcPr>
                                           </m:mc>
                                         </m:mcs>
+                                        <m:plcHide m:val="on"/>
                                         <m:ctrlPr>
                                           <a:rPr lang="en-US" sz="1500" i="1">
                                             <a:solidFill>
@@ -31058,7 +29998,6 @@
                                   <m:sub>
                                     <m:m>
                                       <m:mPr>
-                                        <m:plcHide m:val="on"/>
                                         <m:mcs>
                                           <m:mc>
                                             <m:mcPr>
@@ -31067,6 +30006,7 @@
                                             </m:mcPr>
                                           </m:mc>
                                         </m:mcs>
+                                        <m:plcHide m:val="on"/>
                                         <m:ctrlPr>
                                           <a:rPr lang="en-US" sz="1500" i="1">
                                             <a:solidFill>
@@ -31285,7 +30225,6 @@
                                   <m:sub>
                                     <m:m>
                                       <m:mPr>
-                                        <m:plcHide m:val="on"/>
                                         <m:mcs>
                                           <m:mc>
                                             <m:mcPr>
@@ -31294,6 +30233,7 @@
                                             </m:mcPr>
                                           </m:mc>
                                         </m:mcs>
+                                        <m:plcHide m:val="on"/>
                                         <m:ctrlPr>
                                           <a:rPr lang="en-US" sz="1500" i="1">
                                             <a:solidFill>
@@ -31512,7 +30452,6 @@
                                   <m:sub>
                                     <m:m>
                                       <m:mPr>
-                                        <m:plcHide m:val="on"/>
                                         <m:mcs>
                                           <m:mc>
                                             <m:mcPr>
@@ -31521,6 +30460,7 @@
                                             </m:mcPr>
                                           </m:mc>
                                         </m:mcs>
+                                        <m:plcHide m:val="on"/>
                                         <m:ctrlPr>
                                           <a:rPr lang="en-US" sz="1500" i="1">
                                             <a:solidFill>
@@ -31739,7 +30679,6 @@
                                   <m:sub>
                                     <m:m>
                                       <m:mPr>
-                                        <m:plcHide m:val="on"/>
                                         <m:mcs>
                                           <m:mc>
                                             <m:mcPr>
@@ -31748,6 +30687,7 @@
                                             </m:mcPr>
                                           </m:mc>
                                         </m:mcs>
+                                        <m:plcHide m:val="on"/>
                                         <m:ctrlPr>
                                           <a:rPr lang="en-US" sz="1500" i="1">
                                             <a:solidFill>
@@ -31966,7 +30906,6 @@
                                   <m:sub>
                                     <m:m>
                                       <m:mPr>
-                                        <m:plcHide m:val="on"/>
                                         <m:mcs>
                                           <m:mc>
                                             <m:mcPr>
@@ -31975,6 +30914,7 @@
                                             </m:mcPr>
                                           </m:mc>
                                         </m:mcs>
+                                        <m:plcHide m:val="on"/>
                                         <m:ctrlPr>
                                           <a:rPr lang="en-US" sz="1500" i="1">
                                             <a:solidFill>
@@ -32088,16 +31028,10 @@
             </p:txBody>
           </p:sp>
         </mc:Choice>
-        <mc:Fallback xmlns="">
+        <mc:Fallback>
           <p:sp>
             <p:nvSpPr>
-              <p:cNvPr id="9" name="TextBox 8">
-                <a:extLst>
-                  <a:ext uri="{FF2B5EF4-FFF2-40B4-BE49-F238E27FC236}">
-                    <a16:creationId xmlns:a16="http://schemas.microsoft.com/office/drawing/2014/main" id="{0DFC1B3C-F277-FAA9-2AD7-919611EEDD13}"/>
-                  </a:ext>
-                </a:extLst>
-              </p:cNvPr>
+              <p:cNvPr id="9" name="TextBox 8"/>
               <p:cNvSpPr txBox="1">
                 <a:spLocks noRot="1" noChangeAspect="1" noMove="1" noResize="1" noEditPoints="1" noAdjustHandles="1" noChangeArrowheads="1" noChangeShapeType="1" noTextEdit="1"/>
               </p:cNvSpPr>
@@ -32111,10 +31045,10 @@
               <a:prstGeom prst="rect">
                 <a:avLst/>
               </a:prstGeom>
-              <a:blipFill>
-                <a:blip r:embed="rId3"/>
+              <a:blipFill rotWithShape="1">
+                <a:blip r:embed="rId2"/>
                 <a:stretch>
-                  <a:fillRect/>
+                  <a:fillRect l="-3" t="-9" r="4" b="3"/>
                 </a:stretch>
               </a:blipFill>
             </p:spPr>
@@ -32123,7 +31057,7 @@
               <a:lstStyle/>
               <a:p>
                 <a:r>
-                  <a:rPr lang="en-US">
+                  <a:rPr lang="en-US" altLang="en-US">
                     <a:noFill/>
                   </a:rPr>
                   <a:t> </a:t>
@@ -32133,17 +31067,11 @@
           </p:sp>
         </mc:Fallback>
       </mc:AlternateContent>
-      <mc:AlternateContent xmlns:mc="http://schemas.openxmlformats.org/markup-compatibility/2006" xmlns:a14="http://schemas.microsoft.com/office/drawing/2010/main">
-        <mc:Choice Requires="a14">
+      <mc:AlternateContent xmlns:mc="http://schemas.openxmlformats.org/markup-compatibility/2006">
+        <mc:Choice xmlns:a14="http://schemas.microsoft.com/office/drawing/2010/main" Requires="a14">
           <p:sp>
             <p:nvSpPr>
-              <p:cNvPr id="11" name="TextBox 10">
-                <a:extLst>
-                  <a:ext uri="{FF2B5EF4-FFF2-40B4-BE49-F238E27FC236}">
-                    <a16:creationId xmlns:a16="http://schemas.microsoft.com/office/drawing/2014/main" id="{5E978BBE-6B1F-CF7E-A0A5-59A394EF5645}"/>
-                  </a:ext>
-                </a:extLst>
-              </p:cNvPr>
+              <p:cNvPr id="11" name="TextBox 10"/>
               <p:cNvSpPr txBox="1"/>
               <p:nvPr/>
             </p:nvSpPr>
@@ -32163,7 +31091,6 @@
               </a:bodyPr>
               <a:lstStyle/>
               <a:p>
-                <a:pPr/>
                 <a14:m>
                   <m:oMathPara xmlns:m="http://schemas.openxmlformats.org/officeDocument/2006/math">
                     <m:oMathParaPr>
@@ -32198,7 +31125,6 @@
                         <m:e>
                           <m:m>
                             <m:mPr>
-                              <m:plcHide m:val="on"/>
                               <m:mcs>
                                 <m:mc>
                                   <m:mcPr>
@@ -32207,6 +31133,7 @@
                                   </m:mcPr>
                                 </m:mc>
                               </m:mcs>
+                              <m:plcHide m:val="on"/>
                               <m:ctrlPr>
                                 <a:rPr lang="en-US" sz="1500" i="1">
                                   <a:solidFill>
@@ -32352,7 +31279,6 @@
                                   <m:sub>
                                     <m:m>
                                       <m:mPr>
-                                        <m:plcHide m:val="on"/>
                                         <m:mcs>
                                           <m:mc>
                                             <m:mcPr>
@@ -32361,6 +31287,7 @@
                                             </m:mcPr>
                                           </m:mc>
                                         </m:mcs>
+                                        <m:plcHide m:val="on"/>
                                         <m:ctrlPr>
                                           <a:rPr lang="en-US" sz="1500" i="1">
                                             <a:solidFill>
@@ -32579,7 +31506,6 @@
                                   <m:sub>
                                     <m:m>
                                       <m:mPr>
-                                        <m:plcHide m:val="on"/>
                                         <m:mcs>
                                           <m:mc>
                                             <m:mcPr>
@@ -32588,6 +31514,7 @@
                                             </m:mcPr>
                                           </m:mc>
                                         </m:mcs>
+                                        <m:plcHide m:val="on"/>
                                         <m:ctrlPr>
                                           <a:rPr lang="en-US" sz="1500" i="1">
                                             <a:solidFill>
@@ -32826,7 +31753,6 @@
                                   <m:sub>
                                     <m:m>
                                       <m:mPr>
-                                        <m:plcHide m:val="on"/>
                                         <m:mcs>
                                           <m:mc>
                                             <m:mcPr>
@@ -32835,6 +31761,7 @@
                                             </m:mcPr>
                                           </m:mc>
                                         </m:mcs>
+                                        <m:plcHide m:val="on"/>
                                         <m:ctrlPr>
                                           <a:rPr lang="en-US" sz="1500" i="1">
                                             <a:solidFill>
@@ -33053,7 +31980,6 @@
                                   <m:sub>
                                     <m:m>
                                       <m:mPr>
-                                        <m:plcHide m:val="on"/>
                                         <m:mcs>
                                           <m:mc>
                                             <m:mcPr>
@@ -33062,6 +31988,7 @@
                                             </m:mcPr>
                                           </m:mc>
                                         </m:mcs>
+                                        <m:plcHide m:val="on"/>
                                         <m:ctrlPr>
                                           <a:rPr lang="en-US" sz="1500" i="1">
                                             <a:solidFill>
@@ -33300,7 +32227,6 @@
                                   <m:sub>
                                     <m:m>
                                       <m:mPr>
-                                        <m:plcHide m:val="on"/>
                                         <m:mcs>
                                           <m:mc>
                                             <m:mcPr>
@@ -33309,6 +32235,7 @@
                                             </m:mcPr>
                                           </m:mc>
                                         </m:mcs>
+                                        <m:plcHide m:val="on"/>
                                         <m:ctrlPr>
                                           <a:rPr lang="en-US" sz="1500" i="1">
                                             <a:solidFill>
@@ -33527,7 +32454,6 @@
                                   <m:sub>
                                     <m:m>
                                       <m:mPr>
-                                        <m:plcHide m:val="on"/>
                                         <m:mcs>
                                           <m:mc>
                                             <m:mcPr>
@@ -33536,6 +32462,7 @@
                                             </m:mcPr>
                                           </m:mc>
                                         </m:mcs>
+                                        <m:plcHide m:val="on"/>
                                         <m:ctrlPr>
                                           <a:rPr lang="en-US" sz="1500" i="1">
                                             <a:solidFill>
@@ -33649,16 +32576,10 @@
             </p:txBody>
           </p:sp>
         </mc:Choice>
-        <mc:Fallback xmlns="">
+        <mc:Fallback>
           <p:sp>
             <p:nvSpPr>
-              <p:cNvPr id="11" name="TextBox 10">
-                <a:extLst>
-                  <a:ext uri="{FF2B5EF4-FFF2-40B4-BE49-F238E27FC236}">
-                    <a16:creationId xmlns:a16="http://schemas.microsoft.com/office/drawing/2014/main" id="{5E978BBE-6B1F-CF7E-A0A5-59A394EF5645}"/>
-                  </a:ext>
-                </a:extLst>
-              </p:cNvPr>
+              <p:cNvPr id="11" name="TextBox 10"/>
               <p:cNvSpPr txBox="1">
                 <a:spLocks noRot="1" noChangeAspect="1" noMove="1" noResize="1" noEditPoints="1" noAdjustHandles="1" noChangeArrowheads="1" noChangeShapeType="1" noTextEdit="1"/>
               </p:cNvSpPr>
@@ -33672,10 +32593,10 @@
               <a:prstGeom prst="rect">
                 <a:avLst/>
               </a:prstGeom>
-              <a:blipFill>
-                <a:blip r:embed="rId4"/>
+              <a:blipFill rotWithShape="1">
+                <a:blip r:embed="rId3"/>
                 <a:stretch>
-                  <a:fillRect/>
+                  <a:fillRect l="-6" t="-9" r="13" b="3"/>
                 </a:stretch>
               </a:blipFill>
             </p:spPr>
@@ -33684,7 +32605,7 @@
               <a:lstStyle/>
               <a:p>
                 <a:r>
-                  <a:rPr lang="en-US">
+                  <a:rPr lang="en-US" altLang="en-US">
                     <a:noFill/>
                   </a:rPr>
                   <a:t> </a:t>
@@ -33695,11 +32616,6 @@
         </mc:Fallback>
       </mc:AlternateContent>
     </p:spTree>
-    <p:extLst>
-      <p:ext uri="{BB962C8B-B14F-4D97-AF65-F5344CB8AC3E}">
-        <p14:creationId xmlns:p14="http://schemas.microsoft.com/office/powerpoint/2010/main" val="520356794"/>
-      </p:ext>
-    </p:extLst>
   </p:cSld>
   <p:clrMapOvr>
     <a:masterClrMapping/>
@@ -33750,7 +32666,7 @@
     </a:clrScheme>
     <a:fontScheme name="Office">
       <a:majorFont>
-        <a:latin typeface="Aptos Display" panose="02110004020202020204"/>
+        <a:latin typeface="Aptos Display"/>
         <a:ea typeface=""/>
         <a:cs typeface=""/>
         <a:font script="Jpan" typeface="游ゴシック Light"/>
@@ -33783,26 +32699,9 @@
         <a:font script="Viet" typeface="Times New Roman"/>
         <a:font script="Uigh" typeface="Microsoft Uighur"/>
         <a:font script="Geor" typeface="Sylfaen"/>
-        <a:font script="Armn" typeface="Arial"/>
-        <a:font script="Bugi" typeface="Leelawadee UI"/>
-        <a:font script="Bopo" typeface="Microsoft JhengHei"/>
-        <a:font script="Java" typeface="Javanese Text"/>
-        <a:font script="Lisu" typeface="Segoe UI"/>
-        <a:font script="Mymr" typeface="Myanmar Text"/>
-        <a:font script="Nkoo" typeface="Ebrima"/>
-        <a:font script="Olck" typeface="Nirmala UI"/>
-        <a:font script="Osma" typeface="Ebrima"/>
-        <a:font script="Phag" typeface="Phagspa"/>
-        <a:font script="Syrn" typeface="Estrangelo Edessa"/>
-        <a:font script="Syrj" typeface="Estrangelo Edessa"/>
-        <a:font script="Syre" typeface="Estrangelo Edessa"/>
-        <a:font script="Sora" typeface="Nirmala UI"/>
-        <a:font script="Tale" typeface="Microsoft Tai Le"/>
-        <a:font script="Talu" typeface="Microsoft New Tai Lue"/>
-        <a:font script="Tfng" typeface="Ebrima"/>
       </a:majorFont>
       <a:minorFont>
-        <a:latin typeface="Aptos" panose="02110004020202020204"/>
+        <a:latin typeface="Aptos"/>
         <a:ea typeface=""/>
         <a:cs typeface=""/>
         <a:font script="Jpan" typeface="游ゴシック"/>
@@ -33835,23 +32734,6 @@
         <a:font script="Viet" typeface="Arial"/>
         <a:font script="Uigh" typeface="Microsoft Uighur"/>
         <a:font script="Geor" typeface="Sylfaen"/>
-        <a:font script="Armn" typeface="Arial"/>
-        <a:font script="Bugi" typeface="Leelawadee UI"/>
-        <a:font script="Bopo" typeface="Microsoft JhengHei"/>
-        <a:font script="Java" typeface="Javanese Text"/>
-        <a:font script="Lisu" typeface="Segoe UI"/>
-        <a:font script="Mymr" typeface="Myanmar Text"/>
-        <a:font script="Nkoo" typeface="Ebrima"/>
-        <a:font script="Olck" typeface="Nirmala UI"/>
-        <a:font script="Osma" typeface="Ebrima"/>
-        <a:font script="Phag" typeface="Phagspa"/>
-        <a:font script="Syrn" typeface="Estrangelo Edessa"/>
-        <a:font script="Syrj" typeface="Estrangelo Edessa"/>
-        <a:font script="Syre" typeface="Estrangelo Edessa"/>
-        <a:font script="Sora" typeface="Nirmala UI"/>
-        <a:font script="Tale" typeface="Microsoft Tai Le"/>
-        <a:font script="Talu" typeface="Microsoft New Tai Lue"/>
-        <a:font script="Tfng" typeface="Ebrima"/>
       </a:minorFont>
     </a:fontScheme>
     <a:fmtScheme name="Office">
@@ -34013,10 +32895,9 @@
       </a:style>
     </a:lnDef>
   </a:objectDefaults>
-  <a:extraClrSchemeLst/>
   <a:extLst>
     <a:ext uri="{05A4C25C-085E-4340-85A3-A5531E510DB2}">
-      <thm15:themeFamily xmlns:thm15="http://schemas.microsoft.com/office/thememl/2012/main" name="Office Theme" id="{2E142A2C-CD16-42D6-873A-C26D2A0506FA}" vid="{1BDDFF52-6CD6-40A5-AB3C-68EB2F1E4D0A}"/>
+      <thm15:themeFamily xmlns:thm15="http://schemas.microsoft.com/office/thememl/2012/main" name="Office Theme" id="{62F939B6-93AF-4DB8-9C6B-D6C7DFDC589F}" vid="{4A3C46E8-61CC-4603-A589-7422A47A8E4A}"/>
     </a:ext>
   </a:extLst>
 </a:theme>
@@ -34065,7 +32946,7 @@
     </a:clrScheme>
     <a:fontScheme name="Office">
       <a:majorFont>
-        <a:latin typeface="Aptos Display" panose="02110004020202020204"/>
+        <a:latin typeface="Aptos Display"/>
         <a:ea typeface=""/>
         <a:cs typeface=""/>
         <a:font script="Jpan" typeface="游ゴシック Light"/>
@@ -34098,26 +32979,9 @@
         <a:font script="Viet" typeface="Times New Roman"/>
         <a:font script="Uigh" typeface="Microsoft Uighur"/>
         <a:font script="Geor" typeface="Sylfaen"/>
-        <a:font script="Armn" typeface="Arial"/>
-        <a:font script="Bugi" typeface="Leelawadee UI"/>
-        <a:font script="Bopo" typeface="Microsoft JhengHei"/>
-        <a:font script="Java" typeface="Javanese Text"/>
-        <a:font script="Lisu" typeface="Segoe UI"/>
-        <a:font script="Mymr" typeface="Myanmar Text"/>
-        <a:font script="Nkoo" typeface="Ebrima"/>
-        <a:font script="Olck" typeface="Nirmala UI"/>
-        <a:font script="Osma" typeface="Ebrima"/>
-        <a:font script="Phag" typeface="Phagspa"/>
-        <a:font script="Syrn" typeface="Estrangelo Edessa"/>
-        <a:font script="Syrj" typeface="Estrangelo Edessa"/>
-        <a:font script="Syre" typeface="Estrangelo Edessa"/>
-        <a:font script="Sora" typeface="Nirmala UI"/>
-        <a:font script="Tale" typeface="Microsoft Tai Le"/>
-        <a:font script="Talu" typeface="Microsoft New Tai Lue"/>
-        <a:font script="Tfng" typeface="Ebrima"/>
       </a:majorFont>
       <a:minorFont>
-        <a:latin typeface="Aptos" panose="02110004020202020204"/>
+        <a:latin typeface="Aptos"/>
         <a:ea typeface=""/>
         <a:cs typeface=""/>
         <a:font script="Jpan" typeface="游ゴシック"/>
@@ -34150,23 +33014,6 @@
         <a:font script="Viet" typeface="Arial"/>
         <a:font script="Uigh" typeface="Microsoft Uighur"/>
         <a:font script="Geor" typeface="Sylfaen"/>
-        <a:font script="Armn" typeface="Arial"/>
-        <a:font script="Bugi" typeface="Leelawadee UI"/>
-        <a:font script="Bopo" typeface="Microsoft JhengHei"/>
-        <a:font script="Java" typeface="Javanese Text"/>
-        <a:font script="Lisu" typeface="Segoe UI"/>
-        <a:font script="Mymr" typeface="Myanmar Text"/>
-        <a:font script="Nkoo" typeface="Ebrima"/>
-        <a:font script="Olck" typeface="Nirmala UI"/>
-        <a:font script="Osma" typeface="Ebrima"/>
-        <a:font script="Phag" typeface="Phagspa"/>
-        <a:font script="Syrn" typeface="Estrangelo Edessa"/>
-        <a:font script="Syrj" typeface="Estrangelo Edessa"/>
-        <a:font script="Syre" typeface="Estrangelo Edessa"/>
-        <a:font script="Sora" typeface="Nirmala UI"/>
-        <a:font script="Tale" typeface="Microsoft Tai Le"/>
-        <a:font script="Talu" typeface="Microsoft New Tai Lue"/>
-        <a:font script="Tfng" typeface="Ebrima"/>
       </a:minorFont>
     </a:fontScheme>
     <a:fmtScheme name="Office">
@@ -34328,10 +33175,9 @@
       </a:style>
     </a:lnDef>
   </a:objectDefaults>
-  <a:extraClrSchemeLst/>
   <a:extLst>
     <a:ext uri="{05A4C25C-085E-4340-85A3-A5531E510DB2}">
-      <thm15:themeFamily xmlns:thm15="http://schemas.microsoft.com/office/thememl/2012/main" name="Office Theme" id="{2E142A2C-CD16-42D6-873A-C26D2A0506FA}" vid="{1BDDFF52-6CD6-40A5-AB3C-68EB2F1E4D0A}"/>
+      <thm15:themeFamily xmlns:thm15="http://schemas.microsoft.com/office/thememl/2012/main" name="Office Theme" id="{62F939B6-93AF-4DB8-9C6B-D6C7DFDC589F}" vid="{4A3C46E8-61CC-4603-A589-7422A47A8E4A}"/>
     </a:ext>
   </a:extLst>
 </a:theme>

--- a/BaoCaoDieuKhienThongMinh.pptx
+++ b/BaoCaoDieuKhienThongMinh.pptx
@@ -13362,7 +13362,7 @@
                     <a:gridCol w="1884716"/>
                     <a:gridCol w="3281663"/>
                   </a:tblGrid>
-                  <a:tr h="300380">
+                  <a:tr h="300355">
                     <a:tc>
                       <a:txBody>
                         <a:bodyPr/>
@@ -13370,14 +13370,23 @@
                         <a:p>
                           <a:pPr algn="ctr"/>
                           <a:r>
-                            <a:rPr lang="en-US" sz="1100"/>
+                            <a:rPr lang="en-US" sz="1100">
+                              <a:latin typeface="Times New Roman" panose="02020603050405020304" pitchFamily="18" charset="0"/>
+                              <a:cs typeface="Times New Roman" panose="02020603050405020304" pitchFamily="18" charset="0"/>
+                            </a:rPr>
                             <a:t>Biến</a:t>
                           </a:r>
                           <a:r>
-                            <a:rPr lang="en-US" sz="1100" baseline="0"/>
+                            <a:rPr lang="en-US" sz="1100" baseline="0">
+                              <a:latin typeface="Times New Roman" panose="02020603050405020304" pitchFamily="18" charset="0"/>
+                              <a:cs typeface="Times New Roman" panose="02020603050405020304" pitchFamily="18" charset="0"/>
+                            </a:rPr>
                             <a:t> trạng thái</a:t>
                           </a:r>
-                          <a:endParaRPr lang="en-US" sz="1100"/>
+                          <a:endParaRPr lang="en-US" sz="1100">
+                            <a:latin typeface="Times New Roman" panose="02020603050405020304" pitchFamily="18" charset="0"/>
+                            <a:cs typeface="Times New Roman" panose="02020603050405020304" pitchFamily="18" charset="0"/>
+                          </a:endParaRPr>
                         </a:p>
                       </a:txBody>
                       <a:tcPr marL="68580" marR="68580" marT="34290" marB="34290" anchor="ctr"/>
@@ -13389,14 +13398,23 @@
                         <a:p>
                           <a:pPr algn="ctr"/>
                           <a:r>
-                            <a:rPr lang="en-US" sz="1100"/>
+                            <a:rPr lang="en-US" sz="1100">
+                              <a:latin typeface="Times New Roman" panose="02020603050405020304" pitchFamily="18" charset="0"/>
+                              <a:cs typeface="Times New Roman" panose="02020603050405020304" pitchFamily="18" charset="0"/>
+                            </a:rPr>
                             <a:t>Ý</a:t>
                           </a:r>
                           <a:r>
-                            <a:rPr lang="en-US" sz="1100" baseline="0"/>
+                            <a:rPr lang="en-US" sz="1100" baseline="0">
+                              <a:latin typeface="Times New Roman" panose="02020603050405020304" pitchFamily="18" charset="0"/>
+                              <a:cs typeface="Times New Roman" panose="02020603050405020304" pitchFamily="18" charset="0"/>
+                            </a:rPr>
                             <a:t> nghĩa</a:t>
                           </a:r>
-                          <a:endParaRPr lang="en-US" sz="1100"/>
+                          <a:endParaRPr lang="en-US" sz="1100">
+                            <a:latin typeface="Times New Roman" panose="02020603050405020304" pitchFamily="18" charset="0"/>
+                            <a:cs typeface="Times New Roman" panose="02020603050405020304" pitchFamily="18" charset="0"/>
+                          </a:endParaRPr>
                         </a:p>
                       </a:txBody>
                       <a:tcPr marL="68580" marR="68580" marT="34290" marB="34290" anchor="ctr"/>
@@ -14395,7 +14413,7 @@
                     <a:gridCol w="1884716"/>
                     <a:gridCol w="3281663"/>
                   </a:tblGrid>
-                  <a:tr h="300380">
+                  <a:tr h="300355">
                     <a:tc>
                       <a:txBody>
                         <a:bodyPr/>
@@ -14403,14 +14421,23 @@
                         <a:p>
                           <a:pPr algn="ctr"/>
                           <a:r>
-                            <a:rPr lang="en-US" sz="1100"/>
+                            <a:rPr lang="en-US" sz="1100">
+                              <a:latin typeface="Times New Roman" panose="02020603050405020304" pitchFamily="18" charset="0"/>
+                              <a:cs typeface="Times New Roman" panose="02020603050405020304" pitchFamily="18" charset="0"/>
+                            </a:rPr>
                             <a:t>Biến</a:t>
                           </a:r>
                           <a:r>
-                            <a:rPr lang="en-US" sz="1100" baseline="0"/>
+                            <a:rPr lang="en-US" sz="1100" baseline="0">
+                              <a:latin typeface="Times New Roman" panose="02020603050405020304" pitchFamily="18" charset="0"/>
+                              <a:cs typeface="Times New Roman" panose="02020603050405020304" pitchFamily="18" charset="0"/>
+                            </a:rPr>
                             <a:t> trạng thái</a:t>
                           </a:r>
-                          <a:endParaRPr lang="en-US" sz="1100"/>
+                          <a:endParaRPr lang="en-US" sz="1100">
+                            <a:latin typeface="Times New Roman" panose="02020603050405020304" pitchFamily="18" charset="0"/>
+                            <a:cs typeface="Times New Roman" panose="02020603050405020304" pitchFamily="18" charset="0"/>
+                          </a:endParaRPr>
                         </a:p>
                       </a:txBody>
                       <a:tcPr marL="68580" marR="68580" marT="34290" marB="34290" anchor="ctr"/>
@@ -14422,14 +14449,23 @@
                         <a:p>
                           <a:pPr algn="ctr"/>
                           <a:r>
-                            <a:rPr lang="en-US" sz="1100"/>
+                            <a:rPr lang="en-US" sz="1100">
+                              <a:latin typeface="Times New Roman" panose="02020603050405020304" pitchFamily="18" charset="0"/>
+                              <a:cs typeface="Times New Roman" panose="02020603050405020304" pitchFamily="18" charset="0"/>
+                            </a:rPr>
                             <a:t>Ý</a:t>
                           </a:r>
                           <a:r>
-                            <a:rPr lang="en-US" sz="1100" baseline="0"/>
+                            <a:rPr lang="en-US" sz="1100" baseline="0">
+                              <a:latin typeface="Times New Roman" panose="02020603050405020304" pitchFamily="18" charset="0"/>
+                              <a:cs typeface="Times New Roman" panose="02020603050405020304" pitchFamily="18" charset="0"/>
+                            </a:rPr>
                             <a:t> nghĩa</a:t>
                           </a:r>
-                          <a:endParaRPr lang="en-US" sz="1100"/>
+                          <a:endParaRPr lang="en-US" sz="1100">
+                            <a:latin typeface="Times New Roman" panose="02020603050405020304" pitchFamily="18" charset="0"/>
+                            <a:cs typeface="Times New Roman" panose="02020603050405020304" pitchFamily="18" charset="0"/>
+                          </a:endParaRPr>
                         </a:p>
                       </a:txBody>
                       <a:tcPr marL="68580" marR="68580" marT="34290" marB="34290" anchor="ctr"/>

--- a/BaoCaoDieuKhienThongMinh.pptx
+++ b/BaoCaoDieuKhienThongMinh.pptx
@@ -19633,7 +19633,7 @@
             <p:spPr>
               <a:xfrm>
                 <a:off x="2417445" y="2108608"/>
-                <a:ext cx="7357109" cy="3196260"/>
+                <a:ext cx="7357109" cy="3114675"/>
               </a:xfrm>
               <a:prstGeom prst="rect">
                 <a:avLst/>
@@ -19676,7 +19676,7 @@
                     <a:ea typeface="Tahoma" panose="020B0604030504040204" pitchFamily="34" charset="0"/>
                     <a:cs typeface="Times New Roman" panose="02020603050405020304" pitchFamily="18" charset="0"/>
                   </a:rPr>
-                  <a:t>Tiếp tục ta tìm Momen lực do động cơ:</a:t>
+                  <a:t>Tiếp tục ta tìm Moment lực do động cơ:</a:t>
                 </a:r>
                 <a:endParaRPr lang="en-US">
                   <a:latin typeface="Times New Roman" panose="02020603050405020304" pitchFamily="18" charset="0"/>
@@ -20048,7 +20048,7 @@
                     <a:latin typeface="Times New Roman" panose="02020603050405020304" pitchFamily="18" charset="0"/>
                     <a:cs typeface="Times New Roman" panose="02020603050405020304" pitchFamily="18" charset="0"/>
                   </a:rPr>
-                  <a:t>Từ đó, các momen lực sinh ra:</a:t>
+                  <a:t>Từ đó, các moment lực sinh ra:</a:t>
                 </a:r>
                 <a:endParaRPr lang="en-US">
                   <a:latin typeface="Times New Roman" panose="02020603050405020304" pitchFamily="18" charset="0"/>
@@ -21056,7 +21056,7 @@
             <p:spPr>
               <a:xfrm>
                 <a:off x="2417445" y="2108608"/>
-                <a:ext cx="7357109" cy="3196260"/>
+                <a:ext cx="7357109" cy="3114675"/>
               </a:xfrm>
               <a:prstGeom prst="rect">
                 <a:avLst/>
@@ -21064,7 +21064,7 @@
               <a:blipFill rotWithShape="1">
                 <a:blip r:embed="rId1"/>
                 <a:stretch>
-                  <a:fillRect l="-129" t="-311" r="-121" b="-296"/>
+                  <a:fillRect l="-138" t="-319" r="-121" b="-293"/>
                 </a:stretch>
               </a:blipFill>
             </p:spPr>
@@ -21253,7 +21253,7 @@
       </p:par>
     </p:tnLst>
     <p:bldLst>
-      <p:bldP spid="4" grpId="0" animBg="1"/>
+      <p:bldP spid="4" grpId="0" bldLvl="0" animBg="1"/>
     </p:bldLst>
   </p:timing>
 </p:sld>
